--- a/thesis/progress_updates/heu_seminar/heu_seminar.pptx
+++ b/thesis/progress_updates/heu_seminar/heu_seminar.pptx
@@ -5,7 +5,7 @@
     <p:sldMasterId id="2147483673" r:id="rId1"/>
   </p:sldMasterIdLst>
   <p:notesMasterIdLst>
-    <p:notesMasterId r:id="rId41"/>
+    <p:notesMasterId r:id="rId42"/>
   </p:notesMasterIdLst>
   <p:sldIdLst>
     <p:sldId id="260" r:id="rId2"/>
@@ -15,38 +15,39 @@
     <p:sldId id="400" r:id="rId6"/>
     <p:sldId id="398" r:id="rId7"/>
     <p:sldId id="402" r:id="rId8"/>
-    <p:sldId id="405" r:id="rId9"/>
-    <p:sldId id="401" r:id="rId10"/>
-    <p:sldId id="406" r:id="rId11"/>
-    <p:sldId id="407" r:id="rId12"/>
-    <p:sldId id="404" r:id="rId13"/>
-    <p:sldId id="361" r:id="rId14"/>
-    <p:sldId id="376" r:id="rId15"/>
-    <p:sldId id="372" r:id="rId16"/>
-    <p:sldId id="375" r:id="rId17"/>
-    <p:sldId id="377" r:id="rId18"/>
-    <p:sldId id="380" r:id="rId19"/>
-    <p:sldId id="379" r:id="rId20"/>
-    <p:sldId id="378" r:id="rId21"/>
-    <p:sldId id="381" r:id="rId22"/>
-    <p:sldId id="382" r:id="rId23"/>
-    <p:sldId id="383" r:id="rId24"/>
-    <p:sldId id="384" r:id="rId25"/>
-    <p:sldId id="385" r:id="rId26"/>
-    <p:sldId id="387" r:id="rId27"/>
-    <p:sldId id="388" r:id="rId28"/>
-    <p:sldId id="389" r:id="rId29"/>
-    <p:sldId id="390" r:id="rId30"/>
-    <p:sldId id="391" r:id="rId31"/>
-    <p:sldId id="393" r:id="rId32"/>
-    <p:sldId id="392" r:id="rId33"/>
-    <p:sldId id="299" r:id="rId34"/>
-    <p:sldId id="295" r:id="rId35"/>
-    <p:sldId id="285" r:id="rId36"/>
-    <p:sldId id="263" r:id="rId37"/>
-    <p:sldId id="277" r:id="rId38"/>
-    <p:sldId id="265" r:id="rId39"/>
-    <p:sldId id="266" r:id="rId40"/>
+    <p:sldId id="408" r:id="rId9"/>
+    <p:sldId id="409" r:id="rId10"/>
+    <p:sldId id="401" r:id="rId11"/>
+    <p:sldId id="406" r:id="rId12"/>
+    <p:sldId id="407" r:id="rId13"/>
+    <p:sldId id="404" r:id="rId14"/>
+    <p:sldId id="361" r:id="rId15"/>
+    <p:sldId id="376" r:id="rId16"/>
+    <p:sldId id="372" r:id="rId17"/>
+    <p:sldId id="375" r:id="rId18"/>
+    <p:sldId id="377" r:id="rId19"/>
+    <p:sldId id="380" r:id="rId20"/>
+    <p:sldId id="379" r:id="rId21"/>
+    <p:sldId id="378" r:id="rId22"/>
+    <p:sldId id="381" r:id="rId23"/>
+    <p:sldId id="382" r:id="rId24"/>
+    <p:sldId id="383" r:id="rId25"/>
+    <p:sldId id="384" r:id="rId26"/>
+    <p:sldId id="385" r:id="rId27"/>
+    <p:sldId id="387" r:id="rId28"/>
+    <p:sldId id="388" r:id="rId29"/>
+    <p:sldId id="389" r:id="rId30"/>
+    <p:sldId id="390" r:id="rId31"/>
+    <p:sldId id="391" r:id="rId32"/>
+    <p:sldId id="393" r:id="rId33"/>
+    <p:sldId id="392" r:id="rId34"/>
+    <p:sldId id="299" r:id="rId35"/>
+    <p:sldId id="295" r:id="rId36"/>
+    <p:sldId id="285" r:id="rId37"/>
+    <p:sldId id="263" r:id="rId38"/>
+    <p:sldId id="277" r:id="rId39"/>
+    <p:sldId id="265" r:id="rId40"/>
+    <p:sldId id="266" r:id="rId41"/>
   </p:sldIdLst>
   <p:sldSz cx="9144000" cy="5145088"/>
   <p:notesSz cx="6858000" cy="9144000"/>
@@ -258,7 +259,7 @@
           <a:p>
             <a:fld id="{FA8F02CA-77CB-4E54-B712-21E588799EE8}" type="datetimeFigureOut">
               <a:rPr lang="de-DE" smtClean="0"/>
-              <a:t>28.05.2023</a:t>
+              <a:t>29.05.2023</a:t>
             </a:fld>
             <a:endParaRPr lang="de-DE"/>
           </a:p>
@@ -1033,7 +1034,7 @@
           <a:p>
             <a:fld id="{EF9F2463-8150-4DAA-877D-A146C8C8C60A}" type="datetime1">
               <a:rPr lang="de-DE" smtClean="0"/>
-              <a:t>28.05.2023</a:t>
+              <a:t>29.05.2023</a:t>
             </a:fld>
             <a:endParaRPr lang="de-DE"/>
           </a:p>
@@ -1275,7 +1276,7 @@
           <a:p>
             <a:fld id="{224C4683-D191-47F3-8302-BB2B36B1C86A}" type="datetime1">
               <a:rPr lang="de-DE" smtClean="0"/>
-              <a:t>28.05.2023</a:t>
+              <a:t>29.05.2023</a:t>
             </a:fld>
             <a:endParaRPr lang="de-DE"/>
           </a:p>
@@ -1474,7 +1475,7 @@
           <a:p>
             <a:fld id="{5E89BE91-4B1C-4025-AE57-60317864A3F3}" type="datetime1">
               <a:rPr lang="de-DE" smtClean="0"/>
-              <a:t>28.05.2023</a:t>
+              <a:t>29.05.2023</a:t>
             </a:fld>
             <a:endParaRPr lang="de-DE"/>
           </a:p>
@@ -1763,7 +1764,7 @@
           <a:p>
             <a:fld id="{3AD15D93-083F-4B89-951E-D5F35A1BBEC8}" type="datetime1">
               <a:rPr lang="de-DE" smtClean="0"/>
-              <a:t>28.05.2023</a:t>
+              <a:t>29.05.2023</a:t>
             </a:fld>
             <a:endParaRPr lang="de-DE"/>
           </a:p>
@@ -2005,7 +2006,7 @@
           <a:p>
             <a:fld id="{90C3E158-F33A-4782-AFB5-03A3FD6F0AB2}" type="datetime1">
               <a:rPr lang="de-DE" smtClean="0"/>
-              <a:t>28.05.2023</a:t>
+              <a:t>29.05.2023</a:t>
             </a:fld>
             <a:endParaRPr lang="de-DE"/>
           </a:p>
@@ -2169,7 +2170,7 @@
           <a:p>
             <a:fld id="{0A9BFA6A-9A63-4E2D-92C0-C77BFA750EDB}" type="datetime1">
               <a:rPr lang="de-DE" noProof="0" smtClean="0"/>
-              <a:t>28.05.2023</a:t>
+              <a:t>29.05.2023</a:t>
             </a:fld>
             <a:endParaRPr lang="en-US" noProof="0"/>
           </a:p>
@@ -2452,7 +2453,7 @@
           <a:p>
             <a:fld id="{43A9179C-E631-47AA-B9CB-ABFD8F596650}" type="datetime1">
               <a:rPr lang="de-DE" smtClean="0"/>
-              <a:t>28.05.2023</a:t>
+              <a:t>29.05.2023</a:t>
             </a:fld>
             <a:endParaRPr lang="de-DE"/>
           </a:p>
@@ -2706,7 +2707,7 @@
           <a:p>
             <a:fld id="{43A9179C-E631-47AA-B9CB-ABFD8F596650}" type="datetime1">
               <a:rPr lang="de-DE" smtClean="0"/>
-              <a:t>28.05.2023</a:t>
+              <a:t>29.05.2023</a:t>
             </a:fld>
             <a:endParaRPr lang="de-DE"/>
           </a:p>
@@ -3119,7 +3120,7 @@
           <a:p>
             <a:fld id="{88C61DB6-D53F-456D-8864-56CE29C6E6BA}" type="datetime1">
               <a:rPr lang="de-DE" smtClean="0"/>
-              <a:t>28.05.2023</a:t>
+              <a:t>29.05.2023</a:t>
             </a:fld>
             <a:endParaRPr lang="de-DE"/>
           </a:p>
@@ -3507,7 +3508,7 @@
           <a:p>
             <a:fld id="{88C61DB6-D53F-456D-8864-56CE29C6E6BA}" type="datetime1">
               <a:rPr lang="de-DE" smtClean="0"/>
-              <a:t>28.05.2023</a:t>
+              <a:t>29.05.2023</a:t>
             </a:fld>
             <a:endParaRPr lang="de-DE"/>
           </a:p>
@@ -3641,7 +3642,7 @@
           <a:p>
             <a:fld id="{0A1BF2A7-198D-4BCD-8375-CAC66677F609}" type="datetime1">
               <a:rPr lang="de-DE" smtClean="0"/>
-              <a:t>28.05.2023</a:t>
+              <a:t>29.05.2023</a:t>
             </a:fld>
             <a:endParaRPr lang="de-DE"/>
           </a:p>
@@ -3815,7 +3816,7 @@
           <a:p>
             <a:fld id="{0A1BF2A7-198D-4BCD-8375-CAC66677F609}" type="datetime1">
               <a:rPr lang="de-DE" smtClean="0"/>
-              <a:t>28.05.2023</a:t>
+              <a:t>29.05.2023</a:t>
             </a:fld>
             <a:endParaRPr lang="de-DE"/>
           </a:p>
@@ -4035,7 +4036,7 @@
           <a:p>
             <a:fld id="{0A1BF2A7-198D-4BCD-8375-CAC66677F609}" type="datetime1">
               <a:rPr lang="de-DE" smtClean="0"/>
-              <a:t>28.05.2023</a:t>
+              <a:t>29.05.2023</a:t>
             </a:fld>
             <a:endParaRPr lang="de-DE"/>
           </a:p>
@@ -4350,7 +4351,7 @@
             <a:fld id="{D440409C-9897-4940-8DB3-931E759C1E19}" type="datetime3">
               <a:rPr lang="en-US" smtClean="0"/>
               <a:pPr/>
-              <a:t>28 May 2023</a:t>
+              <a:t>29 May 2023</a:t>
             </a:fld>
             <a:endParaRPr lang="en-US" dirty="0"/>
           </a:p>
@@ -5161,6 +5162,42 @@
           <a:chExt cx="0" cy="0"/>
         </a:xfrm>
       </p:grpSpPr>
+      <p:pic>
+        <p:nvPicPr>
+          <p:cNvPr id="8" name="Grafik 7" descr="Ein Bild, das Text, Screenshot, Reihe, Schrift enthält.&#10;&#10;Automatisch generierte Beschreibung">
+            <a:extLst>
+              <a:ext uri="{FF2B5EF4-FFF2-40B4-BE49-F238E27FC236}">
+                <a16:creationId xmlns:a16="http://schemas.microsoft.com/office/drawing/2014/main" id="{712B4F10-4D3A-5044-C25A-7325AF439BB5}"/>
+              </a:ext>
+            </a:extLst>
+          </p:cNvPr>
+          <p:cNvPicPr>
+            <a:picLocks noChangeAspect="1"/>
+          </p:cNvPicPr>
+          <p:nvPr/>
+        </p:nvPicPr>
+        <p:blipFill>
+          <a:blip r:embed="rId2">
+            <a:extLst>
+              <a:ext uri="{28A0092B-C50C-407E-A947-70E740481C1C}">
+                <a14:useLocalDpi xmlns:a14="http://schemas.microsoft.com/office/drawing/2010/main" val="0"/>
+              </a:ext>
+            </a:extLst>
+          </a:blip>
+          <a:stretch>
+            <a:fillRect/>
+          </a:stretch>
+        </p:blipFill>
+        <p:spPr>
+          <a:xfrm>
+            <a:off x="396000" y="2061866"/>
+            <a:ext cx="6627012" cy="2634340"/>
+          </a:xfrm>
+          <a:prstGeom prst="rect">
+            <a:avLst/>
+          </a:prstGeom>
+        </p:spPr>
+      </p:pic>
       <p:sp>
         <p:nvSpPr>
           <p:cNvPr id="2" name="Datumsplatzhalter 1"/>
@@ -5178,7 +5215,7 @@
           <a:p>
             <a:fld id="{C7355B21-B324-434D-ABB6-684CB6180B39}" type="datetime1">
               <a:rPr lang="de-DE" smtClean="0"/>
-              <a:t>28.05.2023</a:t>
+              <a:t>29.05.2023</a:t>
             </a:fld>
             <a:endParaRPr lang="de-DE"/>
           </a:p>
@@ -5227,58 +5264,6 @@
               <a:t>Current station-level trigger algorithms</a:t>
             </a:r>
             <a:endParaRPr lang="de-DE" dirty="0"/>
-          </a:p>
-        </p:txBody>
-      </p:sp>
-      <p:sp>
-        <p:nvSpPr>
-          <p:cNvPr id="20" name="Rechteck 19">
-            <a:extLst>
-              <a:ext uri="{FF2B5EF4-FFF2-40B4-BE49-F238E27FC236}">
-                <a16:creationId xmlns:a16="http://schemas.microsoft.com/office/drawing/2014/main" id="{FD5EFD22-0758-803B-C9EC-746897E898F5}"/>
-              </a:ext>
-            </a:extLst>
-          </p:cNvPr>
-          <p:cNvSpPr/>
-          <p:nvPr/>
-        </p:nvSpPr>
-        <p:spPr>
-          <a:xfrm>
-            <a:off x="5416939" y="1984724"/>
-            <a:ext cx="98036" cy="130175"/>
-          </a:xfrm>
-          <a:prstGeom prst="rect">
-            <a:avLst/>
-          </a:prstGeom>
-          <a:solidFill>
-            <a:schemeClr val="bg1"/>
-          </a:solidFill>
-          <a:ln>
-            <a:noFill/>
-          </a:ln>
-        </p:spPr>
-        <p:style>
-          <a:lnRef idx="2">
-            <a:schemeClr val="accent1">
-              <a:shade val="50000"/>
-            </a:schemeClr>
-          </a:lnRef>
-          <a:fillRef idx="1">
-            <a:schemeClr val="accent1"/>
-          </a:fillRef>
-          <a:effectRef idx="0">
-            <a:schemeClr val="accent1"/>
-          </a:effectRef>
-          <a:fontRef idx="minor">
-            <a:schemeClr val="lt1"/>
-          </a:fontRef>
-        </p:style>
-        <p:txBody>
-          <a:bodyPr rtlCol="0" anchor="ctr"/>
-          <a:lstStyle/>
-          <a:p>
-            <a:pPr algn="ctr"/>
-            <a:endParaRPr lang="en-US"/>
           </a:p>
         </p:txBody>
       </p:sp>
@@ -5334,8 +5319,8 @@
           </a:p>
         </p:txBody>
       </p:sp>
-      <mc:AlternateContent xmlns:mc="http://schemas.openxmlformats.org/markup-compatibility/2006">
-        <mc:Choice xmlns:a14="http://schemas.microsoft.com/office/drawing/2010/main" Requires="a14">
+      <mc:AlternateContent xmlns:mc="http://schemas.openxmlformats.org/markup-compatibility/2006" xmlns:a14="http://schemas.microsoft.com/office/drawing/2010/main">
+        <mc:Choice Requires="a14">
           <p:sp>
             <p:nvSpPr>
               <p:cNvPr id="5" name="Inhaltsplatzhalter 6">
@@ -5367,265 +5352,105 @@
                 <a:pPr lvl="1"/>
                 <a:r>
                   <a:rPr lang="de-DE" b="1"/>
-                  <a:t>ToT deconvoluted (ToTd)</a:t>
+                  <a:t>Time over threshold (ToT)</a:t>
                 </a:r>
+              </a:p>
+              <a:p>
+                <a:pPr lvl="1"/>
+                <a:endParaRPr lang="de-DE" sz="100" b="1"/>
               </a:p>
               <a:p>
                 <a:pPr lvl="2"/>
                 <a:r>
                   <a:rPr lang="de-DE" b="1"/>
-                  <a:t>Deconvolute input data stream with exponential decay</a:t>
+                  <a:t>More than 12 bins with </a:t>
                 </a:r>
-              </a:p>
-              <a:p>
-                <a:pPr lvl="2"/>
                 <a14:m>
                   <m:oMath xmlns:m="http://schemas.openxmlformats.org/officeDocument/2006/math">
+                    <m:r>
+                      <a:rPr lang="de-DE" b="0" i="1" smtClean="0">
+                        <a:latin typeface="Cambria Math" panose="02040503050406030204" pitchFamily="18" charset="0"/>
+                      </a:rPr>
+                      <m:t>𝑆</m:t>
+                    </m:r>
+                    <m:r>
+                      <a:rPr lang="de-DE" b="0" i="1" smtClean="0">
+                        <a:latin typeface="Cambria Math" panose="02040503050406030204" pitchFamily="18" charset="0"/>
+                      </a:rPr>
+                      <m:t>≥0.2</m:t>
+                    </m:r>
+                    <m:r>
+                      <a:rPr lang="de-DE" b="0" i="0" smtClean="0">
+                        <a:latin typeface="Cambria Math" panose="02040503050406030204" pitchFamily="18" charset="0"/>
+                      </a:rPr>
+                      <m:t> </m:t>
+                    </m:r>
+                    <m:r>
+                      <m:rPr>
+                        <m:sty m:val="p"/>
+                      </m:rPr>
+                      <a:rPr lang="de-DE" b="0">
+                        <a:latin typeface="Cambria Math" panose="02040503050406030204" pitchFamily="18" charset="0"/>
+                      </a:rPr>
+                      <m:t>VE</m:t>
+                    </m:r>
                     <m:sSub>
                       <m:sSubPr>
                         <m:ctrlPr>
-                          <a:rPr lang="de-DE" b="1" i="1" smtClean="0">
+                          <a:rPr lang="de-DE" i="1">
                             <a:latin typeface="Cambria Math" panose="02040503050406030204" pitchFamily="18" charset="0"/>
                           </a:rPr>
                         </m:ctrlPr>
                       </m:sSubPr>
                       <m:e>
                         <m:r>
-                          <a:rPr lang="de-DE" b="1" i="1" smtClean="0">
+                          <m:rPr>
+                            <m:sty m:val="p"/>
+                          </m:rPr>
+                          <a:rPr lang="de-DE" b="0">
                             <a:latin typeface="Cambria Math" panose="02040503050406030204" pitchFamily="18" charset="0"/>
                           </a:rPr>
-                          <m:t>𝒅</m:t>
+                          <m:t>M</m:t>
                         </m:r>
                       </m:e>
                       <m:sub>
                         <m:r>
-                          <a:rPr lang="de-DE" b="1" i="1" smtClean="0">
+                          <m:rPr>
+                            <m:sty m:val="p"/>
+                          </m:rPr>
+                          <a:rPr lang="de-DE" b="0">
                             <a:latin typeface="Cambria Math" panose="02040503050406030204" pitchFamily="18" charset="0"/>
                           </a:rPr>
-                          <m:t>𝒊</m:t>
+                          <m:t>Peak</m:t>
                         </m:r>
                       </m:sub>
                     </m:sSub>
-                    <m:r>
-                      <a:rPr lang="de-DE" b="1" i="1" smtClean="0">
-                        <a:latin typeface="Cambria Math" panose="02040503050406030204" pitchFamily="18" charset="0"/>
-                      </a:rPr>
-                      <m:t>=</m:t>
-                    </m:r>
-                    <m:d>
-                      <m:dPr>
-                        <m:ctrlPr>
-                          <a:rPr lang="de-DE" b="1" i="1" smtClean="0">
-                            <a:latin typeface="Cambria Math" panose="02040503050406030204" pitchFamily="18" charset="0"/>
-                          </a:rPr>
-                        </m:ctrlPr>
-                      </m:dPr>
-                      <m:e>
-                        <m:sSub>
-                          <m:sSubPr>
-                            <m:ctrlPr>
-                              <a:rPr lang="de-DE" b="1" i="1" smtClean="0">
-                                <a:latin typeface="Cambria Math" panose="02040503050406030204" pitchFamily="18" charset="0"/>
-                              </a:rPr>
-                            </m:ctrlPr>
-                          </m:sSubPr>
-                          <m:e>
-                            <m:r>
-                              <a:rPr lang="de-DE" b="1" i="1" smtClean="0">
-                                <a:latin typeface="Cambria Math" panose="02040503050406030204" pitchFamily="18" charset="0"/>
-                              </a:rPr>
-                              <m:t>𝒂</m:t>
-                            </m:r>
-                          </m:e>
-                          <m:sub>
-                            <m:r>
-                              <a:rPr lang="de-DE" b="1" i="1" smtClean="0">
-                                <a:latin typeface="Cambria Math" panose="02040503050406030204" pitchFamily="18" charset="0"/>
-                              </a:rPr>
-                              <m:t>𝒊</m:t>
-                            </m:r>
-                          </m:sub>
-                        </m:sSub>
-                        <m:r>
-                          <a:rPr lang="de-DE" b="1" i="1" smtClean="0">
-                            <a:latin typeface="Cambria Math" panose="02040503050406030204" pitchFamily="18" charset="0"/>
-                          </a:rPr>
-                          <m:t>−</m:t>
-                        </m:r>
-                        <m:sSub>
-                          <m:sSubPr>
-                            <m:ctrlPr>
-                              <a:rPr lang="de-DE" b="1" i="1" smtClean="0">
-                                <a:latin typeface="Cambria Math" panose="02040503050406030204" pitchFamily="18" charset="0"/>
-                              </a:rPr>
-                            </m:ctrlPr>
-                          </m:sSubPr>
-                          <m:e>
-                            <m:r>
-                              <a:rPr lang="de-DE" b="1" i="1" smtClean="0">
-                                <a:latin typeface="Cambria Math" panose="02040503050406030204" pitchFamily="18" charset="0"/>
-                              </a:rPr>
-                              <m:t>𝒂</m:t>
-                            </m:r>
-                          </m:e>
-                          <m:sub>
-                            <m:r>
-                              <a:rPr lang="de-DE" b="1" i="1" smtClean="0">
-                                <a:latin typeface="Cambria Math" panose="02040503050406030204" pitchFamily="18" charset="0"/>
-                              </a:rPr>
-                              <m:t>𝒊</m:t>
-                            </m:r>
-                            <m:r>
-                              <a:rPr lang="de-DE" b="1" i="1" smtClean="0">
-                                <a:latin typeface="Cambria Math" panose="02040503050406030204" pitchFamily="18" charset="0"/>
-                              </a:rPr>
-                              <m:t>−</m:t>
-                            </m:r>
-                            <m:r>
-                              <a:rPr lang="de-DE" b="1" i="1" smtClean="0">
-                                <a:latin typeface="Cambria Math" panose="02040503050406030204" pitchFamily="18" charset="0"/>
-                              </a:rPr>
-                              <m:t>𝟏</m:t>
-                            </m:r>
-                          </m:sub>
-                        </m:sSub>
-                        <m:r>
-                          <a:rPr lang="de-DE" b="1" i="1" smtClean="0">
-                            <a:latin typeface="Cambria Math" panose="02040503050406030204" pitchFamily="18" charset="0"/>
-                          </a:rPr>
-                          <m:t> </m:t>
-                        </m:r>
-                        <m:sSup>
-                          <m:sSupPr>
-                            <m:ctrlPr>
-                              <a:rPr lang="de-DE" b="1" i="1" smtClean="0">
-                                <a:latin typeface="Cambria Math" panose="02040503050406030204" pitchFamily="18" charset="0"/>
-                              </a:rPr>
-                            </m:ctrlPr>
-                          </m:sSupPr>
-                          <m:e>
-                            <m:r>
-                              <a:rPr lang="de-DE" b="1" i="1" smtClean="0">
-                                <a:latin typeface="Cambria Math" panose="02040503050406030204" pitchFamily="18" charset="0"/>
-                              </a:rPr>
-                              <m:t>𝒆</m:t>
-                            </m:r>
-                          </m:e>
-                          <m:sup>
-                            <m:r>
-                              <a:rPr lang="de-DE" b="1" i="0" smtClean="0">
-                                <a:latin typeface="Cambria Math" panose="02040503050406030204" pitchFamily="18" charset="0"/>
-                              </a:rPr>
-                              <m:t>𝚫</m:t>
-                            </m:r>
-                            <m:r>
-                              <a:rPr lang="de-DE" b="1" i="0" smtClean="0">
-                                <a:latin typeface="Cambria Math" panose="02040503050406030204" pitchFamily="18" charset="0"/>
-                              </a:rPr>
-                              <m:t>𝐭</m:t>
-                            </m:r>
-                            <m:r>
-                              <a:rPr lang="de-DE" b="1" i="1" smtClean="0">
-                                <a:latin typeface="Cambria Math" panose="02040503050406030204" pitchFamily="18" charset="0"/>
-                              </a:rPr>
-                              <m:t>/</m:t>
-                            </m:r>
-                            <m:r>
-                              <a:rPr lang="de-DE" b="1" i="1" smtClean="0">
-                                <a:latin typeface="Cambria Math" panose="02040503050406030204" pitchFamily="18" charset="0"/>
-                              </a:rPr>
-                              <m:t>𝝉</m:t>
-                            </m:r>
-                          </m:sup>
-                        </m:sSup>
-                      </m:e>
-                    </m:d>
-                    <m:r>
-                      <a:rPr lang="de-DE" b="1" i="1">
-                        <a:latin typeface="Cambria Math" panose="02040503050406030204" pitchFamily="18" charset="0"/>
-                      </a:rPr>
-                      <m:t> /(</m:t>
-                    </m:r>
-                    <m:r>
-                      <a:rPr lang="de-DE" b="1" i="1" smtClean="0">
-                        <a:latin typeface="Cambria Math" panose="02040503050406030204" pitchFamily="18" charset="0"/>
-                      </a:rPr>
-                      <m:t>𝟏</m:t>
-                    </m:r>
-                    <m:r>
-                      <a:rPr lang="de-DE" b="1" i="1" smtClean="0">
-                        <a:latin typeface="Cambria Math" panose="02040503050406030204" pitchFamily="18" charset="0"/>
-                      </a:rPr>
-                      <m:t> − </m:t>
-                    </m:r>
-                    <m:sSup>
-                      <m:sSupPr>
-                        <m:ctrlPr>
-                          <a:rPr lang="de-DE" b="1" i="1">
-                            <a:latin typeface="Cambria Math" panose="02040503050406030204" pitchFamily="18" charset="0"/>
-                          </a:rPr>
-                        </m:ctrlPr>
-                      </m:sSupPr>
-                      <m:e>
-                        <m:r>
-                          <a:rPr lang="de-DE" b="1" i="1">
-                            <a:latin typeface="Cambria Math" panose="02040503050406030204" pitchFamily="18" charset="0"/>
-                          </a:rPr>
-                          <m:t>𝒆</m:t>
-                        </m:r>
-                      </m:e>
-                      <m:sup>
-                        <m:r>
-                          <a:rPr lang="de-DE" b="1">
-                            <a:latin typeface="Cambria Math" panose="02040503050406030204" pitchFamily="18" charset="0"/>
-                          </a:rPr>
-                          <m:t>𝚫</m:t>
-                        </m:r>
-                        <m:r>
-                          <a:rPr lang="de-DE" b="1">
-                            <a:latin typeface="Cambria Math" panose="02040503050406030204" pitchFamily="18" charset="0"/>
-                          </a:rPr>
-                          <m:t>𝐭</m:t>
-                        </m:r>
-                        <m:r>
-                          <a:rPr lang="de-DE" b="1">
-                            <a:latin typeface="Cambria Math" panose="02040503050406030204" pitchFamily="18" charset="0"/>
-                          </a:rPr>
-                          <m:t>/</m:t>
-                        </m:r>
-                        <m:r>
-                          <a:rPr lang="de-DE" b="1" i="1">
-                            <a:latin typeface="Cambria Math" panose="02040503050406030204" pitchFamily="18" charset="0"/>
-                          </a:rPr>
-                          <m:t>𝝉</m:t>
-                        </m:r>
-                      </m:sup>
-                    </m:sSup>
-                    <m:r>
-                      <a:rPr lang="de-DE" b="1" i="1">
-                        <a:latin typeface="Cambria Math" panose="02040503050406030204" pitchFamily="18" charset="0"/>
-                      </a:rPr>
-                      <m:t>)</m:t>
-                    </m:r>
                   </m:oMath>
                 </a14:m>
-                <a:endParaRPr lang="de-DE" b="1"/>
+                <a:r>
+                  <a:rPr lang="de-DE"/>
+                  <a:t> </a:t>
+                </a:r>
+                <a:r>
+                  <a:rPr lang="de-DE" b="1"/>
+                  <a:t>in any 120 bin window</a:t>
+                </a:r>
+              </a:p>
+              <a:p>
+                <a:pPr lvl="2"/>
+                <a:endParaRPr lang="de-DE" sz="100" b="1"/>
               </a:p>
               <a:p>
                 <a:pPr lvl="2"/>
                 <a:r>
                   <a:rPr lang="de-DE" b="1"/>
-                  <a:t>Feed deconvoluted trace into ToT algorithm</a:t>
+                  <a:t>At least 2 out of 3 PMTs meet above critera</a:t>
                 </a:r>
-              </a:p>
-              <a:p>
-                <a:pPr lvl="2"/>
-                <a:endParaRPr lang="de-DE" b="1"/>
               </a:p>
             </p:txBody>
           </p:sp>
         </mc:Choice>
-        <mc:Fallback>
+        <mc:Fallback xmlns="">
           <p:sp>
             <p:nvSpPr>
               <p:cNvPr id="5" name="Inhaltsplatzhalter 6">
@@ -5648,7 +5473,7 @@
                 <a:ext cx="8214380" cy="3509595"/>
               </a:xfrm>
               <a:blipFill>
-                <a:blip r:embed="rId2"/>
+                <a:blip r:embed="rId3"/>
                 <a:stretch>
                   <a:fillRect t="-2957"/>
                 </a:stretch>
@@ -5669,12 +5494,301 @@
           </p:sp>
         </mc:Fallback>
       </mc:AlternateContent>
+      <p:grpSp>
+        <p:nvGrpSpPr>
+          <p:cNvPr id="18" name="Gruppieren 17">
+            <a:extLst>
+              <a:ext uri="{FF2B5EF4-FFF2-40B4-BE49-F238E27FC236}">
+                <a16:creationId xmlns:a16="http://schemas.microsoft.com/office/drawing/2014/main" id="{4AF95C54-860C-EB50-9B11-78D5D1DF3792}"/>
+              </a:ext>
+            </a:extLst>
+          </p:cNvPr>
+          <p:cNvGrpSpPr/>
+          <p:nvPr/>
+        </p:nvGrpSpPr>
+        <p:grpSpPr>
+          <a:xfrm>
+            <a:off x="2880527" y="2105373"/>
+            <a:ext cx="1123955" cy="2176463"/>
+            <a:chOff x="2661444" y="2105373"/>
+            <a:chExt cx="1123955" cy="2176463"/>
+          </a:xfrm>
+        </p:grpSpPr>
+        <p:cxnSp>
+          <p:nvCxnSpPr>
+            <p:cNvPr id="12" name="Gerader Verbinder 11">
+              <a:extLst>
+                <a:ext uri="{FF2B5EF4-FFF2-40B4-BE49-F238E27FC236}">
+                  <a16:creationId xmlns:a16="http://schemas.microsoft.com/office/drawing/2014/main" id="{E17EC859-2391-1A50-7B85-353AB2E40020}"/>
+                </a:ext>
+              </a:extLst>
+            </p:cNvPr>
+            <p:cNvCxnSpPr>
+              <a:cxnSpLocks/>
+            </p:cNvCxnSpPr>
+            <p:nvPr/>
+          </p:nvCxnSpPr>
+          <p:spPr>
+            <a:xfrm>
+              <a:off x="2661444" y="2105373"/>
+              <a:ext cx="0" cy="2176463"/>
+            </a:xfrm>
+            <a:prstGeom prst="line">
+              <a:avLst/>
+            </a:prstGeom>
+            <a:ln w="9525">
+              <a:solidFill>
+                <a:schemeClr val="bg2"/>
+              </a:solidFill>
+              <a:prstDash val="sysDot"/>
+            </a:ln>
+          </p:spPr>
+          <p:style>
+            <a:lnRef idx="1">
+              <a:schemeClr val="accent1"/>
+            </a:lnRef>
+            <a:fillRef idx="0">
+              <a:schemeClr val="accent1"/>
+            </a:fillRef>
+            <a:effectRef idx="0">
+              <a:schemeClr val="accent1"/>
+            </a:effectRef>
+            <a:fontRef idx="minor">
+              <a:schemeClr val="tx1"/>
+            </a:fontRef>
+          </p:style>
+        </p:cxnSp>
+        <p:cxnSp>
+          <p:nvCxnSpPr>
+            <p:cNvPr id="17" name="Gerader Verbinder 16">
+              <a:extLst>
+                <a:ext uri="{FF2B5EF4-FFF2-40B4-BE49-F238E27FC236}">
+                  <a16:creationId xmlns:a16="http://schemas.microsoft.com/office/drawing/2014/main" id="{2FC9FCD3-D006-7805-E54D-F8F56ABE6113}"/>
+                </a:ext>
+              </a:extLst>
+            </p:cNvPr>
+            <p:cNvCxnSpPr>
+              <a:cxnSpLocks/>
+            </p:cNvCxnSpPr>
+            <p:nvPr/>
+          </p:nvCxnSpPr>
+          <p:spPr>
+            <a:xfrm>
+              <a:off x="3785399" y="2981325"/>
+              <a:ext cx="0" cy="1300511"/>
+            </a:xfrm>
+            <a:prstGeom prst="line">
+              <a:avLst/>
+            </a:prstGeom>
+            <a:ln w="9525">
+              <a:solidFill>
+                <a:schemeClr val="bg2"/>
+              </a:solidFill>
+              <a:prstDash val="sysDot"/>
+            </a:ln>
+          </p:spPr>
+          <p:style>
+            <a:lnRef idx="1">
+              <a:schemeClr val="accent1"/>
+            </a:lnRef>
+            <a:fillRef idx="0">
+              <a:schemeClr val="accent1"/>
+            </a:fillRef>
+            <a:effectRef idx="0">
+              <a:schemeClr val="accent1"/>
+            </a:effectRef>
+            <a:fontRef idx="minor">
+              <a:schemeClr val="tx1"/>
+            </a:fontRef>
+          </p:style>
+        </p:cxnSp>
+      </p:grpSp>
+      <p:cxnSp>
+        <p:nvCxnSpPr>
+          <p:cNvPr id="25" name="Gerader Verbinder 24">
+            <a:extLst>
+              <a:ext uri="{FF2B5EF4-FFF2-40B4-BE49-F238E27FC236}">
+                <a16:creationId xmlns:a16="http://schemas.microsoft.com/office/drawing/2014/main" id="{58F2D57E-7D54-3295-64EF-6F42B63CDAE5}"/>
+              </a:ext>
+            </a:extLst>
+          </p:cNvPr>
+          <p:cNvCxnSpPr>
+            <a:cxnSpLocks/>
+          </p:cNvCxnSpPr>
+          <p:nvPr/>
+        </p:nvCxnSpPr>
+        <p:spPr>
+          <a:xfrm>
+            <a:off x="4004482" y="2102633"/>
+            <a:ext cx="0" cy="73828"/>
+          </a:xfrm>
+          <a:prstGeom prst="line">
+            <a:avLst/>
+          </a:prstGeom>
+          <a:ln w="9525">
+            <a:solidFill>
+              <a:schemeClr val="bg2"/>
+            </a:solidFill>
+            <a:prstDash val="sysDot"/>
+          </a:ln>
+        </p:spPr>
+        <p:style>
+          <a:lnRef idx="1">
+            <a:schemeClr val="accent1"/>
+          </a:lnRef>
+          <a:fillRef idx="0">
+            <a:schemeClr val="accent1"/>
+          </a:fillRef>
+          <a:effectRef idx="0">
+            <a:schemeClr val="accent1"/>
+          </a:effectRef>
+          <a:fontRef idx="minor">
+            <a:schemeClr val="tx1"/>
+          </a:fontRef>
+        </p:style>
+      </p:cxnSp>
+      <p:cxnSp>
+        <p:nvCxnSpPr>
+          <p:cNvPr id="27" name="Gerader Verbinder 26">
+            <a:extLst>
+              <a:ext uri="{FF2B5EF4-FFF2-40B4-BE49-F238E27FC236}">
+                <a16:creationId xmlns:a16="http://schemas.microsoft.com/office/drawing/2014/main" id="{165DC413-FD23-C022-B779-66EC976C8F08}"/>
+              </a:ext>
+            </a:extLst>
+          </p:cNvPr>
+          <p:cNvCxnSpPr>
+            <a:cxnSpLocks/>
+          </p:cNvCxnSpPr>
+          <p:nvPr/>
+        </p:nvCxnSpPr>
+        <p:spPr>
+          <a:xfrm>
+            <a:off x="865981" y="3823811"/>
+            <a:ext cx="6122988" cy="0"/>
+          </a:xfrm>
+          <a:prstGeom prst="line">
+            <a:avLst/>
+          </a:prstGeom>
+          <a:ln w="9525">
+            <a:solidFill>
+              <a:schemeClr val="bg2"/>
+            </a:solidFill>
+            <a:prstDash val="sysDot"/>
+          </a:ln>
+        </p:spPr>
+        <p:style>
+          <a:lnRef idx="1">
+            <a:schemeClr val="accent1"/>
+          </a:lnRef>
+          <a:fillRef idx="0">
+            <a:schemeClr val="accent1"/>
+          </a:fillRef>
+          <a:effectRef idx="0">
+            <a:schemeClr val="accent1"/>
+          </a:effectRef>
+          <a:fontRef idx="minor">
+            <a:schemeClr val="tx1"/>
+          </a:fontRef>
+        </p:style>
+      </p:cxnSp>
+    </p:spTree>
+    <p:extLst>
+      <p:ext uri="{BB962C8B-B14F-4D97-AF65-F5344CB8AC3E}">
+        <p14:creationId xmlns:p14="http://schemas.microsoft.com/office/powerpoint/2010/main" val="1308789061"/>
+      </p:ext>
+    </p:extLst>
+  </p:cSld>
+  <p:clrMapOvr>
+    <a:masterClrMapping/>
+  </p:clrMapOvr>
+  <mc:AlternateContent xmlns:mc="http://schemas.openxmlformats.org/markup-compatibility/2006" xmlns:p14="http://schemas.microsoft.com/office/powerpoint/2010/main">
+    <mc:Choice Requires="p14">
+      <p:transition spd="slow" p14:dur="2000" advTm="85783"/>
+    </mc:Choice>
+    <mc:Fallback xmlns="">
+      <p:transition spd="slow" advTm="85783"/>
+    </mc:Fallback>
+  </mc:AlternateContent>
+</p:sld>
+</file>
+
+<file path=ppt/slides/slide11.xml><?xml version="1.0" encoding="utf-8"?>
+<p:sld xmlns:a="http://schemas.openxmlformats.org/drawingml/2006/main" xmlns:r="http://schemas.openxmlformats.org/officeDocument/2006/relationships" xmlns:p="http://schemas.openxmlformats.org/presentationml/2006/main">
+  <p:cSld>
+    <p:spTree>
+      <p:nvGrpSpPr>
+        <p:cNvPr id="1" name=""/>
+        <p:cNvGrpSpPr/>
+        <p:nvPr/>
+      </p:nvGrpSpPr>
+      <p:grpSpPr>
+        <a:xfrm>
+          <a:off x="0" y="0"/>
+          <a:ext cx="0" cy="0"/>
+          <a:chOff x="0" y="0"/>
+          <a:chExt cx="0" cy="0"/>
+        </a:xfrm>
+      </p:grpSpPr>
+      <p:sp>
+        <p:nvSpPr>
+          <p:cNvPr id="5" name="Inhaltsplatzhalter 6">
+            <a:extLst>
+              <a:ext uri="{FF2B5EF4-FFF2-40B4-BE49-F238E27FC236}">
+                <a16:creationId xmlns:a16="http://schemas.microsoft.com/office/drawing/2014/main" id="{AE54DC5D-F49A-46CB-B656-5890A856A0B7}"/>
+              </a:ext>
+            </a:extLst>
+          </p:cNvPr>
+          <p:cNvSpPr>
+            <a:spLocks noGrp="1"/>
+          </p:cNvSpPr>
+          <p:nvPr>
+            <p:ph idx="1"/>
+          </p:nvPr>
+        </p:nvSpPr>
+        <p:spPr>
+          <a:xfrm>
+            <a:off x="464800" y="1082040"/>
+            <a:ext cx="8214380" cy="3509595"/>
+          </a:xfrm>
+        </p:spPr>
+        <p:txBody>
+          <a:bodyPr>
+            <a:normAutofit/>
+          </a:bodyPr>
+          <a:lstStyle/>
+          <a:p>
+            <a:pPr lvl="1"/>
+            <a:r>
+              <a:rPr lang="de-DE" b="1"/>
+              <a:t>ToT deconvoluted (ToTd)</a:t>
+            </a:r>
+          </a:p>
+          <a:p>
+            <a:pPr lvl="2"/>
+            <a:r>
+              <a:rPr lang="de-DE" b="1"/>
+              <a:t>Deconvolute input data stream with exponential decay</a:t>
+            </a:r>
+          </a:p>
+          <a:p>
+            <a:pPr lvl="2"/>
+            <a:r>
+              <a:rPr lang="de-DE" b="1"/>
+              <a:t>Feed deconvoluted trace into ToT algorithm</a:t>
+            </a:r>
+          </a:p>
+          <a:p>
+            <a:pPr lvl="2"/>
+            <a:endParaRPr lang="de-DE" b="1"/>
+          </a:p>
+        </p:txBody>
+      </p:sp>
       <p:pic>
         <p:nvPicPr>
-          <p:cNvPr id="19" name="Grafik 18" descr="Ein Bild, das Text, Screenshot, Reihe, Schrift enthält.&#10;&#10;Automatisch generierte Beschreibung">
+          <p:cNvPr id="4" name="Grafik 3" descr="Ein Bild, das Text, Screenshot, Reihe, Schrift enthält.&#10;&#10;Automatisch generierte Beschreibung">
             <a:extLst>
               <a:ext uri="{FF2B5EF4-FFF2-40B4-BE49-F238E27FC236}">
-                <a16:creationId xmlns:a16="http://schemas.microsoft.com/office/drawing/2014/main" id="{DDB03928-8F6C-1BA0-F8F3-4E72A8D48DD1}"/>
+                <a16:creationId xmlns:a16="http://schemas.microsoft.com/office/drawing/2014/main" id="{704831F6-5D7B-74E2-911F-C969BF14793F}"/>
               </a:ext>
             </a:extLst>
           </p:cNvPr>
@@ -5684,7 +5798,7 @@
           <p:nvPr/>
         </p:nvPicPr>
         <p:blipFill>
-          <a:blip r:embed="rId3">
+          <a:blip r:embed="rId2">
             <a:extLst>
               <a:ext uri="{28A0092B-C50C-407E-A947-70E740481C1C}">
                 <a14:useLocalDpi xmlns:a14="http://schemas.microsoft.com/office/drawing/2010/main" val="0"/>
@@ -5697,63 +5811,552 @@
         </p:blipFill>
         <p:spPr>
           <a:xfrm>
-            <a:off x="297180" y="2217211"/>
-            <a:ext cx="6629499" cy="2584231"/>
+            <a:off x="396000" y="2061866"/>
+            <a:ext cx="6627012" cy="2634340"/>
           </a:xfrm>
           <a:prstGeom prst="rect">
             <a:avLst/>
           </a:prstGeom>
         </p:spPr>
       </p:pic>
-      <p:sp>
-        <p:nvSpPr>
-          <p:cNvPr id="22" name="Textfeld 21">
+      <p:grpSp>
+        <p:nvGrpSpPr>
+          <p:cNvPr id="7" name="Gruppieren 6">
             <a:extLst>
               <a:ext uri="{FF2B5EF4-FFF2-40B4-BE49-F238E27FC236}">
-                <a16:creationId xmlns:a16="http://schemas.microsoft.com/office/drawing/2014/main" id="{435356E4-296E-7B33-37C8-53D0F254CA7A}"/>
+                <a16:creationId xmlns:a16="http://schemas.microsoft.com/office/drawing/2014/main" id="{B99CE251-6811-7F9C-FD0F-10C67EE52A9D}"/>
               </a:ext>
             </a:extLst>
           </p:cNvPr>
-          <p:cNvSpPr txBox="1"/>
+          <p:cNvGrpSpPr/>
           <p:nvPr/>
-        </p:nvSpPr>
+        </p:nvGrpSpPr>
+        <p:grpSpPr>
+          <a:xfrm>
+            <a:off x="2880527" y="2105373"/>
+            <a:ext cx="1123955" cy="2176463"/>
+            <a:chOff x="2661444" y="2105373"/>
+            <a:chExt cx="1123955" cy="2176463"/>
+          </a:xfrm>
+        </p:grpSpPr>
+        <p:cxnSp>
+          <p:nvCxnSpPr>
+            <p:cNvPr id="8" name="Gerader Verbinder 7">
+              <a:extLst>
+                <a:ext uri="{FF2B5EF4-FFF2-40B4-BE49-F238E27FC236}">
+                  <a16:creationId xmlns:a16="http://schemas.microsoft.com/office/drawing/2014/main" id="{44ADAAD4-9E7E-7521-0160-CB0ED86F7C8D}"/>
+                </a:ext>
+              </a:extLst>
+            </p:cNvPr>
+            <p:cNvCxnSpPr>
+              <a:cxnSpLocks/>
+            </p:cNvCxnSpPr>
+            <p:nvPr/>
+          </p:nvCxnSpPr>
+          <p:spPr>
+            <a:xfrm>
+              <a:off x="2661444" y="2105373"/>
+              <a:ext cx="0" cy="2176463"/>
+            </a:xfrm>
+            <a:prstGeom prst="line">
+              <a:avLst/>
+            </a:prstGeom>
+            <a:ln w="9525">
+              <a:solidFill>
+                <a:schemeClr val="bg2"/>
+              </a:solidFill>
+              <a:prstDash val="sysDot"/>
+            </a:ln>
+          </p:spPr>
+          <p:style>
+            <a:lnRef idx="1">
+              <a:schemeClr val="accent1"/>
+            </a:lnRef>
+            <a:fillRef idx="0">
+              <a:schemeClr val="accent1"/>
+            </a:fillRef>
+            <a:effectRef idx="0">
+              <a:schemeClr val="accent1"/>
+            </a:effectRef>
+            <a:fontRef idx="minor">
+              <a:schemeClr val="tx1"/>
+            </a:fontRef>
+          </p:style>
+        </p:cxnSp>
+        <p:cxnSp>
+          <p:nvCxnSpPr>
+            <p:cNvPr id="9" name="Gerader Verbinder 8">
+              <a:extLst>
+                <a:ext uri="{FF2B5EF4-FFF2-40B4-BE49-F238E27FC236}">
+                  <a16:creationId xmlns:a16="http://schemas.microsoft.com/office/drawing/2014/main" id="{00FF1B57-1FF9-EFF6-1A80-9C303A157772}"/>
+                </a:ext>
+              </a:extLst>
+            </p:cNvPr>
+            <p:cNvCxnSpPr>
+              <a:cxnSpLocks/>
+            </p:cNvCxnSpPr>
+            <p:nvPr/>
+          </p:nvCxnSpPr>
+          <p:spPr>
+            <a:xfrm>
+              <a:off x="3785399" y="2981325"/>
+              <a:ext cx="0" cy="1300511"/>
+            </a:xfrm>
+            <a:prstGeom prst="line">
+              <a:avLst/>
+            </a:prstGeom>
+            <a:ln w="9525">
+              <a:solidFill>
+                <a:schemeClr val="bg2"/>
+              </a:solidFill>
+              <a:prstDash val="sysDot"/>
+            </a:ln>
+          </p:spPr>
+          <p:style>
+            <a:lnRef idx="1">
+              <a:schemeClr val="accent1"/>
+            </a:lnRef>
+            <a:fillRef idx="0">
+              <a:schemeClr val="accent1"/>
+            </a:fillRef>
+            <a:effectRef idx="0">
+              <a:schemeClr val="accent1"/>
+            </a:effectRef>
+            <a:fontRef idx="minor">
+              <a:schemeClr val="tx1"/>
+            </a:fontRef>
+          </p:style>
+        </p:cxnSp>
+      </p:grpSp>
+      <p:cxnSp>
+        <p:nvCxnSpPr>
+          <p:cNvPr id="10" name="Gerader Verbinder 9">
+            <a:extLst>
+              <a:ext uri="{FF2B5EF4-FFF2-40B4-BE49-F238E27FC236}">
+                <a16:creationId xmlns:a16="http://schemas.microsoft.com/office/drawing/2014/main" id="{DCEE370A-BC62-2DCA-5D34-2FF29AC4BE79}"/>
+              </a:ext>
+            </a:extLst>
+          </p:cNvPr>
+          <p:cNvCxnSpPr>
+            <a:cxnSpLocks/>
+          </p:cNvCxnSpPr>
+          <p:nvPr/>
+        </p:nvCxnSpPr>
         <p:spPr>
-          <a:xfrm rot="20195998">
-            <a:off x="3314699" y="3162301"/>
-            <a:ext cx="847348" cy="369332"/>
+          <a:xfrm>
+            <a:off x="865981" y="3823811"/>
+            <a:ext cx="6122988" cy="0"/>
           </a:xfrm>
-          <a:prstGeom prst="rect">
+          <a:prstGeom prst="line">
             <a:avLst/>
           </a:prstGeom>
-          <a:noFill/>
-          <a:ln>
+          <a:ln w="9525">
             <a:solidFill>
-              <a:srgbClr val="FF0000"/>
+              <a:schemeClr val="bg2"/>
             </a:solidFill>
+            <a:prstDash val="sysDot"/>
           </a:ln>
         </p:spPr>
+        <p:style>
+          <a:lnRef idx="1">
+            <a:schemeClr val="accent1"/>
+          </a:lnRef>
+          <a:fillRef idx="0">
+            <a:schemeClr val="accent1"/>
+          </a:fillRef>
+          <a:effectRef idx="0">
+            <a:schemeClr val="accent1"/>
+          </a:effectRef>
+          <a:fontRef idx="minor">
+            <a:schemeClr val="tx1"/>
+          </a:fontRef>
+        </p:style>
+      </p:cxnSp>
+      <p:sp>
+        <p:nvSpPr>
+          <p:cNvPr id="2" name="Datumsplatzhalter 1"/>
+          <p:cNvSpPr>
+            <a:spLocks noGrp="1"/>
+          </p:cNvSpPr>
+          <p:nvPr>
+            <p:ph type="dt" sz="half" idx="10"/>
+          </p:nvPr>
+        </p:nvSpPr>
+        <p:spPr/>
         <p:txBody>
-          <a:bodyPr wrap="none" rtlCol="0">
-            <a:spAutoFit/>
-          </a:bodyPr>
+          <a:bodyPr/>
           <a:lstStyle/>
           <a:p>
-            <a:r>
-              <a:rPr lang="de-DE" b="1">
-                <a:solidFill>
-                  <a:srgbClr val="FF0000"/>
-                </a:solidFill>
-              </a:rPr>
-              <a:t>TODO</a:t>
-            </a:r>
-            <a:endParaRPr lang="en-US" b="1">
-              <a:solidFill>
-                <a:srgbClr val="FF0000"/>
-              </a:solidFill>
-            </a:endParaRPr>
+            <a:fld id="{C7355B21-B324-434D-ABB6-684CB6180B39}" type="datetime1">
+              <a:rPr lang="de-DE" smtClean="0"/>
+              <a:t>29.05.2023</a:t>
+            </a:fld>
+            <a:endParaRPr lang="de-DE"/>
           </a:p>
         </p:txBody>
       </p:sp>
+      <p:sp>
+        <p:nvSpPr>
+          <p:cNvPr id="3" name="Foliennummernplatzhalter 2"/>
+          <p:cNvSpPr>
+            <a:spLocks noGrp="1"/>
+          </p:cNvSpPr>
+          <p:nvPr>
+            <p:ph type="sldNum" sz="quarter" idx="12"/>
+          </p:nvPr>
+        </p:nvSpPr>
+        <p:spPr/>
+        <p:txBody>
+          <a:bodyPr/>
+          <a:lstStyle/>
+          <a:p>
+            <a:fld id="{61696EC4-B4CF-4701-AD06-A8439D6D8E12}" type="slidenum">
+              <a:rPr lang="de-DE" smtClean="0"/>
+              <a:t>11</a:t>
+            </a:fld>
+            <a:endParaRPr lang="de-DE" dirty="0"/>
+          </a:p>
+        </p:txBody>
+      </p:sp>
+      <p:sp>
+        <p:nvSpPr>
+          <p:cNvPr id="6" name="Titel 5"/>
+          <p:cNvSpPr>
+            <a:spLocks noGrp="1"/>
+          </p:cNvSpPr>
+          <p:nvPr>
+            <p:ph type="title"/>
+          </p:nvPr>
+        </p:nvSpPr>
+        <p:spPr/>
+        <p:txBody>
+          <a:bodyPr/>
+          <a:lstStyle/>
+          <a:p>
+            <a:r>
+              <a:rPr lang="de-DE"/>
+              <a:t>Current station-level trigger algorithms</a:t>
+            </a:r>
+            <a:endParaRPr lang="de-DE" dirty="0"/>
+          </a:p>
+        </p:txBody>
+      </p:sp>
+      <mc:AlternateContent xmlns:mc="http://schemas.openxmlformats.org/markup-compatibility/2006">
+        <mc:Choice xmlns:a14="http://schemas.microsoft.com/office/drawing/2010/main" Requires="a14">
+          <p:sp>
+            <p:nvSpPr>
+              <p:cNvPr id="12" name="Textfeld 11">
+                <a:extLst>
+                  <a:ext uri="{FF2B5EF4-FFF2-40B4-BE49-F238E27FC236}">
+                    <a16:creationId xmlns:a16="http://schemas.microsoft.com/office/drawing/2014/main" id="{223887B7-BCA1-C9AB-2626-6CBE3EE2758C}"/>
+                  </a:ext>
+                </a:extLst>
+              </p:cNvPr>
+              <p:cNvSpPr txBox="1"/>
+              <p:nvPr/>
+            </p:nvSpPr>
+            <p:spPr>
+              <a:xfrm>
+                <a:off x="0" y="2111723"/>
+                <a:ext cx="3302000" cy="248658"/>
+              </a:xfrm>
+              <a:prstGeom prst="rect">
+                <a:avLst/>
+              </a:prstGeom>
+              <a:noFill/>
+            </p:spPr>
+            <p:txBody>
+              <a:bodyPr wrap="square">
+                <a:spAutoFit/>
+              </a:bodyPr>
+              <a:lstStyle/>
+              <a:p>
+                <a:pPr lvl="2"/>
+                <a14:m>
+                  <m:oMathPara xmlns:m="http://schemas.openxmlformats.org/officeDocument/2006/math">
+                    <m:oMathParaPr>
+                      <m:jc m:val="left"/>
+                    </m:oMathParaPr>
+                    <m:oMath xmlns:m="http://schemas.openxmlformats.org/officeDocument/2006/math">
+                      <m:sSub>
+                        <m:sSubPr>
+                          <m:ctrlPr>
+                            <a:rPr lang="de-DE" sz="900" b="1" i="1" smtClean="0">
+                              <a:latin typeface="Cambria Math" panose="02040503050406030204" pitchFamily="18" charset="0"/>
+                            </a:rPr>
+                          </m:ctrlPr>
+                        </m:sSubPr>
+                        <m:e>
+                          <m:r>
+                            <a:rPr lang="de-DE" sz="900" b="1" i="1" smtClean="0">
+                              <a:latin typeface="Cambria Math" panose="02040503050406030204" pitchFamily="18" charset="0"/>
+                            </a:rPr>
+                            <m:t>𝒅</m:t>
+                          </m:r>
+                        </m:e>
+                        <m:sub>
+                          <m:r>
+                            <a:rPr lang="de-DE" sz="900" b="1" i="1" smtClean="0">
+                              <a:latin typeface="Cambria Math" panose="02040503050406030204" pitchFamily="18" charset="0"/>
+                            </a:rPr>
+                            <m:t>𝒊</m:t>
+                          </m:r>
+                        </m:sub>
+                      </m:sSub>
+                      <m:r>
+                        <a:rPr lang="de-DE" sz="900" b="1" i="1" smtClean="0">
+                          <a:latin typeface="Cambria Math" panose="02040503050406030204" pitchFamily="18" charset="0"/>
+                        </a:rPr>
+                        <m:t>=</m:t>
+                      </m:r>
+                      <m:d>
+                        <m:dPr>
+                          <m:ctrlPr>
+                            <a:rPr lang="de-DE" sz="900" b="1" i="1" smtClean="0">
+                              <a:latin typeface="Cambria Math" panose="02040503050406030204" pitchFamily="18" charset="0"/>
+                            </a:rPr>
+                          </m:ctrlPr>
+                        </m:dPr>
+                        <m:e>
+                          <m:sSub>
+                            <m:sSubPr>
+                              <m:ctrlPr>
+                                <a:rPr lang="de-DE" sz="900" b="1" i="1" smtClean="0">
+                                  <a:latin typeface="Cambria Math" panose="02040503050406030204" pitchFamily="18" charset="0"/>
+                                </a:rPr>
+                              </m:ctrlPr>
+                            </m:sSubPr>
+                            <m:e>
+                              <m:r>
+                                <a:rPr lang="de-DE" sz="900" b="1" i="1" smtClean="0">
+                                  <a:latin typeface="Cambria Math" panose="02040503050406030204" pitchFamily="18" charset="0"/>
+                                </a:rPr>
+                                <m:t>𝒂</m:t>
+                              </m:r>
+                            </m:e>
+                            <m:sub>
+                              <m:r>
+                                <a:rPr lang="de-DE" sz="900" b="1" i="1" smtClean="0">
+                                  <a:latin typeface="Cambria Math" panose="02040503050406030204" pitchFamily="18" charset="0"/>
+                                </a:rPr>
+                                <m:t>𝒊</m:t>
+                              </m:r>
+                            </m:sub>
+                          </m:sSub>
+                          <m:r>
+                            <a:rPr lang="de-DE" sz="900" b="1" i="1" smtClean="0">
+                              <a:latin typeface="Cambria Math" panose="02040503050406030204" pitchFamily="18" charset="0"/>
+                            </a:rPr>
+                            <m:t>−</m:t>
+                          </m:r>
+                          <m:sSub>
+                            <m:sSubPr>
+                              <m:ctrlPr>
+                                <a:rPr lang="de-DE" sz="900" b="1" i="1" smtClean="0">
+                                  <a:latin typeface="Cambria Math" panose="02040503050406030204" pitchFamily="18" charset="0"/>
+                                </a:rPr>
+                              </m:ctrlPr>
+                            </m:sSubPr>
+                            <m:e>
+                              <m:r>
+                                <a:rPr lang="de-DE" sz="900" b="1" i="1" smtClean="0">
+                                  <a:latin typeface="Cambria Math" panose="02040503050406030204" pitchFamily="18" charset="0"/>
+                                </a:rPr>
+                                <m:t>𝒂</m:t>
+                              </m:r>
+                            </m:e>
+                            <m:sub>
+                              <m:r>
+                                <a:rPr lang="de-DE" sz="900" b="1" i="1" smtClean="0">
+                                  <a:latin typeface="Cambria Math" panose="02040503050406030204" pitchFamily="18" charset="0"/>
+                                </a:rPr>
+                                <m:t>𝒊</m:t>
+                              </m:r>
+                              <m:r>
+                                <a:rPr lang="de-DE" sz="900" b="1" i="1" smtClean="0">
+                                  <a:latin typeface="Cambria Math" panose="02040503050406030204" pitchFamily="18" charset="0"/>
+                                </a:rPr>
+                                <m:t>−</m:t>
+                              </m:r>
+                              <m:r>
+                                <a:rPr lang="de-DE" sz="900" b="1" i="1" smtClean="0">
+                                  <a:latin typeface="Cambria Math" panose="02040503050406030204" pitchFamily="18" charset="0"/>
+                                </a:rPr>
+                                <m:t>𝟏</m:t>
+                              </m:r>
+                            </m:sub>
+                          </m:sSub>
+                          <m:r>
+                            <a:rPr lang="de-DE" sz="900" b="1" i="1" smtClean="0">
+                              <a:latin typeface="Cambria Math" panose="02040503050406030204" pitchFamily="18" charset="0"/>
+                            </a:rPr>
+                            <m:t> </m:t>
+                          </m:r>
+                          <m:sSup>
+                            <m:sSupPr>
+                              <m:ctrlPr>
+                                <a:rPr lang="de-DE" sz="900" b="1" i="1" smtClean="0">
+                                  <a:latin typeface="Cambria Math" panose="02040503050406030204" pitchFamily="18" charset="0"/>
+                                </a:rPr>
+                              </m:ctrlPr>
+                            </m:sSupPr>
+                            <m:e>
+                              <m:r>
+                                <a:rPr lang="de-DE" sz="900" b="1" i="1" smtClean="0">
+                                  <a:latin typeface="Cambria Math" panose="02040503050406030204" pitchFamily="18" charset="0"/>
+                                </a:rPr>
+                                <m:t>𝒆</m:t>
+                              </m:r>
+                            </m:e>
+                            <m:sup>
+                              <m:r>
+                                <a:rPr lang="de-DE" sz="900" b="1" i="0" smtClean="0">
+                                  <a:latin typeface="Cambria Math" panose="02040503050406030204" pitchFamily="18" charset="0"/>
+                                </a:rPr>
+                                <m:t>𝚫</m:t>
+                              </m:r>
+                              <m:r>
+                                <a:rPr lang="de-DE" sz="900" b="1" i="0" smtClean="0">
+                                  <a:latin typeface="Cambria Math" panose="02040503050406030204" pitchFamily="18" charset="0"/>
+                                </a:rPr>
+                                <m:t>𝐭</m:t>
+                              </m:r>
+                              <m:r>
+                                <a:rPr lang="de-DE" sz="900" b="1" i="1" smtClean="0">
+                                  <a:latin typeface="Cambria Math" panose="02040503050406030204" pitchFamily="18" charset="0"/>
+                                </a:rPr>
+                                <m:t>/</m:t>
+                              </m:r>
+                              <m:r>
+                                <a:rPr lang="de-DE" sz="900" b="1" i="1" smtClean="0">
+                                  <a:latin typeface="Cambria Math" panose="02040503050406030204" pitchFamily="18" charset="0"/>
+                                </a:rPr>
+                                <m:t>𝝉</m:t>
+                              </m:r>
+                            </m:sup>
+                          </m:sSup>
+                        </m:e>
+                      </m:d>
+                      <m:r>
+                        <a:rPr lang="de-DE" sz="900" b="1" i="1">
+                          <a:latin typeface="Cambria Math" panose="02040503050406030204" pitchFamily="18" charset="0"/>
+                        </a:rPr>
+                        <m:t> /(</m:t>
+                      </m:r>
+                      <m:r>
+                        <a:rPr lang="de-DE" sz="900" b="1" i="1" smtClean="0">
+                          <a:latin typeface="Cambria Math" panose="02040503050406030204" pitchFamily="18" charset="0"/>
+                        </a:rPr>
+                        <m:t>𝟏</m:t>
+                      </m:r>
+                      <m:r>
+                        <a:rPr lang="de-DE" sz="900" b="1" i="1" smtClean="0">
+                          <a:latin typeface="Cambria Math" panose="02040503050406030204" pitchFamily="18" charset="0"/>
+                        </a:rPr>
+                        <m:t> − </m:t>
+                      </m:r>
+                      <m:sSup>
+                        <m:sSupPr>
+                          <m:ctrlPr>
+                            <a:rPr lang="de-DE" sz="900" b="1" i="1">
+                              <a:latin typeface="Cambria Math" panose="02040503050406030204" pitchFamily="18" charset="0"/>
+                            </a:rPr>
+                          </m:ctrlPr>
+                        </m:sSupPr>
+                        <m:e>
+                          <m:r>
+                            <a:rPr lang="de-DE" sz="900" b="1" i="1">
+                              <a:latin typeface="Cambria Math" panose="02040503050406030204" pitchFamily="18" charset="0"/>
+                            </a:rPr>
+                            <m:t>𝒆</m:t>
+                          </m:r>
+                        </m:e>
+                        <m:sup>
+                          <m:r>
+                            <a:rPr lang="de-DE" sz="900" b="1" i="1">
+                              <a:latin typeface="Cambria Math" panose="02040503050406030204" pitchFamily="18" charset="0"/>
+                            </a:rPr>
+                            <m:t>𝜟</m:t>
+                          </m:r>
+                          <m:r>
+                            <a:rPr lang="de-DE" sz="900" b="1" i="1">
+                              <a:latin typeface="Cambria Math" panose="02040503050406030204" pitchFamily="18" charset="0"/>
+                            </a:rPr>
+                            <m:t>𝒕</m:t>
+                          </m:r>
+                          <m:r>
+                            <a:rPr lang="de-DE" sz="900" b="1">
+                              <a:latin typeface="Cambria Math" panose="02040503050406030204" pitchFamily="18" charset="0"/>
+                            </a:rPr>
+                            <m:t>/</m:t>
+                          </m:r>
+                          <m:r>
+                            <a:rPr lang="de-DE" sz="900" b="1" i="1">
+                              <a:latin typeface="Cambria Math" panose="02040503050406030204" pitchFamily="18" charset="0"/>
+                            </a:rPr>
+                            <m:t>𝝉</m:t>
+                          </m:r>
+                        </m:sup>
+                      </m:sSup>
+                      <m:r>
+                        <a:rPr lang="de-DE" sz="900" b="1" i="1">
+                          <a:latin typeface="Cambria Math" panose="02040503050406030204" pitchFamily="18" charset="0"/>
+                        </a:rPr>
+                        <m:t>)</m:t>
+                      </m:r>
+                    </m:oMath>
+                  </m:oMathPara>
+                </a14:m>
+                <a:endParaRPr lang="de-DE" sz="900" b="1"/>
+              </a:p>
+            </p:txBody>
+          </p:sp>
+        </mc:Choice>
+        <mc:Fallback>
+          <p:sp>
+            <p:nvSpPr>
+              <p:cNvPr id="12" name="Textfeld 11">
+                <a:extLst>
+                  <a:ext uri="{FF2B5EF4-FFF2-40B4-BE49-F238E27FC236}">
+                    <a16:creationId xmlns:a16="http://schemas.microsoft.com/office/drawing/2014/main" id="{223887B7-BCA1-C9AB-2626-6CBE3EE2758C}"/>
+                  </a:ext>
+                </a:extLst>
+              </p:cNvPr>
+              <p:cNvSpPr txBox="1">
+                <a:spLocks noRot="1" noChangeAspect="1" noMove="1" noResize="1" noEditPoints="1" noAdjustHandles="1" noChangeArrowheads="1" noChangeShapeType="1" noTextEdit="1"/>
+              </p:cNvSpPr>
+              <p:nvPr/>
+            </p:nvSpPr>
+            <p:spPr>
+              <a:xfrm>
+                <a:off x="0" y="2111723"/>
+                <a:ext cx="3302000" cy="248658"/>
+              </a:xfrm>
+              <a:prstGeom prst="rect">
+                <a:avLst/>
+              </a:prstGeom>
+              <a:blipFill>
+                <a:blip r:embed="rId3"/>
+                <a:stretch>
+                  <a:fillRect/>
+                </a:stretch>
+              </a:blipFill>
+            </p:spPr>
+            <p:txBody>
+              <a:bodyPr/>
+              <a:lstStyle/>
+              <a:p>
+                <a:r>
+                  <a:rPr lang="en-US">
+                    <a:noFill/>
+                  </a:rPr>
+                  <a:t> </a:t>
+                </a:r>
+              </a:p>
+            </p:txBody>
+          </p:sp>
+        </mc:Fallback>
+      </mc:AlternateContent>
     </p:spTree>
     <p:extLst>
       <p:ext uri="{BB962C8B-B14F-4D97-AF65-F5344CB8AC3E}">
@@ -5764,18 +6367,18 @@
   <p:clrMapOvr>
     <a:masterClrMapping/>
   </p:clrMapOvr>
-  <mc:AlternateContent xmlns:mc="http://schemas.openxmlformats.org/markup-compatibility/2006">
-    <mc:Choice xmlns:p14="http://schemas.microsoft.com/office/powerpoint/2010/main" Requires="p14">
+  <mc:AlternateContent xmlns:mc="http://schemas.openxmlformats.org/markup-compatibility/2006" xmlns:p14="http://schemas.microsoft.com/office/powerpoint/2010/main">
+    <mc:Choice Requires="p14">
       <p:transition spd="slow" p14:dur="2000" advTm="85783"/>
     </mc:Choice>
-    <mc:Fallback>
+    <mc:Fallback xmlns="">
       <p:transition spd="slow" advTm="85783"/>
     </mc:Fallback>
   </mc:AlternateContent>
 </p:sld>
 </file>
 
-<file path=ppt/slides/slide11.xml><?xml version="1.0" encoding="utf-8"?>
+<file path=ppt/slides/slide12.xml><?xml version="1.0" encoding="utf-8"?>
 <p:sld xmlns:a="http://schemas.openxmlformats.org/drawingml/2006/main" xmlns:r="http://schemas.openxmlformats.org/officeDocument/2006/relationships" xmlns:p="http://schemas.openxmlformats.org/presentationml/2006/main">
   <p:cSld>
     <p:spTree>
@@ -5809,7 +6412,7 @@
           <a:p>
             <a:fld id="{C7355B21-B324-434D-ABB6-684CB6180B39}" type="datetime1">
               <a:rPr lang="de-DE" smtClean="0"/>
-              <a:t>28.05.2023</a:t>
+              <a:t>29.05.2023</a:t>
             </a:fld>
             <a:endParaRPr lang="de-DE"/>
           </a:p>
@@ -5832,7 +6435,7 @@
           <a:p>
             <a:fld id="{61696EC4-B4CF-4701-AD06-A8439D6D8E12}" type="slidenum">
               <a:rPr lang="de-DE" smtClean="0"/>
-              <a:t>11</a:t>
+              <a:t>12</a:t>
             </a:fld>
             <a:endParaRPr lang="de-DE" dirty="0"/>
           </a:p>
@@ -6114,18 +6717,18 @@
   <p:clrMapOvr>
     <a:masterClrMapping/>
   </p:clrMapOvr>
-  <mc:AlternateContent xmlns:mc="http://schemas.openxmlformats.org/markup-compatibility/2006">
-    <mc:Choice xmlns:p14="http://schemas.microsoft.com/office/powerpoint/2010/main" Requires="p14">
+  <mc:AlternateContent xmlns:mc="http://schemas.openxmlformats.org/markup-compatibility/2006" xmlns:p14="http://schemas.microsoft.com/office/powerpoint/2010/main">
+    <mc:Choice Requires="p14">
       <p:transition spd="slow" p14:dur="2000" advTm="85783"/>
     </mc:Choice>
-    <mc:Fallback>
+    <mc:Fallback xmlns="">
       <p:transition spd="slow" advTm="85783"/>
     </mc:Fallback>
   </mc:AlternateContent>
 </p:sld>
 </file>
 
-<file path=ppt/slides/slide12.xml><?xml version="1.0" encoding="utf-8"?>
+<file path=ppt/slides/slide13.xml><?xml version="1.0" encoding="utf-8"?>
 <p:sld xmlns:a="http://schemas.openxmlformats.org/drawingml/2006/main" xmlns:r="http://schemas.openxmlformats.org/officeDocument/2006/relationships" xmlns:p="http://schemas.openxmlformats.org/presentationml/2006/main">
   <p:cSld>
     <p:spTree>
@@ -6159,7 +6762,7 @@
           <a:p>
             <a:fld id="{C7355B21-B324-434D-ABB6-684CB6180B39}" type="datetime1">
               <a:rPr lang="de-DE" smtClean="0"/>
-              <a:t>28.05.2023</a:t>
+              <a:t>29.05.2023</a:t>
             </a:fld>
             <a:endParaRPr lang="de-DE"/>
           </a:p>
@@ -6182,7 +6785,7 @@
           <a:p>
             <a:fld id="{61696EC4-B4CF-4701-AD06-A8439D6D8E12}" type="slidenum">
               <a:rPr lang="de-DE" smtClean="0"/>
-              <a:t>12</a:t>
+              <a:t>13</a:t>
             </a:fld>
             <a:endParaRPr lang="de-DE" dirty="0"/>
           </a:p>
@@ -6315,8 +6918,8 @@
           </a:p>
         </p:txBody>
       </p:sp>
-      <mc:AlternateContent xmlns:mc="http://schemas.openxmlformats.org/markup-compatibility/2006">
-        <mc:Choice xmlns:a14="http://schemas.microsoft.com/office/drawing/2010/main" Requires="a14">
+      <mc:AlternateContent xmlns:mc="http://schemas.openxmlformats.org/markup-compatibility/2006" xmlns:a14="http://schemas.microsoft.com/office/drawing/2010/main">
+        <mc:Choice Requires="a14">
           <p:sp>
             <p:nvSpPr>
               <p:cNvPr id="5" name="Inhaltsplatzhalter 6">
@@ -6613,7 +7216,7 @@
             </p:txBody>
           </p:sp>
         </mc:Choice>
-        <mc:Fallback>
+        <mc:Fallback xmlns="">
           <p:sp>
             <p:nvSpPr>
               <p:cNvPr id="5" name="Inhaltsplatzhalter 6">
@@ -6703,18 +7306,18 @@
   <p:clrMapOvr>
     <a:masterClrMapping/>
   </p:clrMapOvr>
-  <mc:AlternateContent xmlns:mc="http://schemas.openxmlformats.org/markup-compatibility/2006">
-    <mc:Choice xmlns:p14="http://schemas.microsoft.com/office/powerpoint/2010/main" Requires="p14">
+  <mc:AlternateContent xmlns:mc="http://schemas.openxmlformats.org/markup-compatibility/2006" xmlns:p14="http://schemas.microsoft.com/office/powerpoint/2010/main">
+    <mc:Choice Requires="p14">
       <p:transition spd="slow" p14:dur="2000" advTm="85783"/>
     </mc:Choice>
-    <mc:Fallback>
+    <mc:Fallback xmlns="">
       <p:transition spd="slow" advTm="85783"/>
     </mc:Fallback>
   </mc:AlternateContent>
 </p:sld>
 </file>
 
-<file path=ppt/slides/slide13.xml><?xml version="1.0" encoding="utf-8"?>
+<file path=ppt/slides/slide14.xml><?xml version="1.0" encoding="utf-8"?>
 <p:sld xmlns:a="http://schemas.openxmlformats.org/drawingml/2006/main" xmlns:r="http://schemas.openxmlformats.org/officeDocument/2006/relationships" xmlns:p="http://schemas.openxmlformats.org/presentationml/2006/main">
   <p:cSld>
     <p:spTree>
@@ -6748,7 +7351,7 @@
           <a:p>
             <a:fld id="{C7355B21-B324-434D-ABB6-684CB6180B39}" type="datetime1">
               <a:rPr lang="de-DE" smtClean="0"/>
-              <a:t>28.05.2023</a:t>
+              <a:t>29.05.2023</a:t>
             </a:fld>
             <a:endParaRPr lang="de-DE"/>
           </a:p>
@@ -6771,7 +7374,7 @@
           <a:p>
             <a:fld id="{61696EC4-B4CF-4701-AD06-A8439D6D8E12}" type="slidenum">
               <a:rPr lang="de-DE" smtClean="0"/>
-              <a:t>13</a:t>
+              <a:t>14</a:t>
             </a:fld>
             <a:endParaRPr lang="de-DE" dirty="0"/>
           </a:p>
@@ -7485,7 +8088,7 @@
 </p:sld>
 </file>
 
-<file path=ppt/slides/slide14.xml><?xml version="1.0" encoding="utf-8"?>
+<file path=ppt/slides/slide15.xml><?xml version="1.0" encoding="utf-8"?>
 <p:sld xmlns:a="http://schemas.openxmlformats.org/drawingml/2006/main" xmlns:r="http://schemas.openxmlformats.org/officeDocument/2006/relationships" xmlns:p="http://schemas.openxmlformats.org/presentationml/2006/main">
   <p:cSld>
     <p:spTree>
@@ -7519,7 +8122,7 @@
           <a:p>
             <a:fld id="{C7355B21-B324-434D-ABB6-684CB6180B39}" type="datetime1">
               <a:rPr lang="de-DE" smtClean="0"/>
-              <a:t>28.05.2023</a:t>
+              <a:t>29.05.2023</a:t>
             </a:fld>
             <a:endParaRPr lang="de-DE"/>
           </a:p>
@@ -7542,7 +8145,7 @@
           <a:p>
             <a:fld id="{61696EC4-B4CF-4701-AD06-A8439D6D8E12}" type="slidenum">
               <a:rPr lang="de-DE" smtClean="0"/>
-              <a:t>14</a:t>
+              <a:t>15</a:t>
             </a:fld>
             <a:endParaRPr lang="de-DE" dirty="0"/>
           </a:p>
@@ -8466,7 +9069,7 @@
 </p:sld>
 </file>
 
-<file path=ppt/slides/slide15.xml><?xml version="1.0" encoding="utf-8"?>
+<file path=ppt/slides/slide16.xml><?xml version="1.0" encoding="utf-8"?>
 <p:sld xmlns:a="http://schemas.openxmlformats.org/drawingml/2006/main" xmlns:r="http://schemas.openxmlformats.org/officeDocument/2006/relationships" xmlns:p="http://schemas.openxmlformats.org/presentationml/2006/main">
   <p:cSld>
     <p:spTree>
@@ -8500,7 +9103,7 @@
           <a:p>
             <a:fld id="{C7355B21-B324-434D-ABB6-684CB6180B39}" type="datetime1">
               <a:rPr lang="de-DE" smtClean="0"/>
-              <a:t>28.05.2023</a:t>
+              <a:t>29.05.2023</a:t>
             </a:fld>
             <a:endParaRPr lang="de-DE"/>
           </a:p>
@@ -8523,7 +9126,7 @@
           <a:p>
             <a:fld id="{61696EC4-B4CF-4701-AD06-A8439D6D8E12}" type="slidenum">
               <a:rPr lang="de-DE" smtClean="0"/>
-              <a:t>15</a:t>
+              <a:t>16</a:t>
             </a:fld>
             <a:endParaRPr lang="de-DE" dirty="0"/>
           </a:p>
@@ -9693,7 +10296,7 @@
 </p:sld>
 </file>
 
-<file path=ppt/slides/slide16.xml><?xml version="1.0" encoding="utf-8"?>
+<file path=ppt/slides/slide17.xml><?xml version="1.0" encoding="utf-8"?>
 <p:sld xmlns:a="http://schemas.openxmlformats.org/drawingml/2006/main" xmlns:r="http://schemas.openxmlformats.org/officeDocument/2006/relationships" xmlns:p="http://schemas.openxmlformats.org/presentationml/2006/main">
   <p:cSld>
     <p:spTree>
@@ -10176,7 +10779,7 @@
           <a:p>
             <a:fld id="{C7355B21-B324-434D-ABB6-684CB6180B39}" type="datetime1">
               <a:rPr lang="de-DE" smtClean="0"/>
-              <a:t>28.05.2023</a:t>
+              <a:t>29.05.2023</a:t>
             </a:fld>
             <a:endParaRPr lang="de-DE"/>
           </a:p>
@@ -10199,7 +10802,7 @@
           <a:p>
             <a:fld id="{61696EC4-B4CF-4701-AD06-A8439D6D8E12}" type="slidenum">
               <a:rPr lang="de-DE" smtClean="0"/>
-              <a:t>16</a:t>
+              <a:t>17</a:t>
             </a:fld>
             <a:endParaRPr lang="de-DE" dirty="0"/>
           </a:p>
@@ -10578,7 +11181,7 @@
 </p:sld>
 </file>
 
-<file path=ppt/slides/slide17.xml><?xml version="1.0" encoding="utf-8"?>
+<file path=ppt/slides/slide18.xml><?xml version="1.0" encoding="utf-8"?>
 <p:sld xmlns:a="http://schemas.openxmlformats.org/drawingml/2006/main" xmlns:r="http://schemas.openxmlformats.org/officeDocument/2006/relationships" xmlns:p="http://schemas.openxmlformats.org/presentationml/2006/main">
   <p:cSld>
     <p:spTree>
@@ -11072,7 +11675,7 @@
           <a:p>
             <a:fld id="{C7355B21-B324-434D-ABB6-684CB6180B39}" type="datetime1">
               <a:rPr lang="de-DE" smtClean="0"/>
-              <a:t>28.05.2023</a:t>
+              <a:t>29.05.2023</a:t>
             </a:fld>
             <a:endParaRPr lang="de-DE"/>
           </a:p>
@@ -11095,7 +11698,7 @@
           <a:p>
             <a:fld id="{61696EC4-B4CF-4701-AD06-A8439D6D8E12}" type="slidenum">
               <a:rPr lang="de-DE" smtClean="0"/>
-              <a:t>17</a:t>
+              <a:t>18</a:t>
             </a:fld>
             <a:endParaRPr lang="de-DE" dirty="0"/>
           </a:p>
@@ -11474,7 +12077,7 @@
 </p:sld>
 </file>
 
-<file path=ppt/slides/slide18.xml><?xml version="1.0" encoding="utf-8"?>
+<file path=ppt/slides/slide19.xml><?xml version="1.0" encoding="utf-8"?>
 <p:sld xmlns:a="http://schemas.openxmlformats.org/drawingml/2006/main" xmlns:r="http://schemas.openxmlformats.org/officeDocument/2006/relationships" xmlns:p="http://schemas.openxmlformats.org/presentationml/2006/main">
   <p:cSld>
     <p:spTree>
@@ -11968,7 +12571,7 @@
           <a:p>
             <a:fld id="{C7355B21-B324-434D-ABB6-684CB6180B39}" type="datetime1">
               <a:rPr lang="de-DE" smtClean="0"/>
-              <a:t>28.05.2023</a:t>
+              <a:t>29.05.2023</a:t>
             </a:fld>
             <a:endParaRPr lang="de-DE"/>
           </a:p>
@@ -11991,7 +12594,7 @@
           <a:p>
             <a:fld id="{61696EC4-B4CF-4701-AD06-A8439D6D8E12}" type="slidenum">
               <a:rPr lang="de-DE" smtClean="0"/>
-              <a:t>18</a:t>
+              <a:t>19</a:t>
             </a:fld>
             <a:endParaRPr lang="de-DE" dirty="0"/>
           </a:p>
@@ -12422,7 +13025,491 @@
 </p:sld>
 </file>
 
-<file path=ppt/slides/slide19.xml><?xml version="1.0" encoding="utf-8"?>
+<file path=ppt/slides/slide2.xml><?xml version="1.0" encoding="utf-8"?>
+<p:sld xmlns:a="http://schemas.openxmlformats.org/drawingml/2006/main" xmlns:r="http://schemas.openxmlformats.org/officeDocument/2006/relationships" xmlns:p="http://schemas.openxmlformats.org/presentationml/2006/main">
+  <p:cSld>
+    <p:spTree>
+      <p:nvGrpSpPr>
+        <p:cNvPr id="1" name=""/>
+        <p:cNvGrpSpPr/>
+        <p:nvPr/>
+      </p:nvGrpSpPr>
+      <p:grpSpPr>
+        <a:xfrm>
+          <a:off x="0" y="0"/>
+          <a:ext cx="0" cy="0"/>
+          <a:chOff x="0" y="0"/>
+          <a:chExt cx="0" cy="0"/>
+        </a:xfrm>
+      </p:grpSpPr>
+      <p:sp>
+        <p:nvSpPr>
+          <p:cNvPr id="2" name="Datumsplatzhalter 1"/>
+          <p:cNvSpPr>
+            <a:spLocks noGrp="1"/>
+          </p:cNvSpPr>
+          <p:nvPr>
+            <p:ph type="dt" sz="half" idx="10"/>
+          </p:nvPr>
+        </p:nvSpPr>
+        <p:spPr/>
+        <p:txBody>
+          <a:bodyPr/>
+          <a:lstStyle/>
+          <a:p>
+            <a:fld id="{C7355B21-B324-434D-ABB6-684CB6180B39}" type="datetime1">
+              <a:rPr lang="de-DE" smtClean="0"/>
+              <a:t>29.05.2023</a:t>
+            </a:fld>
+            <a:endParaRPr lang="de-DE"/>
+          </a:p>
+        </p:txBody>
+      </p:sp>
+      <p:sp>
+        <p:nvSpPr>
+          <p:cNvPr id="3" name="Foliennummernplatzhalter 2"/>
+          <p:cNvSpPr>
+            <a:spLocks noGrp="1"/>
+          </p:cNvSpPr>
+          <p:nvPr>
+            <p:ph type="sldNum" sz="quarter" idx="12"/>
+          </p:nvPr>
+        </p:nvSpPr>
+        <p:spPr/>
+        <p:txBody>
+          <a:bodyPr/>
+          <a:lstStyle/>
+          <a:p>
+            <a:fld id="{61696EC4-B4CF-4701-AD06-A8439D6D8E12}" type="slidenum">
+              <a:rPr lang="de-DE" smtClean="0"/>
+              <a:t>2</a:t>
+            </a:fld>
+            <a:endParaRPr lang="de-DE" dirty="0"/>
+          </a:p>
+        </p:txBody>
+      </p:sp>
+      <p:pic>
+        <p:nvPicPr>
+          <p:cNvPr id="9" name="Grafik 8" descr="Ein Bild, das Design, Tisch enthält.&#10;&#10;Automatisch generierte Beschreibung">
+            <a:extLst>
+              <a:ext uri="{FF2B5EF4-FFF2-40B4-BE49-F238E27FC236}">
+                <a16:creationId xmlns:a16="http://schemas.microsoft.com/office/drawing/2014/main" id="{2C4C1976-A141-79C9-B1DF-6D46D53A3919}"/>
+              </a:ext>
+            </a:extLst>
+          </p:cNvPr>
+          <p:cNvPicPr>
+            <a:picLocks noChangeAspect="1"/>
+          </p:cNvPicPr>
+          <p:nvPr/>
+        </p:nvPicPr>
+        <p:blipFill>
+          <a:blip r:embed="rId2">
+            <a:extLst>
+              <a:ext uri="{28A0092B-C50C-407E-A947-70E740481C1C}">
+                <a14:useLocalDpi xmlns:a14="http://schemas.microsoft.com/office/drawing/2010/main" val="0"/>
+              </a:ext>
+            </a:extLst>
+          </a:blip>
+          <a:stretch>
+            <a:fillRect/>
+          </a:stretch>
+        </p:blipFill>
+        <p:spPr>
+          <a:xfrm>
+            <a:off x="1841699" y="1469742"/>
+            <a:ext cx="1285987" cy="1166613"/>
+          </a:xfrm>
+          <a:prstGeom prst="rect">
+            <a:avLst/>
+          </a:prstGeom>
+        </p:spPr>
+      </p:pic>
+      <p:pic>
+        <p:nvPicPr>
+          <p:cNvPr id="12" name="Grafik 11" descr="Ein Bild, das Karte, Text enthält.&#10;&#10;Automatisch generierte Beschreibung">
+            <a:extLst>
+              <a:ext uri="{FF2B5EF4-FFF2-40B4-BE49-F238E27FC236}">
+                <a16:creationId xmlns:a16="http://schemas.microsoft.com/office/drawing/2014/main" id="{F639EFEA-4D81-792F-6A87-729E82A8B4BF}"/>
+              </a:ext>
+            </a:extLst>
+          </p:cNvPr>
+          <p:cNvPicPr>
+            <a:picLocks noChangeAspect="1"/>
+          </p:cNvPicPr>
+          <p:nvPr/>
+        </p:nvPicPr>
+        <p:blipFill>
+          <a:blip r:embed="rId3">
+            <a:extLst>
+              <a:ext uri="{28A0092B-C50C-407E-A947-70E740481C1C}">
+                <a14:useLocalDpi xmlns:a14="http://schemas.microsoft.com/office/drawing/2010/main" val="0"/>
+              </a:ext>
+            </a:extLst>
+          </a:blip>
+          <a:stretch>
+            <a:fillRect/>
+          </a:stretch>
+        </p:blipFill>
+        <p:spPr>
+          <a:xfrm>
+            <a:off x="379184" y="1179646"/>
+            <a:ext cx="3448774" cy="3198781"/>
+          </a:xfrm>
+          <a:prstGeom prst="rect">
+            <a:avLst/>
+          </a:prstGeom>
+        </p:spPr>
+      </p:pic>
+      <p:pic>
+        <p:nvPicPr>
+          <p:cNvPr id="14" name="Grafik 13" descr="Ein Bild, das medizinische Ausrüstung, Im Haus, Tisch, Design enthält.&#10;&#10;Automatisch generierte Beschreibung mit mittlerer Zuverlässigkeit">
+            <a:extLst>
+              <a:ext uri="{FF2B5EF4-FFF2-40B4-BE49-F238E27FC236}">
+                <a16:creationId xmlns:a16="http://schemas.microsoft.com/office/drawing/2014/main" id="{C06F90B2-2527-E748-3594-F8356D7C79D8}"/>
+              </a:ext>
+            </a:extLst>
+          </p:cNvPr>
+          <p:cNvPicPr>
+            <a:picLocks noChangeAspect="1"/>
+          </p:cNvPicPr>
+          <p:nvPr/>
+        </p:nvPicPr>
+        <p:blipFill>
+          <a:blip r:embed="rId4">
+            <a:extLst>
+              <a:ext uri="{28A0092B-C50C-407E-A947-70E740481C1C}">
+                <a14:useLocalDpi xmlns:a14="http://schemas.microsoft.com/office/drawing/2010/main" val="0"/>
+              </a:ext>
+            </a:extLst>
+          </a:blip>
+          <a:stretch>
+            <a:fillRect/>
+          </a:stretch>
+        </p:blipFill>
+        <p:spPr>
+          <a:xfrm>
+            <a:off x="2379533" y="2261569"/>
+            <a:ext cx="2653246" cy="2406954"/>
+          </a:xfrm>
+          <a:prstGeom prst="rect">
+            <a:avLst/>
+          </a:prstGeom>
+        </p:spPr>
+      </p:pic>
+      <mc:AlternateContent xmlns:mc="http://schemas.openxmlformats.org/markup-compatibility/2006" xmlns:a14="http://schemas.microsoft.com/office/drawing/2010/main">
+        <mc:Choice Requires="a14">
+          <p:sp>
+            <p:nvSpPr>
+              <p:cNvPr id="15" name="Inhaltsplatzhalter 6">
+                <a:extLst>
+                  <a:ext uri="{FF2B5EF4-FFF2-40B4-BE49-F238E27FC236}">
+                    <a16:creationId xmlns:a16="http://schemas.microsoft.com/office/drawing/2014/main" id="{C16A4008-D493-8B08-C6E0-AB5B55C1F2BC}"/>
+                  </a:ext>
+                </a:extLst>
+              </p:cNvPr>
+              <p:cNvSpPr>
+                <a:spLocks noGrp="1"/>
+              </p:cNvSpPr>
+              <p:nvPr>
+                <p:ph idx="1"/>
+              </p:nvPr>
+            </p:nvSpPr>
+            <p:spPr>
+              <a:xfrm>
+                <a:off x="4307538" y="1439444"/>
+                <a:ext cx="4356882" cy="3409400"/>
+              </a:xfrm>
+            </p:spPr>
+            <p:txBody>
+              <a:bodyPr>
+                <a:normAutofit/>
+              </a:bodyPr>
+              <a:lstStyle/>
+              <a:p>
+                <a:pPr lvl="1"/>
+                <a:r>
+                  <a:rPr lang="de-DE" b="1"/>
+                  <a:t>Around ~1600 stations</a:t>
+                </a:r>
+              </a:p>
+              <a:p>
+                <a:pPr marL="266771" lvl="1" indent="0">
+                  <a:buNone/>
+                </a:pPr>
+                <a:endParaRPr lang="de-DE" sz="200" b="1"/>
+              </a:p>
+              <a:p>
+                <a:pPr lvl="1"/>
+                <a:r>
+                  <a:rPr lang="de-DE" b="1"/>
+                  <a:t>Triangular </a:t>
+                </a:r>
+                <a14:m>
+                  <m:oMath xmlns:m="http://schemas.openxmlformats.org/officeDocument/2006/math">
+                    <m:r>
+                      <a:rPr lang="de-DE" b="0" i="1" smtClean="0">
+                        <a:latin typeface="Cambria Math" panose="02040503050406030204" pitchFamily="18" charset="0"/>
+                      </a:rPr>
+                      <m:t>1.5 </m:t>
+                    </m:r>
+                    <m:r>
+                      <m:rPr>
+                        <m:sty m:val="p"/>
+                      </m:rPr>
+                      <a:rPr lang="de-DE" b="0" i="0" smtClean="0">
+                        <a:latin typeface="Cambria Math" panose="02040503050406030204" pitchFamily="18" charset="0"/>
+                      </a:rPr>
+                      <m:t>km</m:t>
+                    </m:r>
+                  </m:oMath>
+                </a14:m>
+                <a:r>
+                  <a:rPr lang="de-DE"/>
+                  <a:t> </a:t>
+                </a:r>
+                <a:r>
+                  <a:rPr lang="de-DE" b="1"/>
+                  <a:t>grid spacing</a:t>
+                </a:r>
+              </a:p>
+              <a:p>
+                <a:pPr marL="266771" lvl="1" indent="0">
+                  <a:buNone/>
+                </a:pPr>
+                <a:endParaRPr lang="de-DE" sz="200" b="1"/>
+              </a:p>
+              <a:p>
+                <a:pPr lvl="1"/>
+                <a:r>
+                  <a:rPr lang="de-DE" b="1"/>
+                  <a:t>Ongoing upgrade from UB </a:t>
+                </a:r>
+                <a14:m>
+                  <m:oMath xmlns:m="http://schemas.openxmlformats.org/officeDocument/2006/math">
+                    <m:r>
+                      <a:rPr lang="de-DE" b="1" i="1" smtClean="0">
+                        <a:latin typeface="Cambria Math" panose="02040503050406030204" pitchFamily="18" charset="0"/>
+                      </a:rPr>
+                      <m:t>→</m:t>
+                    </m:r>
+                  </m:oMath>
+                </a14:m>
+                <a:r>
+                  <a:rPr lang="de-DE" b="1"/>
+                  <a:t> UUB</a:t>
+                </a:r>
+              </a:p>
+              <a:p>
+                <a:pPr marL="266771" lvl="1" indent="0">
+                  <a:buNone/>
+                </a:pPr>
+                <a:endParaRPr lang="de-DE" sz="100" b="1"/>
+              </a:p>
+              <a:p>
+                <a:pPr lvl="2"/>
+                <a:r>
+                  <a:rPr lang="de-DE" b="1"/>
+                  <a:t>3 Water-Cherenkov detectors (WCD)</a:t>
+                </a:r>
+              </a:p>
+              <a:p>
+                <a:pPr marL="538306" lvl="2" indent="0">
+                  <a:buNone/>
+                </a:pPr>
+                <a:endParaRPr lang="de-DE" sz="100" b="1"/>
+              </a:p>
+              <a:p>
+                <a:pPr lvl="2"/>
+                <a:r>
+                  <a:rPr lang="de-DE">
+                    <a:solidFill>
+                      <a:schemeClr val="bg2">
+                        <a:lumMod val="75000"/>
+                      </a:schemeClr>
+                    </a:solidFill>
+                  </a:rPr>
+                  <a:t>1 Surface scintillator detector (SSD)</a:t>
+                </a:r>
+              </a:p>
+              <a:p>
+                <a:pPr marL="538306" lvl="2" indent="0">
+                  <a:buNone/>
+                </a:pPr>
+                <a:endParaRPr lang="de-DE" sz="100">
+                  <a:solidFill>
+                    <a:schemeClr val="bg2">
+                      <a:lumMod val="75000"/>
+                    </a:schemeClr>
+                  </a:solidFill>
+                </a:endParaRPr>
+              </a:p>
+              <a:p>
+                <a:pPr lvl="2"/>
+                <a:r>
+                  <a:rPr lang="de-DE">
+                    <a:solidFill>
+                      <a:schemeClr val="bg2">
+                        <a:lumMod val="75000"/>
+                      </a:schemeClr>
+                    </a:solidFill>
+                  </a:rPr>
+                  <a:t>1 Radio antenna </a:t>
+                </a:r>
+                <a:endParaRPr lang="de-DE" sz="800" b="1"/>
+              </a:p>
+              <a:p>
+                <a:pPr lvl="1"/>
+                <a:endParaRPr lang="de-DE" sz="800" b="1"/>
+              </a:p>
+              <a:p>
+                <a:pPr lvl="1"/>
+                <a:endParaRPr lang="de-DE" sz="800" b="1"/>
+              </a:p>
+              <a:p>
+                <a:pPr lvl="1"/>
+                <a:endParaRPr lang="de-DE" sz="800" b="1"/>
+              </a:p>
+              <a:p>
+                <a:pPr marL="266771" lvl="1" indent="0">
+                  <a:buNone/>
+                </a:pPr>
+                <a:endParaRPr lang="de-DE"/>
+              </a:p>
+            </p:txBody>
+          </p:sp>
+        </mc:Choice>
+        <mc:Fallback xmlns="">
+          <p:sp>
+            <p:nvSpPr>
+              <p:cNvPr id="15" name="Inhaltsplatzhalter 6">
+                <a:extLst>
+                  <a:ext uri="{FF2B5EF4-FFF2-40B4-BE49-F238E27FC236}">
+                    <a16:creationId xmlns:a16="http://schemas.microsoft.com/office/drawing/2014/main" id="{C16A4008-D493-8B08-C6E0-AB5B55C1F2BC}"/>
+                  </a:ext>
+                </a:extLst>
+              </p:cNvPr>
+              <p:cNvSpPr>
+                <a:spLocks noGrp="1" noRot="1" noChangeAspect="1" noMove="1" noResize="1" noEditPoints="1" noAdjustHandles="1" noChangeArrowheads="1" noChangeShapeType="1" noTextEdit="1"/>
+              </p:cNvSpPr>
+              <p:nvPr>
+                <p:ph idx="1"/>
+              </p:nvPr>
+            </p:nvSpPr>
+            <p:spPr>
+              <a:xfrm>
+                <a:off x="4307538" y="1439444"/>
+                <a:ext cx="4356882" cy="3409400"/>
+              </a:xfrm>
+              <a:blipFill>
+                <a:blip r:embed="rId5"/>
+                <a:stretch>
+                  <a:fillRect t="-3041"/>
+                </a:stretch>
+              </a:blipFill>
+            </p:spPr>
+            <p:txBody>
+              <a:bodyPr/>
+              <a:lstStyle/>
+              <a:p>
+                <a:r>
+                  <a:rPr lang="en-US">
+                    <a:noFill/>
+                  </a:rPr>
+                  <a:t> </a:t>
+                </a:r>
+              </a:p>
+            </p:txBody>
+          </p:sp>
+        </mc:Fallback>
+      </mc:AlternateContent>
+      <p:sp>
+        <p:nvSpPr>
+          <p:cNvPr id="7" name="Titel 5">
+            <a:extLst>
+              <a:ext uri="{FF2B5EF4-FFF2-40B4-BE49-F238E27FC236}">
+                <a16:creationId xmlns:a16="http://schemas.microsoft.com/office/drawing/2014/main" id="{ED6CF870-C03E-2F4B-1FF5-0653A9BA5159}"/>
+              </a:ext>
+            </a:extLst>
+          </p:cNvPr>
+          <p:cNvSpPr>
+            <a:spLocks noGrp="1"/>
+          </p:cNvSpPr>
+          <p:nvPr>
+            <p:ph type="title"/>
+          </p:nvPr>
+        </p:nvSpPr>
+        <p:spPr>
+          <a:xfrm>
+            <a:off x="387708" y="135290"/>
+            <a:ext cx="7795500" cy="575989"/>
+          </a:xfrm>
+        </p:spPr>
+        <p:txBody>
+          <a:bodyPr>
+            <a:normAutofit/>
+          </a:bodyPr>
+          <a:lstStyle/>
+          <a:p>
+            <a:r>
+              <a:rPr lang="de-DE"/>
+              <a:t>SD Array / </a:t>
+            </a:r>
+            <a:r>
+              <a:rPr lang="de-DE" b="0">
+                <a:solidFill>
+                  <a:schemeClr val="bg2">
+                    <a:lumMod val="75000"/>
+                  </a:schemeClr>
+                </a:solidFill>
+              </a:rPr>
+              <a:t>trigger hierarchy</a:t>
+            </a:r>
+            <a:r>
+              <a:rPr lang="de-DE"/>
+              <a:t> / </a:t>
+            </a:r>
+            <a:r>
+              <a:rPr lang="de-DE" b="0">
+                <a:solidFill>
+                  <a:schemeClr val="bg2">
+                    <a:lumMod val="75000"/>
+                  </a:schemeClr>
+                </a:solidFill>
+              </a:rPr>
+              <a:t>WCD time traces</a:t>
+            </a:r>
+            <a:endParaRPr lang="de-DE" b="0" dirty="0">
+              <a:solidFill>
+                <a:schemeClr val="bg2">
+                  <a:lumMod val="75000"/>
+                </a:schemeClr>
+              </a:solidFill>
+            </a:endParaRPr>
+          </a:p>
+        </p:txBody>
+      </p:sp>
+    </p:spTree>
+    <p:extLst>
+      <p:ext uri="{BB962C8B-B14F-4D97-AF65-F5344CB8AC3E}">
+        <p14:creationId xmlns:p14="http://schemas.microsoft.com/office/powerpoint/2010/main" val="83193042"/>
+      </p:ext>
+    </p:extLst>
+  </p:cSld>
+  <p:clrMapOvr>
+    <a:masterClrMapping/>
+  </p:clrMapOvr>
+  <mc:AlternateContent xmlns:mc="http://schemas.openxmlformats.org/markup-compatibility/2006" xmlns:p14="http://schemas.microsoft.com/office/powerpoint/2010/main">
+    <mc:Choice Requires="p14">
+      <p:transition spd="slow" p14:dur="2000" advTm="85783"/>
+    </mc:Choice>
+    <mc:Fallback xmlns="">
+      <p:transition spd="slow" advTm="85783"/>
+    </mc:Fallback>
+  </mc:AlternateContent>
+</p:sld>
+</file>
+
+<file path=ppt/slides/slide20.xml><?xml version="1.0" encoding="utf-8"?>
 <p:sld xmlns:a="http://schemas.openxmlformats.org/drawingml/2006/main" xmlns:r="http://schemas.openxmlformats.org/officeDocument/2006/relationships" xmlns:p="http://schemas.openxmlformats.org/presentationml/2006/main">
   <p:cSld>
     <p:spTree>
@@ -12916,7 +14003,7 @@
           <a:p>
             <a:fld id="{C7355B21-B324-434D-ABB6-684CB6180B39}" type="datetime1">
               <a:rPr lang="de-DE" smtClean="0"/>
-              <a:t>28.05.2023</a:t>
+              <a:t>29.05.2023</a:t>
             </a:fld>
             <a:endParaRPr lang="de-DE"/>
           </a:p>
@@ -12939,7 +14026,7 @@
           <a:p>
             <a:fld id="{61696EC4-B4CF-4701-AD06-A8439D6D8E12}" type="slidenum">
               <a:rPr lang="de-DE" smtClean="0"/>
-              <a:t>19</a:t>
+              <a:t>20</a:t>
             </a:fld>
             <a:endParaRPr lang="de-DE" dirty="0"/>
           </a:p>
@@ -13557,491 +14644,7 @@
 </p:sld>
 </file>
 
-<file path=ppt/slides/slide2.xml><?xml version="1.0" encoding="utf-8"?>
-<p:sld xmlns:a="http://schemas.openxmlformats.org/drawingml/2006/main" xmlns:r="http://schemas.openxmlformats.org/officeDocument/2006/relationships" xmlns:p="http://schemas.openxmlformats.org/presentationml/2006/main">
-  <p:cSld>
-    <p:spTree>
-      <p:nvGrpSpPr>
-        <p:cNvPr id="1" name=""/>
-        <p:cNvGrpSpPr/>
-        <p:nvPr/>
-      </p:nvGrpSpPr>
-      <p:grpSpPr>
-        <a:xfrm>
-          <a:off x="0" y="0"/>
-          <a:ext cx="0" cy="0"/>
-          <a:chOff x="0" y="0"/>
-          <a:chExt cx="0" cy="0"/>
-        </a:xfrm>
-      </p:grpSpPr>
-      <p:sp>
-        <p:nvSpPr>
-          <p:cNvPr id="2" name="Datumsplatzhalter 1"/>
-          <p:cNvSpPr>
-            <a:spLocks noGrp="1"/>
-          </p:cNvSpPr>
-          <p:nvPr>
-            <p:ph type="dt" sz="half" idx="10"/>
-          </p:nvPr>
-        </p:nvSpPr>
-        <p:spPr/>
-        <p:txBody>
-          <a:bodyPr/>
-          <a:lstStyle/>
-          <a:p>
-            <a:fld id="{C7355B21-B324-434D-ABB6-684CB6180B39}" type="datetime1">
-              <a:rPr lang="de-DE" smtClean="0"/>
-              <a:t>28.05.2023</a:t>
-            </a:fld>
-            <a:endParaRPr lang="de-DE"/>
-          </a:p>
-        </p:txBody>
-      </p:sp>
-      <p:sp>
-        <p:nvSpPr>
-          <p:cNvPr id="3" name="Foliennummernplatzhalter 2"/>
-          <p:cNvSpPr>
-            <a:spLocks noGrp="1"/>
-          </p:cNvSpPr>
-          <p:nvPr>
-            <p:ph type="sldNum" sz="quarter" idx="12"/>
-          </p:nvPr>
-        </p:nvSpPr>
-        <p:spPr/>
-        <p:txBody>
-          <a:bodyPr/>
-          <a:lstStyle/>
-          <a:p>
-            <a:fld id="{61696EC4-B4CF-4701-AD06-A8439D6D8E12}" type="slidenum">
-              <a:rPr lang="de-DE" smtClean="0"/>
-              <a:t>2</a:t>
-            </a:fld>
-            <a:endParaRPr lang="de-DE" dirty="0"/>
-          </a:p>
-        </p:txBody>
-      </p:sp>
-      <p:pic>
-        <p:nvPicPr>
-          <p:cNvPr id="9" name="Grafik 8" descr="Ein Bild, das Design, Tisch enthält.&#10;&#10;Automatisch generierte Beschreibung">
-            <a:extLst>
-              <a:ext uri="{FF2B5EF4-FFF2-40B4-BE49-F238E27FC236}">
-                <a16:creationId xmlns:a16="http://schemas.microsoft.com/office/drawing/2014/main" id="{2C4C1976-A141-79C9-B1DF-6D46D53A3919}"/>
-              </a:ext>
-            </a:extLst>
-          </p:cNvPr>
-          <p:cNvPicPr>
-            <a:picLocks noChangeAspect="1"/>
-          </p:cNvPicPr>
-          <p:nvPr/>
-        </p:nvPicPr>
-        <p:blipFill>
-          <a:blip r:embed="rId2">
-            <a:extLst>
-              <a:ext uri="{28A0092B-C50C-407E-A947-70E740481C1C}">
-                <a14:useLocalDpi xmlns:a14="http://schemas.microsoft.com/office/drawing/2010/main" val="0"/>
-              </a:ext>
-            </a:extLst>
-          </a:blip>
-          <a:stretch>
-            <a:fillRect/>
-          </a:stretch>
-        </p:blipFill>
-        <p:spPr>
-          <a:xfrm>
-            <a:off x="1841699" y="1469742"/>
-            <a:ext cx="1285987" cy="1166613"/>
-          </a:xfrm>
-          <a:prstGeom prst="rect">
-            <a:avLst/>
-          </a:prstGeom>
-        </p:spPr>
-      </p:pic>
-      <p:pic>
-        <p:nvPicPr>
-          <p:cNvPr id="12" name="Grafik 11" descr="Ein Bild, das Karte, Text enthält.&#10;&#10;Automatisch generierte Beschreibung">
-            <a:extLst>
-              <a:ext uri="{FF2B5EF4-FFF2-40B4-BE49-F238E27FC236}">
-                <a16:creationId xmlns:a16="http://schemas.microsoft.com/office/drawing/2014/main" id="{F639EFEA-4D81-792F-6A87-729E82A8B4BF}"/>
-              </a:ext>
-            </a:extLst>
-          </p:cNvPr>
-          <p:cNvPicPr>
-            <a:picLocks noChangeAspect="1"/>
-          </p:cNvPicPr>
-          <p:nvPr/>
-        </p:nvPicPr>
-        <p:blipFill>
-          <a:blip r:embed="rId3">
-            <a:extLst>
-              <a:ext uri="{28A0092B-C50C-407E-A947-70E740481C1C}">
-                <a14:useLocalDpi xmlns:a14="http://schemas.microsoft.com/office/drawing/2010/main" val="0"/>
-              </a:ext>
-            </a:extLst>
-          </a:blip>
-          <a:stretch>
-            <a:fillRect/>
-          </a:stretch>
-        </p:blipFill>
-        <p:spPr>
-          <a:xfrm>
-            <a:off x="379184" y="1179646"/>
-            <a:ext cx="3448774" cy="3198781"/>
-          </a:xfrm>
-          <a:prstGeom prst="rect">
-            <a:avLst/>
-          </a:prstGeom>
-        </p:spPr>
-      </p:pic>
-      <p:pic>
-        <p:nvPicPr>
-          <p:cNvPr id="14" name="Grafik 13" descr="Ein Bild, das medizinische Ausrüstung, Im Haus, Tisch, Design enthält.&#10;&#10;Automatisch generierte Beschreibung mit mittlerer Zuverlässigkeit">
-            <a:extLst>
-              <a:ext uri="{FF2B5EF4-FFF2-40B4-BE49-F238E27FC236}">
-                <a16:creationId xmlns:a16="http://schemas.microsoft.com/office/drawing/2014/main" id="{C06F90B2-2527-E748-3594-F8356D7C79D8}"/>
-              </a:ext>
-            </a:extLst>
-          </p:cNvPr>
-          <p:cNvPicPr>
-            <a:picLocks noChangeAspect="1"/>
-          </p:cNvPicPr>
-          <p:nvPr/>
-        </p:nvPicPr>
-        <p:blipFill>
-          <a:blip r:embed="rId4">
-            <a:extLst>
-              <a:ext uri="{28A0092B-C50C-407E-A947-70E740481C1C}">
-                <a14:useLocalDpi xmlns:a14="http://schemas.microsoft.com/office/drawing/2010/main" val="0"/>
-              </a:ext>
-            </a:extLst>
-          </a:blip>
-          <a:stretch>
-            <a:fillRect/>
-          </a:stretch>
-        </p:blipFill>
-        <p:spPr>
-          <a:xfrm>
-            <a:off x="2379533" y="2261569"/>
-            <a:ext cx="2653246" cy="2406954"/>
-          </a:xfrm>
-          <a:prstGeom prst="rect">
-            <a:avLst/>
-          </a:prstGeom>
-        </p:spPr>
-      </p:pic>
-      <mc:AlternateContent xmlns:mc="http://schemas.openxmlformats.org/markup-compatibility/2006">
-        <mc:Choice xmlns:a14="http://schemas.microsoft.com/office/drawing/2010/main" Requires="a14">
-          <p:sp>
-            <p:nvSpPr>
-              <p:cNvPr id="15" name="Inhaltsplatzhalter 6">
-                <a:extLst>
-                  <a:ext uri="{FF2B5EF4-FFF2-40B4-BE49-F238E27FC236}">
-                    <a16:creationId xmlns:a16="http://schemas.microsoft.com/office/drawing/2014/main" id="{C16A4008-D493-8B08-C6E0-AB5B55C1F2BC}"/>
-                  </a:ext>
-                </a:extLst>
-              </p:cNvPr>
-              <p:cNvSpPr>
-                <a:spLocks noGrp="1"/>
-              </p:cNvSpPr>
-              <p:nvPr>
-                <p:ph idx="1"/>
-              </p:nvPr>
-            </p:nvSpPr>
-            <p:spPr>
-              <a:xfrm>
-                <a:off x="4307538" y="1439444"/>
-                <a:ext cx="4356882" cy="3409400"/>
-              </a:xfrm>
-            </p:spPr>
-            <p:txBody>
-              <a:bodyPr>
-                <a:normAutofit/>
-              </a:bodyPr>
-              <a:lstStyle/>
-              <a:p>
-                <a:pPr lvl="1"/>
-                <a:r>
-                  <a:rPr lang="de-DE" b="1"/>
-                  <a:t>Around ~1600 stations</a:t>
-                </a:r>
-              </a:p>
-              <a:p>
-                <a:pPr marL="266771" lvl="1" indent="0">
-                  <a:buNone/>
-                </a:pPr>
-                <a:endParaRPr lang="de-DE" sz="200" b="1"/>
-              </a:p>
-              <a:p>
-                <a:pPr lvl="1"/>
-                <a:r>
-                  <a:rPr lang="de-DE" b="1"/>
-                  <a:t>Triangular </a:t>
-                </a:r>
-                <a14:m>
-                  <m:oMath xmlns:m="http://schemas.openxmlformats.org/officeDocument/2006/math">
-                    <m:r>
-                      <a:rPr lang="de-DE" b="0" i="1" smtClean="0">
-                        <a:latin typeface="Cambria Math" panose="02040503050406030204" pitchFamily="18" charset="0"/>
-                      </a:rPr>
-                      <m:t>1.5 </m:t>
-                    </m:r>
-                    <m:r>
-                      <m:rPr>
-                        <m:sty m:val="p"/>
-                      </m:rPr>
-                      <a:rPr lang="de-DE" b="0" i="0" smtClean="0">
-                        <a:latin typeface="Cambria Math" panose="02040503050406030204" pitchFamily="18" charset="0"/>
-                      </a:rPr>
-                      <m:t>km</m:t>
-                    </m:r>
-                  </m:oMath>
-                </a14:m>
-                <a:r>
-                  <a:rPr lang="de-DE"/>
-                  <a:t> </a:t>
-                </a:r>
-                <a:r>
-                  <a:rPr lang="de-DE" b="1"/>
-                  <a:t>grid spacing</a:t>
-                </a:r>
-              </a:p>
-              <a:p>
-                <a:pPr marL="266771" lvl="1" indent="0">
-                  <a:buNone/>
-                </a:pPr>
-                <a:endParaRPr lang="de-DE" sz="200" b="1"/>
-              </a:p>
-              <a:p>
-                <a:pPr lvl="1"/>
-                <a:r>
-                  <a:rPr lang="de-DE" b="1"/>
-                  <a:t>Ongoing upgrade from UB </a:t>
-                </a:r>
-                <a14:m>
-                  <m:oMath xmlns:m="http://schemas.openxmlformats.org/officeDocument/2006/math">
-                    <m:r>
-                      <a:rPr lang="de-DE" b="1" i="1" smtClean="0">
-                        <a:latin typeface="Cambria Math" panose="02040503050406030204" pitchFamily="18" charset="0"/>
-                      </a:rPr>
-                      <m:t>→</m:t>
-                    </m:r>
-                  </m:oMath>
-                </a14:m>
-                <a:r>
-                  <a:rPr lang="de-DE" b="1"/>
-                  <a:t> UUB</a:t>
-                </a:r>
-              </a:p>
-              <a:p>
-                <a:pPr marL="266771" lvl="1" indent="0">
-                  <a:buNone/>
-                </a:pPr>
-                <a:endParaRPr lang="de-DE" sz="100" b="1"/>
-              </a:p>
-              <a:p>
-                <a:pPr lvl="2"/>
-                <a:r>
-                  <a:rPr lang="de-DE" b="1"/>
-                  <a:t>3 Water-Cherenkov detectors (WCD)</a:t>
-                </a:r>
-              </a:p>
-              <a:p>
-                <a:pPr marL="538306" lvl="2" indent="0">
-                  <a:buNone/>
-                </a:pPr>
-                <a:endParaRPr lang="de-DE" sz="100" b="1"/>
-              </a:p>
-              <a:p>
-                <a:pPr lvl="2"/>
-                <a:r>
-                  <a:rPr lang="de-DE">
-                    <a:solidFill>
-                      <a:schemeClr val="bg2">
-                        <a:lumMod val="75000"/>
-                      </a:schemeClr>
-                    </a:solidFill>
-                  </a:rPr>
-                  <a:t>1 Surface scintillator detector (SSD)</a:t>
-                </a:r>
-              </a:p>
-              <a:p>
-                <a:pPr marL="538306" lvl="2" indent="0">
-                  <a:buNone/>
-                </a:pPr>
-                <a:endParaRPr lang="de-DE" sz="100">
-                  <a:solidFill>
-                    <a:schemeClr val="bg2">
-                      <a:lumMod val="75000"/>
-                    </a:schemeClr>
-                  </a:solidFill>
-                </a:endParaRPr>
-              </a:p>
-              <a:p>
-                <a:pPr lvl="2"/>
-                <a:r>
-                  <a:rPr lang="de-DE">
-                    <a:solidFill>
-                      <a:schemeClr val="bg2">
-                        <a:lumMod val="75000"/>
-                      </a:schemeClr>
-                    </a:solidFill>
-                  </a:rPr>
-                  <a:t>1 Radio antenna </a:t>
-                </a:r>
-                <a:endParaRPr lang="de-DE" sz="800" b="1"/>
-              </a:p>
-              <a:p>
-                <a:pPr lvl="1"/>
-                <a:endParaRPr lang="de-DE" sz="800" b="1"/>
-              </a:p>
-              <a:p>
-                <a:pPr lvl="1"/>
-                <a:endParaRPr lang="de-DE" sz="800" b="1"/>
-              </a:p>
-              <a:p>
-                <a:pPr lvl="1"/>
-                <a:endParaRPr lang="de-DE" sz="800" b="1"/>
-              </a:p>
-              <a:p>
-                <a:pPr marL="266771" lvl="1" indent="0">
-                  <a:buNone/>
-                </a:pPr>
-                <a:endParaRPr lang="de-DE"/>
-              </a:p>
-            </p:txBody>
-          </p:sp>
-        </mc:Choice>
-        <mc:Fallback>
-          <p:sp>
-            <p:nvSpPr>
-              <p:cNvPr id="15" name="Inhaltsplatzhalter 6">
-                <a:extLst>
-                  <a:ext uri="{FF2B5EF4-FFF2-40B4-BE49-F238E27FC236}">
-                    <a16:creationId xmlns:a16="http://schemas.microsoft.com/office/drawing/2014/main" id="{C16A4008-D493-8B08-C6E0-AB5B55C1F2BC}"/>
-                  </a:ext>
-                </a:extLst>
-              </p:cNvPr>
-              <p:cNvSpPr>
-                <a:spLocks noGrp="1" noRot="1" noChangeAspect="1" noMove="1" noResize="1" noEditPoints="1" noAdjustHandles="1" noChangeArrowheads="1" noChangeShapeType="1" noTextEdit="1"/>
-              </p:cNvSpPr>
-              <p:nvPr>
-                <p:ph idx="1"/>
-              </p:nvPr>
-            </p:nvSpPr>
-            <p:spPr>
-              <a:xfrm>
-                <a:off x="4307538" y="1439444"/>
-                <a:ext cx="4356882" cy="3409400"/>
-              </a:xfrm>
-              <a:blipFill>
-                <a:blip r:embed="rId5"/>
-                <a:stretch>
-                  <a:fillRect t="-3041"/>
-                </a:stretch>
-              </a:blipFill>
-            </p:spPr>
-            <p:txBody>
-              <a:bodyPr/>
-              <a:lstStyle/>
-              <a:p>
-                <a:r>
-                  <a:rPr lang="en-US">
-                    <a:noFill/>
-                  </a:rPr>
-                  <a:t> </a:t>
-                </a:r>
-              </a:p>
-            </p:txBody>
-          </p:sp>
-        </mc:Fallback>
-      </mc:AlternateContent>
-      <p:sp>
-        <p:nvSpPr>
-          <p:cNvPr id="7" name="Titel 5">
-            <a:extLst>
-              <a:ext uri="{FF2B5EF4-FFF2-40B4-BE49-F238E27FC236}">
-                <a16:creationId xmlns:a16="http://schemas.microsoft.com/office/drawing/2014/main" id="{ED6CF870-C03E-2F4B-1FF5-0653A9BA5159}"/>
-              </a:ext>
-            </a:extLst>
-          </p:cNvPr>
-          <p:cNvSpPr>
-            <a:spLocks noGrp="1"/>
-          </p:cNvSpPr>
-          <p:nvPr>
-            <p:ph type="title"/>
-          </p:nvPr>
-        </p:nvSpPr>
-        <p:spPr>
-          <a:xfrm>
-            <a:off x="387708" y="135290"/>
-            <a:ext cx="7795500" cy="575989"/>
-          </a:xfrm>
-        </p:spPr>
-        <p:txBody>
-          <a:bodyPr>
-            <a:normAutofit/>
-          </a:bodyPr>
-          <a:lstStyle/>
-          <a:p>
-            <a:r>
-              <a:rPr lang="de-DE"/>
-              <a:t>SD Array / </a:t>
-            </a:r>
-            <a:r>
-              <a:rPr lang="de-DE" b="0">
-                <a:solidFill>
-                  <a:schemeClr val="bg2">
-                    <a:lumMod val="75000"/>
-                  </a:schemeClr>
-                </a:solidFill>
-              </a:rPr>
-              <a:t>trigger hierarchy</a:t>
-            </a:r>
-            <a:r>
-              <a:rPr lang="de-DE"/>
-              <a:t> / </a:t>
-            </a:r>
-            <a:r>
-              <a:rPr lang="de-DE" b="0">
-                <a:solidFill>
-                  <a:schemeClr val="bg2">
-                    <a:lumMod val="75000"/>
-                  </a:schemeClr>
-                </a:solidFill>
-              </a:rPr>
-              <a:t>WCD time traces</a:t>
-            </a:r>
-            <a:endParaRPr lang="de-DE" b="0" dirty="0">
-              <a:solidFill>
-                <a:schemeClr val="bg2">
-                  <a:lumMod val="75000"/>
-                </a:schemeClr>
-              </a:solidFill>
-            </a:endParaRPr>
-          </a:p>
-        </p:txBody>
-      </p:sp>
-    </p:spTree>
-    <p:extLst>
-      <p:ext uri="{BB962C8B-B14F-4D97-AF65-F5344CB8AC3E}">
-        <p14:creationId xmlns:p14="http://schemas.microsoft.com/office/powerpoint/2010/main" val="83193042"/>
-      </p:ext>
-    </p:extLst>
-  </p:cSld>
-  <p:clrMapOvr>
-    <a:masterClrMapping/>
-  </p:clrMapOvr>
-  <mc:AlternateContent xmlns:mc="http://schemas.openxmlformats.org/markup-compatibility/2006">
-    <mc:Choice xmlns:p14="http://schemas.microsoft.com/office/powerpoint/2010/main" Requires="p14">
-      <p:transition spd="slow" p14:dur="2000" advTm="85783"/>
-    </mc:Choice>
-    <mc:Fallback>
-      <p:transition spd="slow" advTm="85783"/>
-    </mc:Fallback>
-  </mc:AlternateContent>
-</p:sld>
-</file>
-
-<file path=ppt/slides/slide20.xml><?xml version="1.0" encoding="utf-8"?>
+<file path=ppt/slides/slide21.xml><?xml version="1.0" encoding="utf-8"?>
 <p:sld xmlns:a="http://schemas.openxmlformats.org/drawingml/2006/main" xmlns:r="http://schemas.openxmlformats.org/officeDocument/2006/relationships" xmlns:p="http://schemas.openxmlformats.org/presentationml/2006/main">
   <p:cSld>
     <p:spTree>
@@ -14566,7 +15169,7 @@
           <a:p>
             <a:fld id="{C7355B21-B324-434D-ABB6-684CB6180B39}" type="datetime1">
               <a:rPr lang="de-DE" smtClean="0"/>
-              <a:t>28.05.2023</a:t>
+              <a:t>29.05.2023</a:t>
             </a:fld>
             <a:endParaRPr lang="de-DE"/>
           </a:p>
@@ -14589,7 +15192,7 @@
           <a:p>
             <a:fld id="{61696EC4-B4CF-4701-AD06-A8439D6D8E12}" type="slidenum">
               <a:rPr lang="de-DE" smtClean="0"/>
-              <a:t>20</a:t>
+              <a:t>21</a:t>
             </a:fld>
             <a:endParaRPr lang="de-DE" dirty="0"/>
           </a:p>
@@ -15207,7 +15810,7 @@
 </p:sld>
 </file>
 
-<file path=ppt/slides/slide21.xml><?xml version="1.0" encoding="utf-8"?>
+<file path=ppt/slides/slide22.xml><?xml version="1.0" encoding="utf-8"?>
 <p:sld xmlns:a="http://schemas.openxmlformats.org/drawingml/2006/main" xmlns:r="http://schemas.openxmlformats.org/officeDocument/2006/relationships" xmlns:p="http://schemas.openxmlformats.org/presentationml/2006/main">
   <p:cSld>
     <p:spTree>
@@ -15763,7 +16366,7 @@
           <a:p>
             <a:fld id="{C7355B21-B324-434D-ABB6-684CB6180B39}" type="datetime1">
               <a:rPr lang="de-DE" smtClean="0"/>
-              <a:t>28.05.2023</a:t>
+              <a:t>29.05.2023</a:t>
             </a:fld>
             <a:endParaRPr lang="de-DE"/>
           </a:p>
@@ -15786,7 +16389,7 @@
           <a:p>
             <a:fld id="{61696EC4-B4CF-4701-AD06-A8439D6D8E12}" type="slidenum">
               <a:rPr lang="de-DE" smtClean="0"/>
-              <a:t>21</a:t>
+              <a:t>22</a:t>
             </a:fld>
             <a:endParaRPr lang="de-DE" dirty="0"/>
           </a:p>
@@ -15830,7 +16433,7 @@
           <p:nvPr/>
         </p:nvPicPr>
         <p:blipFill rotWithShape="1">
-          <a:blip r:embed="rId2">
+          <a:blip r:embed="rId3">
             <a:extLst>
               <a:ext uri="{28A0092B-C50C-407E-A947-70E740481C1C}">
                 <a14:useLocalDpi xmlns:a14="http://schemas.microsoft.com/office/drawing/2010/main" val="0"/>
@@ -15875,7 +16478,7 @@
           <p:nvPr/>
         </p:nvPicPr>
         <p:blipFill rotWithShape="1">
-          <a:blip r:embed="rId2">
+          <a:blip r:embed="rId3">
             <a:extLst>
               <a:ext uri="{28A0092B-C50C-407E-A947-70E740481C1C}">
                 <a14:useLocalDpi xmlns:a14="http://schemas.microsoft.com/office/drawing/2010/main" val="0"/>
@@ -15960,7 +16563,7 @@
               <p:nvPr/>
             </p:nvPicPr>
             <p:blipFill>
-              <a:blip r:embed="rId3">
+              <a:blip r:embed="rId4">
                 <a:extLst>
                   <a:ext uri="{28A0092B-C50C-407E-A947-70E740481C1C}">
                     <a14:useLocalDpi xmlns:a14="http://schemas.microsoft.com/office/drawing/2010/main" val="0"/>
@@ -16069,7 +16672,7 @@
               <p:nvPr/>
             </p:nvPicPr>
             <p:blipFill>
-              <a:blip r:embed="rId4">
+              <a:blip r:embed="rId5">
                 <a:extLst>
                   <a:ext uri="{28A0092B-C50C-407E-A947-70E740481C1C}">
                     <a14:useLocalDpi xmlns:a14="http://schemas.microsoft.com/office/drawing/2010/main" val="0"/>
@@ -16199,7 +16802,7 @@
               <p:nvPr/>
             </p:nvPicPr>
             <p:blipFill>
-              <a:blip r:embed="rId5">
+              <a:blip r:embed="rId6">
                 <a:extLst>
                   <a:ext uri="{28A0092B-C50C-407E-A947-70E740481C1C}">
                     <a14:useLocalDpi xmlns:a14="http://schemas.microsoft.com/office/drawing/2010/main" val="0"/>
@@ -16308,7 +16911,7 @@
               <p:nvPr/>
             </p:nvPicPr>
             <p:blipFill>
-              <a:blip r:embed="rId6">
+              <a:blip r:embed="rId7">
                 <a:extLst>
                   <a:ext uri="{28A0092B-C50C-407E-A947-70E740481C1C}">
                     <a14:useLocalDpi xmlns:a14="http://schemas.microsoft.com/office/drawing/2010/main" val="0"/>
@@ -16428,327 +17031,6 @@
     <p:extLst>
       <p:ext uri="{BB962C8B-B14F-4D97-AF65-F5344CB8AC3E}">
         <p14:creationId xmlns:p14="http://schemas.microsoft.com/office/powerpoint/2010/main" val="3709375208"/>
-      </p:ext>
-    </p:extLst>
-  </p:cSld>
-  <p:clrMapOvr>
-    <a:masterClrMapping/>
-  </p:clrMapOvr>
-  <mc:AlternateContent xmlns:mc="http://schemas.openxmlformats.org/markup-compatibility/2006" xmlns:p14="http://schemas.microsoft.com/office/powerpoint/2010/main">
-    <mc:Choice Requires="p14">
-      <p:transition spd="slow" p14:dur="2000" advTm="85783"/>
-    </mc:Choice>
-    <mc:Fallback xmlns="">
-      <p:transition spd="slow" advTm="85783"/>
-    </mc:Fallback>
-  </mc:AlternateContent>
-</p:sld>
-</file>
-
-<file path=ppt/slides/slide22.xml><?xml version="1.0" encoding="utf-8"?>
-<p:sld xmlns:a="http://schemas.openxmlformats.org/drawingml/2006/main" xmlns:r="http://schemas.openxmlformats.org/officeDocument/2006/relationships" xmlns:p="http://schemas.openxmlformats.org/presentationml/2006/main">
-  <p:cSld>
-    <p:spTree>
-      <p:nvGrpSpPr>
-        <p:cNvPr id="1" name=""/>
-        <p:cNvGrpSpPr/>
-        <p:nvPr/>
-      </p:nvGrpSpPr>
-      <p:grpSpPr>
-        <a:xfrm>
-          <a:off x="0" y="0"/>
-          <a:ext cx="0" cy="0"/>
-          <a:chOff x="0" y="0"/>
-          <a:chExt cx="0" cy="0"/>
-        </a:xfrm>
-      </p:grpSpPr>
-      <mc:AlternateContent xmlns:mc="http://schemas.openxmlformats.org/markup-compatibility/2006" xmlns:a14="http://schemas.microsoft.com/office/drawing/2010/main">
-        <mc:Choice Requires="a14">
-          <p:sp>
-            <p:nvSpPr>
-              <p:cNvPr id="16" name="Inhaltsplatzhalter 6">
-                <a:extLst>
-                  <a:ext uri="{FF2B5EF4-FFF2-40B4-BE49-F238E27FC236}">
-                    <a16:creationId xmlns:a16="http://schemas.microsoft.com/office/drawing/2014/main" id="{7018B40B-38C2-A7CA-CDD2-A9D0A24C40E7}"/>
-                  </a:ext>
-                </a:extLst>
-              </p:cNvPr>
-              <p:cNvSpPr>
-                <a:spLocks noGrp="1"/>
-              </p:cNvSpPr>
-              <p:nvPr>
-                <p:ph idx="1"/>
-              </p:nvPr>
-            </p:nvSpPr>
-            <p:spPr>
-              <a:xfrm>
-                <a:off x="299563" y="1143550"/>
-                <a:ext cx="8012587" cy="3409400"/>
-              </a:xfrm>
-            </p:spPr>
-            <p:txBody>
-              <a:bodyPr>
-                <a:normAutofit/>
-              </a:bodyPr>
-              <a:lstStyle/>
-              <a:p>
-                <a:pPr lvl="1"/>
-                <a:r>
-                  <a:rPr lang="de-DE" b="1">
-                    <a:solidFill>
-                      <a:schemeClr val="tx1"/>
-                    </a:solidFill>
-                  </a:rPr>
-                  <a:t>Online values for </a:t>
-                </a:r>
-                <a14:m>
-                  <m:oMath xmlns:m="http://schemas.openxmlformats.org/officeDocument/2006/math">
-                    <m:sSub>
-                      <m:sSubPr>
-                        <m:ctrlPr>
-                          <a:rPr lang="de-DE" i="1" smtClean="0">
-                            <a:latin typeface="Cambria Math" panose="02040503050406030204" pitchFamily="18" charset="0"/>
-                          </a:rPr>
-                        </m:ctrlPr>
-                      </m:sSubPr>
-                      <m:e>
-                        <m:r>
-                          <a:rPr lang="de-DE" b="0" i="1" smtClean="0">
-                            <a:latin typeface="Cambria Math" panose="02040503050406030204" pitchFamily="18" charset="0"/>
-                          </a:rPr>
-                          <m:t>𝑄</m:t>
-                        </m:r>
-                      </m:e>
-                      <m:sub>
-                        <m:r>
-                          <m:rPr>
-                            <m:sty m:val="p"/>
-                          </m:rPr>
-                          <a:rPr lang="de-DE" b="0" i="0" smtClean="0">
-                            <a:latin typeface="Cambria Math" panose="02040503050406030204" pitchFamily="18" charset="0"/>
-                          </a:rPr>
-                          <m:t>Peak</m:t>
-                        </m:r>
-                      </m:sub>
-                    </m:sSub>
-                  </m:oMath>
-                </a14:m>
-                <a:r>
-                  <a:rPr lang="de-DE" b="1"/>
-                  <a:t> and </a:t>
-                </a:r>
-                <a14:m>
-                  <m:oMath xmlns:m="http://schemas.openxmlformats.org/officeDocument/2006/math">
-                    <m:sSub>
-                      <m:sSubPr>
-                        <m:ctrlPr>
-                          <a:rPr lang="de-DE" i="1">
-                            <a:latin typeface="Cambria Math" panose="02040503050406030204" pitchFamily="18" charset="0"/>
-                          </a:rPr>
-                        </m:ctrlPr>
-                      </m:sSubPr>
-                      <m:e>
-                        <m:r>
-                          <a:rPr lang="de-DE" i="1">
-                            <a:latin typeface="Cambria Math" panose="02040503050406030204" pitchFamily="18" charset="0"/>
-                          </a:rPr>
-                          <m:t>𝑄</m:t>
-                        </m:r>
-                      </m:e>
-                      <m:sub>
-                        <m:r>
-                          <m:rPr>
-                            <m:sty m:val="p"/>
-                          </m:rPr>
-                          <a:rPr lang="de-DE" b="0" i="0" smtClean="0">
-                            <a:latin typeface="Cambria Math" panose="02040503050406030204" pitchFamily="18" charset="0"/>
-                          </a:rPr>
-                          <m:t>Area</m:t>
-                        </m:r>
-                      </m:sub>
-                    </m:sSub>
-                  </m:oMath>
-                </a14:m>
-                <a:r>
-                  <a:rPr lang="de-DE" b="1"/>
-                  <a:t> available @ 5 min. resolution</a:t>
-                </a:r>
-              </a:p>
-              <a:p>
-                <a:pPr lvl="2"/>
-                <a:endParaRPr lang="de-DE" b="1"/>
-              </a:p>
-            </p:txBody>
-          </p:sp>
-        </mc:Choice>
-        <mc:Fallback xmlns="">
-          <p:sp>
-            <p:nvSpPr>
-              <p:cNvPr id="16" name="Inhaltsplatzhalter 6">
-                <a:extLst>
-                  <a:ext uri="{FF2B5EF4-FFF2-40B4-BE49-F238E27FC236}">
-                    <a16:creationId xmlns:a16="http://schemas.microsoft.com/office/drawing/2014/main" id="{7018B40B-38C2-A7CA-CDD2-A9D0A24C40E7}"/>
-                  </a:ext>
-                </a:extLst>
-              </p:cNvPr>
-              <p:cNvSpPr>
-                <a:spLocks noGrp="1" noRot="1" noChangeAspect="1" noMove="1" noResize="1" noEditPoints="1" noAdjustHandles="1" noChangeArrowheads="1" noChangeShapeType="1" noTextEdit="1"/>
-              </p:cNvSpPr>
-              <p:nvPr>
-                <p:ph idx="1"/>
-              </p:nvPr>
-            </p:nvSpPr>
-            <p:spPr>
-              <a:xfrm>
-                <a:off x="299563" y="1143550"/>
-                <a:ext cx="8012587" cy="3409400"/>
-              </a:xfrm>
-              <a:blipFill>
-                <a:blip r:embed="rId2"/>
-                <a:stretch>
-                  <a:fillRect t="-3041"/>
-                </a:stretch>
-              </a:blipFill>
-            </p:spPr>
-            <p:txBody>
-              <a:bodyPr/>
-              <a:lstStyle/>
-              <a:p>
-                <a:r>
-                  <a:rPr lang="en-US">
-                    <a:noFill/>
-                  </a:rPr>
-                  <a:t> </a:t>
-                </a:r>
-              </a:p>
-            </p:txBody>
-          </p:sp>
-        </mc:Fallback>
-      </mc:AlternateContent>
-      <p:sp>
-        <p:nvSpPr>
-          <p:cNvPr id="2" name="Datumsplatzhalter 1"/>
-          <p:cNvSpPr>
-            <a:spLocks noGrp="1"/>
-          </p:cNvSpPr>
-          <p:nvPr>
-            <p:ph type="dt" sz="half" idx="10"/>
-          </p:nvPr>
-        </p:nvSpPr>
-        <p:spPr/>
-        <p:txBody>
-          <a:bodyPr/>
-          <a:lstStyle/>
-          <a:p>
-            <a:fld id="{C7355B21-B324-434D-ABB6-684CB6180B39}" type="datetime1">
-              <a:rPr lang="de-DE" smtClean="0"/>
-              <a:t>28.05.2023</a:t>
-            </a:fld>
-            <a:endParaRPr lang="de-DE"/>
-          </a:p>
-        </p:txBody>
-      </p:sp>
-      <p:sp>
-        <p:nvSpPr>
-          <p:cNvPr id="3" name="Foliennummernplatzhalter 2"/>
-          <p:cNvSpPr>
-            <a:spLocks noGrp="1"/>
-          </p:cNvSpPr>
-          <p:nvPr>
-            <p:ph type="sldNum" sz="quarter" idx="12"/>
-          </p:nvPr>
-        </p:nvSpPr>
-        <p:spPr/>
-        <p:txBody>
-          <a:bodyPr/>
-          <a:lstStyle/>
-          <a:p>
-            <a:fld id="{61696EC4-B4CF-4701-AD06-A8439D6D8E12}" type="slidenum">
-              <a:rPr lang="de-DE" smtClean="0"/>
-              <a:t>22</a:t>
-            </a:fld>
-            <a:endParaRPr lang="de-DE" dirty="0"/>
-          </a:p>
-        </p:txBody>
-      </p:sp>
-      <p:sp>
-        <p:nvSpPr>
-          <p:cNvPr id="6" name="Titel 5"/>
-          <p:cNvSpPr>
-            <a:spLocks noGrp="1"/>
-          </p:cNvSpPr>
-          <p:nvPr>
-            <p:ph type="title"/>
-          </p:nvPr>
-        </p:nvSpPr>
-        <p:spPr/>
-        <p:txBody>
-          <a:bodyPr/>
-          <a:lstStyle/>
-          <a:p>
-            <a:r>
-              <a:rPr lang="de-DE" b="1"/>
-              <a:t>Extracting monitoring data from random traces</a:t>
-            </a:r>
-          </a:p>
-        </p:txBody>
-      </p:sp>
-      <p:pic>
-        <p:nvPicPr>
-          <p:cNvPr id="8" name="Grafik 7">
-            <a:extLst>
-              <a:ext uri="{FF2B5EF4-FFF2-40B4-BE49-F238E27FC236}">
-                <a16:creationId xmlns:a16="http://schemas.microsoft.com/office/drawing/2014/main" id="{1D85ADF8-FFDD-D97C-D34C-58773F03C758}"/>
-              </a:ext>
-            </a:extLst>
-          </p:cNvPr>
-          <p:cNvPicPr>
-            <a:picLocks noChangeAspect="1"/>
-          </p:cNvPicPr>
-          <p:nvPr/>
-        </p:nvPicPr>
-        <p:blipFill>
-          <a:blip r:embed="rId3">
-            <a:extLst>
-              <a:ext uri="{28A0092B-C50C-407E-A947-70E740481C1C}">
-                <a14:useLocalDpi xmlns:a14="http://schemas.microsoft.com/office/drawing/2010/main" val="0"/>
-              </a:ext>
-            </a:extLst>
-          </a:blip>
-          <a:stretch>
-            <a:fillRect/>
-          </a:stretch>
-        </p:blipFill>
-        <p:spPr>
-          <a:xfrm>
-            <a:off x="379184" y="1612900"/>
-            <a:ext cx="5412170" cy="2800350"/>
-          </a:xfrm>
-          <a:prstGeom prst="round2DiagRect">
-            <a:avLst>
-              <a:gd name="adj1" fmla="val 0"/>
-              <a:gd name="adj2" fmla="val 0"/>
-            </a:avLst>
-          </a:prstGeom>
-          <a:ln w="88900" cap="sq">
-            <a:solidFill>
-              <a:srgbClr val="FFFFFF"/>
-            </a:solidFill>
-            <a:miter lim="800000"/>
-          </a:ln>
-          <a:effectLst>
-            <a:outerShdw blurRad="254000" algn="tl" rotWithShape="0">
-              <a:srgbClr val="000000">
-                <a:alpha val="43000"/>
-              </a:srgbClr>
-            </a:outerShdw>
-          </a:effectLst>
-        </p:spPr>
-      </p:pic>
-    </p:spTree>
-    <p:extLst>
-      <p:ext uri="{BB962C8B-B14F-4D97-AF65-F5344CB8AC3E}">
-        <p14:creationId xmlns:p14="http://schemas.microsoft.com/office/powerpoint/2010/main" val="1256809806"/>
       </p:ext>
     </p:extLst>
   </p:cSld>
@@ -16963,7 +17245,7 @@
           <a:p>
             <a:fld id="{C7355B21-B324-434D-ABB6-684CB6180B39}" type="datetime1">
               <a:rPr lang="de-DE" smtClean="0"/>
-              <a:t>28.05.2023</a:t>
+              <a:t>29.05.2023</a:t>
             </a:fld>
             <a:endParaRPr lang="de-DE"/>
           </a:p>
@@ -17066,61 +17348,10 @@
           </a:effectLst>
         </p:spPr>
       </p:pic>
-      <p:pic>
-        <p:nvPicPr>
-          <p:cNvPr id="10" name="Grafik 9">
-            <a:extLst>
-              <a:ext uri="{FF2B5EF4-FFF2-40B4-BE49-F238E27FC236}">
-                <a16:creationId xmlns:a16="http://schemas.microsoft.com/office/drawing/2014/main" id="{885E375C-4C9C-0519-5184-D5F24E3CA824}"/>
-              </a:ext>
-            </a:extLst>
-          </p:cNvPr>
-          <p:cNvPicPr>
-            <a:picLocks noChangeAspect="1"/>
-          </p:cNvPicPr>
-          <p:nvPr/>
-        </p:nvPicPr>
-        <p:blipFill rotWithShape="1">
-          <a:blip r:embed="rId4">
-            <a:extLst>
-              <a:ext uri="{28A0092B-C50C-407E-A947-70E740481C1C}">
-                <a14:useLocalDpi xmlns:a14="http://schemas.microsoft.com/office/drawing/2010/main" val="0"/>
-              </a:ext>
-            </a:extLst>
-          </a:blip>
-          <a:srcRect b="984"/>
-          <a:stretch/>
-        </p:blipFill>
-        <p:spPr>
-          <a:xfrm>
-            <a:off x="516968" y="1704487"/>
-            <a:ext cx="5559628" cy="2800350"/>
-          </a:xfrm>
-          <a:prstGeom prst="round2DiagRect">
-            <a:avLst>
-              <a:gd name="adj1" fmla="val 0"/>
-              <a:gd name="adj2" fmla="val 0"/>
-            </a:avLst>
-          </a:prstGeom>
-          <a:ln w="88900" cap="sq">
-            <a:solidFill>
-              <a:srgbClr val="FFFFFF"/>
-            </a:solidFill>
-            <a:miter lim="800000"/>
-          </a:ln>
-          <a:effectLst>
-            <a:outerShdw blurRad="254000" algn="tl" rotWithShape="0">
-              <a:srgbClr val="000000">
-                <a:alpha val="43000"/>
-              </a:srgbClr>
-            </a:outerShdw>
-          </a:effectLst>
-        </p:spPr>
-      </p:pic>
     </p:spTree>
     <p:extLst>
       <p:ext uri="{BB962C8B-B14F-4D97-AF65-F5344CB8AC3E}">
-        <p14:creationId xmlns:p14="http://schemas.microsoft.com/office/powerpoint/2010/main" val="1292900246"/>
+        <p14:creationId xmlns:p14="http://schemas.microsoft.com/office/powerpoint/2010/main" val="1256809806"/>
       </p:ext>
     </p:extLst>
   </p:cSld>
@@ -17335,7 +17566,7 @@
           <a:p>
             <a:fld id="{C7355B21-B324-434D-ABB6-684CB6180B39}" type="datetime1">
               <a:rPr lang="de-DE" smtClean="0"/>
-              <a:t>28.05.2023</a:t>
+              <a:t>29.05.2023</a:t>
             </a:fld>
             <a:endParaRPr lang="de-DE"/>
           </a:p>
@@ -17359,6 +17590,378 @@
             <a:fld id="{61696EC4-B4CF-4701-AD06-A8439D6D8E12}" type="slidenum">
               <a:rPr lang="de-DE" smtClean="0"/>
               <a:t>24</a:t>
+            </a:fld>
+            <a:endParaRPr lang="de-DE" dirty="0"/>
+          </a:p>
+        </p:txBody>
+      </p:sp>
+      <p:sp>
+        <p:nvSpPr>
+          <p:cNvPr id="6" name="Titel 5"/>
+          <p:cNvSpPr>
+            <a:spLocks noGrp="1"/>
+          </p:cNvSpPr>
+          <p:nvPr>
+            <p:ph type="title"/>
+          </p:nvPr>
+        </p:nvSpPr>
+        <p:spPr/>
+        <p:txBody>
+          <a:bodyPr/>
+          <a:lstStyle/>
+          <a:p>
+            <a:r>
+              <a:rPr lang="de-DE" b="1"/>
+              <a:t>Extracting monitoring data from random traces</a:t>
+            </a:r>
+          </a:p>
+        </p:txBody>
+      </p:sp>
+      <p:pic>
+        <p:nvPicPr>
+          <p:cNvPr id="8" name="Grafik 7">
+            <a:extLst>
+              <a:ext uri="{FF2B5EF4-FFF2-40B4-BE49-F238E27FC236}">
+                <a16:creationId xmlns:a16="http://schemas.microsoft.com/office/drawing/2014/main" id="{1D85ADF8-FFDD-D97C-D34C-58773F03C758}"/>
+              </a:ext>
+            </a:extLst>
+          </p:cNvPr>
+          <p:cNvPicPr>
+            <a:picLocks noChangeAspect="1"/>
+          </p:cNvPicPr>
+          <p:nvPr/>
+        </p:nvPicPr>
+        <p:blipFill>
+          <a:blip r:embed="rId3">
+            <a:extLst>
+              <a:ext uri="{28A0092B-C50C-407E-A947-70E740481C1C}">
+                <a14:useLocalDpi xmlns:a14="http://schemas.microsoft.com/office/drawing/2010/main" val="0"/>
+              </a:ext>
+            </a:extLst>
+          </a:blip>
+          <a:stretch>
+            <a:fillRect/>
+          </a:stretch>
+        </p:blipFill>
+        <p:spPr>
+          <a:xfrm>
+            <a:off x="379184" y="1612900"/>
+            <a:ext cx="5412170" cy="2800350"/>
+          </a:xfrm>
+          <a:prstGeom prst="round2DiagRect">
+            <a:avLst>
+              <a:gd name="adj1" fmla="val 0"/>
+              <a:gd name="adj2" fmla="val 0"/>
+            </a:avLst>
+          </a:prstGeom>
+          <a:ln w="88900" cap="sq">
+            <a:solidFill>
+              <a:srgbClr val="FFFFFF"/>
+            </a:solidFill>
+            <a:miter lim="800000"/>
+          </a:ln>
+          <a:effectLst>
+            <a:outerShdw blurRad="254000" algn="tl" rotWithShape="0">
+              <a:srgbClr val="000000">
+                <a:alpha val="43000"/>
+              </a:srgbClr>
+            </a:outerShdw>
+          </a:effectLst>
+        </p:spPr>
+      </p:pic>
+      <p:pic>
+        <p:nvPicPr>
+          <p:cNvPr id="10" name="Grafik 9">
+            <a:extLst>
+              <a:ext uri="{FF2B5EF4-FFF2-40B4-BE49-F238E27FC236}">
+                <a16:creationId xmlns:a16="http://schemas.microsoft.com/office/drawing/2014/main" id="{885E375C-4C9C-0519-5184-D5F24E3CA824}"/>
+              </a:ext>
+            </a:extLst>
+          </p:cNvPr>
+          <p:cNvPicPr>
+            <a:picLocks noChangeAspect="1"/>
+          </p:cNvPicPr>
+          <p:nvPr/>
+        </p:nvPicPr>
+        <p:blipFill rotWithShape="1">
+          <a:blip r:embed="rId4">
+            <a:extLst>
+              <a:ext uri="{28A0092B-C50C-407E-A947-70E740481C1C}">
+                <a14:useLocalDpi xmlns:a14="http://schemas.microsoft.com/office/drawing/2010/main" val="0"/>
+              </a:ext>
+            </a:extLst>
+          </a:blip>
+          <a:srcRect b="984"/>
+          <a:stretch/>
+        </p:blipFill>
+        <p:spPr>
+          <a:xfrm>
+            <a:off x="516968" y="1704487"/>
+            <a:ext cx="5559628" cy="2800350"/>
+          </a:xfrm>
+          <a:prstGeom prst="round2DiagRect">
+            <a:avLst>
+              <a:gd name="adj1" fmla="val 0"/>
+              <a:gd name="adj2" fmla="val 0"/>
+            </a:avLst>
+          </a:prstGeom>
+          <a:ln w="88900" cap="sq">
+            <a:solidFill>
+              <a:srgbClr val="FFFFFF"/>
+            </a:solidFill>
+            <a:miter lim="800000"/>
+          </a:ln>
+          <a:effectLst>
+            <a:outerShdw blurRad="254000" algn="tl" rotWithShape="0">
+              <a:srgbClr val="000000">
+                <a:alpha val="43000"/>
+              </a:srgbClr>
+            </a:outerShdw>
+          </a:effectLst>
+        </p:spPr>
+      </p:pic>
+    </p:spTree>
+    <p:extLst>
+      <p:ext uri="{BB962C8B-B14F-4D97-AF65-F5344CB8AC3E}">
+        <p14:creationId xmlns:p14="http://schemas.microsoft.com/office/powerpoint/2010/main" val="1292900246"/>
+      </p:ext>
+    </p:extLst>
+  </p:cSld>
+  <p:clrMapOvr>
+    <a:masterClrMapping/>
+  </p:clrMapOvr>
+  <mc:AlternateContent xmlns:mc="http://schemas.openxmlformats.org/markup-compatibility/2006" xmlns:p14="http://schemas.microsoft.com/office/powerpoint/2010/main">
+    <mc:Choice Requires="p14">
+      <p:transition spd="slow" p14:dur="2000" advTm="85783"/>
+    </mc:Choice>
+    <mc:Fallback xmlns="">
+      <p:transition spd="slow" advTm="85783"/>
+    </mc:Fallback>
+  </mc:AlternateContent>
+</p:sld>
+</file>
+
+<file path=ppt/slides/slide25.xml><?xml version="1.0" encoding="utf-8"?>
+<p:sld xmlns:a="http://schemas.openxmlformats.org/drawingml/2006/main" xmlns:r="http://schemas.openxmlformats.org/officeDocument/2006/relationships" xmlns:p="http://schemas.openxmlformats.org/presentationml/2006/main">
+  <p:cSld>
+    <p:spTree>
+      <p:nvGrpSpPr>
+        <p:cNvPr id="1" name=""/>
+        <p:cNvGrpSpPr/>
+        <p:nvPr/>
+      </p:nvGrpSpPr>
+      <p:grpSpPr>
+        <a:xfrm>
+          <a:off x="0" y="0"/>
+          <a:ext cx="0" cy="0"/>
+          <a:chOff x="0" y="0"/>
+          <a:chExt cx="0" cy="0"/>
+        </a:xfrm>
+      </p:grpSpPr>
+      <mc:AlternateContent xmlns:mc="http://schemas.openxmlformats.org/markup-compatibility/2006" xmlns:a14="http://schemas.microsoft.com/office/drawing/2010/main">
+        <mc:Choice Requires="a14">
+          <p:sp>
+            <p:nvSpPr>
+              <p:cNvPr id="16" name="Inhaltsplatzhalter 6">
+                <a:extLst>
+                  <a:ext uri="{FF2B5EF4-FFF2-40B4-BE49-F238E27FC236}">
+                    <a16:creationId xmlns:a16="http://schemas.microsoft.com/office/drawing/2014/main" id="{7018B40B-38C2-A7CA-CDD2-A9D0A24C40E7}"/>
+                  </a:ext>
+                </a:extLst>
+              </p:cNvPr>
+              <p:cNvSpPr>
+                <a:spLocks noGrp="1"/>
+              </p:cNvSpPr>
+              <p:nvPr>
+                <p:ph idx="1"/>
+              </p:nvPr>
+            </p:nvSpPr>
+            <p:spPr>
+              <a:xfrm>
+                <a:off x="299563" y="1143550"/>
+                <a:ext cx="8012587" cy="3409400"/>
+              </a:xfrm>
+            </p:spPr>
+            <p:txBody>
+              <a:bodyPr>
+                <a:normAutofit/>
+              </a:bodyPr>
+              <a:lstStyle/>
+              <a:p>
+                <a:pPr lvl="1"/>
+                <a:r>
+                  <a:rPr lang="de-DE" b="1">
+                    <a:solidFill>
+                      <a:schemeClr val="tx1"/>
+                    </a:solidFill>
+                  </a:rPr>
+                  <a:t>Online values for </a:t>
+                </a:r>
+                <a14:m>
+                  <m:oMath xmlns:m="http://schemas.openxmlformats.org/officeDocument/2006/math">
+                    <m:sSub>
+                      <m:sSubPr>
+                        <m:ctrlPr>
+                          <a:rPr lang="de-DE" i="1" smtClean="0">
+                            <a:latin typeface="Cambria Math" panose="02040503050406030204" pitchFamily="18" charset="0"/>
+                          </a:rPr>
+                        </m:ctrlPr>
+                      </m:sSubPr>
+                      <m:e>
+                        <m:r>
+                          <a:rPr lang="de-DE" b="0" i="1" smtClean="0">
+                            <a:latin typeface="Cambria Math" panose="02040503050406030204" pitchFamily="18" charset="0"/>
+                          </a:rPr>
+                          <m:t>𝑄</m:t>
+                        </m:r>
+                      </m:e>
+                      <m:sub>
+                        <m:r>
+                          <m:rPr>
+                            <m:sty m:val="p"/>
+                          </m:rPr>
+                          <a:rPr lang="de-DE" b="0" i="0" smtClean="0">
+                            <a:latin typeface="Cambria Math" panose="02040503050406030204" pitchFamily="18" charset="0"/>
+                          </a:rPr>
+                          <m:t>Peak</m:t>
+                        </m:r>
+                      </m:sub>
+                    </m:sSub>
+                  </m:oMath>
+                </a14:m>
+                <a:r>
+                  <a:rPr lang="de-DE" b="1"/>
+                  <a:t> and </a:t>
+                </a:r>
+                <a14:m>
+                  <m:oMath xmlns:m="http://schemas.openxmlformats.org/officeDocument/2006/math">
+                    <m:sSub>
+                      <m:sSubPr>
+                        <m:ctrlPr>
+                          <a:rPr lang="de-DE" i="1">
+                            <a:latin typeface="Cambria Math" panose="02040503050406030204" pitchFamily="18" charset="0"/>
+                          </a:rPr>
+                        </m:ctrlPr>
+                      </m:sSubPr>
+                      <m:e>
+                        <m:r>
+                          <a:rPr lang="de-DE" i="1">
+                            <a:latin typeface="Cambria Math" panose="02040503050406030204" pitchFamily="18" charset="0"/>
+                          </a:rPr>
+                          <m:t>𝑄</m:t>
+                        </m:r>
+                      </m:e>
+                      <m:sub>
+                        <m:r>
+                          <m:rPr>
+                            <m:sty m:val="p"/>
+                          </m:rPr>
+                          <a:rPr lang="de-DE" b="0" i="0" smtClean="0">
+                            <a:latin typeface="Cambria Math" panose="02040503050406030204" pitchFamily="18" charset="0"/>
+                          </a:rPr>
+                          <m:t>Area</m:t>
+                        </m:r>
+                      </m:sub>
+                    </m:sSub>
+                  </m:oMath>
+                </a14:m>
+                <a:r>
+                  <a:rPr lang="de-DE" b="1"/>
+                  <a:t> available @ 5 min. resolution</a:t>
+                </a:r>
+              </a:p>
+              <a:p>
+                <a:pPr lvl="2"/>
+                <a:endParaRPr lang="de-DE" b="1"/>
+              </a:p>
+            </p:txBody>
+          </p:sp>
+        </mc:Choice>
+        <mc:Fallback xmlns="">
+          <p:sp>
+            <p:nvSpPr>
+              <p:cNvPr id="16" name="Inhaltsplatzhalter 6">
+                <a:extLst>
+                  <a:ext uri="{FF2B5EF4-FFF2-40B4-BE49-F238E27FC236}">
+                    <a16:creationId xmlns:a16="http://schemas.microsoft.com/office/drawing/2014/main" id="{7018B40B-38C2-A7CA-CDD2-A9D0A24C40E7}"/>
+                  </a:ext>
+                </a:extLst>
+              </p:cNvPr>
+              <p:cNvSpPr>
+                <a:spLocks noGrp="1" noRot="1" noChangeAspect="1" noMove="1" noResize="1" noEditPoints="1" noAdjustHandles="1" noChangeArrowheads="1" noChangeShapeType="1" noTextEdit="1"/>
+              </p:cNvSpPr>
+              <p:nvPr>
+                <p:ph idx="1"/>
+              </p:nvPr>
+            </p:nvSpPr>
+            <p:spPr>
+              <a:xfrm>
+                <a:off x="299563" y="1143550"/>
+                <a:ext cx="8012587" cy="3409400"/>
+              </a:xfrm>
+              <a:blipFill>
+                <a:blip r:embed="rId2"/>
+                <a:stretch>
+                  <a:fillRect t="-3041"/>
+                </a:stretch>
+              </a:blipFill>
+            </p:spPr>
+            <p:txBody>
+              <a:bodyPr/>
+              <a:lstStyle/>
+              <a:p>
+                <a:r>
+                  <a:rPr lang="en-US">
+                    <a:noFill/>
+                  </a:rPr>
+                  <a:t> </a:t>
+                </a:r>
+              </a:p>
+            </p:txBody>
+          </p:sp>
+        </mc:Fallback>
+      </mc:AlternateContent>
+      <p:sp>
+        <p:nvSpPr>
+          <p:cNvPr id="2" name="Datumsplatzhalter 1"/>
+          <p:cNvSpPr>
+            <a:spLocks noGrp="1"/>
+          </p:cNvSpPr>
+          <p:nvPr>
+            <p:ph type="dt" sz="half" idx="10"/>
+          </p:nvPr>
+        </p:nvSpPr>
+        <p:spPr/>
+        <p:txBody>
+          <a:bodyPr/>
+          <a:lstStyle/>
+          <a:p>
+            <a:fld id="{C7355B21-B324-434D-ABB6-684CB6180B39}" type="datetime1">
+              <a:rPr lang="de-DE" smtClean="0"/>
+              <a:t>29.05.2023</a:t>
+            </a:fld>
+            <a:endParaRPr lang="de-DE"/>
+          </a:p>
+        </p:txBody>
+      </p:sp>
+      <p:sp>
+        <p:nvSpPr>
+          <p:cNvPr id="3" name="Foliennummernplatzhalter 2"/>
+          <p:cNvSpPr>
+            <a:spLocks noGrp="1"/>
+          </p:cNvSpPr>
+          <p:nvPr>
+            <p:ph type="sldNum" sz="quarter" idx="12"/>
+          </p:nvPr>
+        </p:nvSpPr>
+        <p:spPr/>
+        <p:txBody>
+          <a:bodyPr/>
+          <a:lstStyle/>
+          <a:p>
+            <a:fld id="{61696EC4-B4CF-4701-AD06-A8439D6D8E12}" type="slidenum">
+              <a:rPr lang="de-DE" smtClean="0"/>
+              <a:t>25</a:t>
             </a:fld>
             <a:endParaRPr lang="de-DE" dirty="0"/>
           </a:p>
@@ -18092,7 +18695,7 @@
 </p:sld>
 </file>
 
-<file path=ppt/slides/slide25.xml><?xml version="1.0" encoding="utf-8"?>
+<file path=ppt/slides/slide26.xml><?xml version="1.0" encoding="utf-8"?>
 <p:sld xmlns:a="http://schemas.openxmlformats.org/drawingml/2006/main" xmlns:r="http://schemas.openxmlformats.org/officeDocument/2006/relationships" xmlns:p="http://schemas.openxmlformats.org/presentationml/2006/main">
   <p:cSld>
     <p:spTree>
@@ -18658,7 +19261,7 @@
           <a:p>
             <a:fld id="{C7355B21-B324-434D-ABB6-684CB6180B39}" type="datetime1">
               <a:rPr lang="de-DE" smtClean="0"/>
-              <a:t>28.05.2023</a:t>
+              <a:t>29.05.2023</a:t>
             </a:fld>
             <a:endParaRPr lang="de-DE"/>
           </a:p>
@@ -18681,7 +19284,7 @@
           <a:p>
             <a:fld id="{61696EC4-B4CF-4701-AD06-A8439D6D8E12}" type="slidenum">
               <a:rPr lang="de-DE" smtClean="0"/>
-              <a:t>25</a:t>
+              <a:t>26</a:t>
             </a:fld>
             <a:endParaRPr lang="de-DE" dirty="0"/>
           </a:p>
@@ -18843,7 +19446,7 @@
 </p:sld>
 </file>
 
-<file path=ppt/slides/slide26.xml><?xml version="1.0" encoding="utf-8"?>
+<file path=ppt/slides/slide27.xml><?xml version="1.0" encoding="utf-8"?>
 <p:sld xmlns:a="http://schemas.openxmlformats.org/drawingml/2006/main" xmlns:r="http://schemas.openxmlformats.org/officeDocument/2006/relationships" xmlns:p="http://schemas.openxmlformats.org/presentationml/2006/main">
   <p:cSld>
     <p:spTree>
@@ -19414,7 +20017,7 @@
           <a:p>
             <a:fld id="{C7355B21-B324-434D-ABB6-684CB6180B39}" type="datetime1">
               <a:rPr lang="de-DE" smtClean="0"/>
-              <a:t>28.05.2023</a:t>
+              <a:t>29.05.2023</a:t>
             </a:fld>
             <a:endParaRPr lang="de-DE"/>
           </a:p>
@@ -19437,7 +20040,7 @@
           <a:p>
             <a:fld id="{61696EC4-B4CF-4701-AD06-A8439D6D8E12}" type="slidenum">
               <a:rPr lang="de-DE" smtClean="0"/>
-              <a:t>26</a:t>
+              <a:t>27</a:t>
             </a:fld>
             <a:endParaRPr lang="de-DE" dirty="0"/>
           </a:p>
@@ -19650,7 +20253,7 @@
 </p:sld>
 </file>
 
-<file path=ppt/slides/slide27.xml><?xml version="1.0" encoding="utf-8"?>
+<file path=ppt/slides/slide28.xml><?xml version="1.0" encoding="utf-8"?>
 <p:sld xmlns:a="http://schemas.openxmlformats.org/drawingml/2006/main" xmlns:r="http://schemas.openxmlformats.org/officeDocument/2006/relationships" xmlns:p="http://schemas.openxmlformats.org/presentationml/2006/main">
   <p:cSld>
     <p:spTree>
@@ -20227,7 +20830,7 @@
           <a:p>
             <a:fld id="{C7355B21-B324-434D-ABB6-684CB6180B39}" type="datetime1">
               <a:rPr lang="de-DE" smtClean="0"/>
-              <a:t>28.05.2023</a:t>
+              <a:t>29.05.2023</a:t>
             </a:fld>
             <a:endParaRPr lang="de-DE"/>
           </a:p>
@@ -20250,7 +20853,7 @@
           <a:p>
             <a:fld id="{61696EC4-B4CF-4701-AD06-A8439D6D8E12}" type="slidenum">
               <a:rPr lang="de-DE" smtClean="0"/>
-              <a:t>27</a:t>
+              <a:t>28</a:t>
             </a:fld>
             <a:endParaRPr lang="de-DE" dirty="0"/>
           </a:p>
@@ -20371,7 +20974,7 @@
           <p:nvPr/>
         </p:nvPicPr>
         <p:blipFill rotWithShape="1">
-          <a:blip r:embed="rId2">
+          <a:blip r:embed="rId3">
             <a:extLst>
               <a:ext uri="{28A0092B-C50C-407E-A947-70E740481C1C}">
                 <a14:useLocalDpi xmlns:a14="http://schemas.microsoft.com/office/drawing/2010/main" val="0"/>
@@ -20406,7 +21009,7 @@
           <p:nvPr/>
         </p:nvPicPr>
         <p:blipFill rotWithShape="1">
-          <a:blip r:embed="rId3">
+          <a:blip r:embed="rId4">
             <a:extLst>
               <a:ext uri="{28A0092B-C50C-407E-A947-70E740481C1C}">
                 <a14:useLocalDpi xmlns:a14="http://schemas.microsoft.com/office/drawing/2010/main" val="0"/>
@@ -20502,7 +21105,7 @@
 </p:sld>
 </file>
 
-<file path=ppt/slides/slide28.xml><?xml version="1.0" encoding="utf-8"?>
+<file path=ppt/slides/slide29.xml><?xml version="1.0" encoding="utf-8"?>
 <p:sld xmlns:a="http://schemas.openxmlformats.org/drawingml/2006/main" xmlns:r="http://schemas.openxmlformats.org/officeDocument/2006/relationships" xmlns:p="http://schemas.openxmlformats.org/presentationml/2006/main">
   <p:cSld>
     <p:spTree>
@@ -20676,7 +21279,7 @@
           <a:p>
             <a:fld id="{C7355B21-B324-434D-ABB6-684CB6180B39}" type="datetime1">
               <a:rPr lang="de-DE" smtClean="0"/>
-              <a:t>28.05.2023</a:t>
+              <a:t>29.05.2023</a:t>
             </a:fld>
             <a:endParaRPr lang="de-DE"/>
           </a:p>
@@ -20699,7 +21302,7 @@
           <a:p>
             <a:fld id="{61696EC4-B4CF-4701-AD06-A8439D6D8E12}" type="slidenum">
               <a:rPr lang="de-DE" smtClean="0"/>
-              <a:t>28</a:t>
+              <a:t>29</a:t>
             </a:fld>
             <a:endParaRPr lang="de-DE" dirty="0"/>
           </a:p>
@@ -21534,7 +22137,601 @@
 </p:sld>
 </file>
 
-<file path=ppt/slides/slide29.xml><?xml version="1.0" encoding="utf-8"?>
+<file path=ppt/slides/slide3.xml><?xml version="1.0" encoding="utf-8"?>
+<p:sld xmlns:a="http://schemas.openxmlformats.org/drawingml/2006/main" xmlns:r="http://schemas.openxmlformats.org/officeDocument/2006/relationships" xmlns:p="http://schemas.openxmlformats.org/presentationml/2006/main">
+  <p:cSld>
+    <p:spTree>
+      <p:nvGrpSpPr>
+        <p:cNvPr id="1" name=""/>
+        <p:cNvGrpSpPr/>
+        <p:nvPr/>
+      </p:nvGrpSpPr>
+      <p:grpSpPr>
+        <a:xfrm>
+          <a:off x="0" y="0"/>
+          <a:ext cx="0" cy="0"/>
+          <a:chOff x="0" y="0"/>
+          <a:chExt cx="0" cy="0"/>
+        </a:xfrm>
+      </p:grpSpPr>
+      <p:sp>
+        <p:nvSpPr>
+          <p:cNvPr id="2" name="Datumsplatzhalter 1"/>
+          <p:cNvSpPr>
+            <a:spLocks noGrp="1"/>
+          </p:cNvSpPr>
+          <p:nvPr>
+            <p:ph type="dt" sz="half" idx="10"/>
+          </p:nvPr>
+        </p:nvSpPr>
+        <p:spPr/>
+        <p:txBody>
+          <a:bodyPr/>
+          <a:lstStyle/>
+          <a:p>
+            <a:fld id="{C7355B21-B324-434D-ABB6-684CB6180B39}" type="datetime1">
+              <a:rPr lang="de-DE" smtClean="0"/>
+              <a:t>29.05.2023</a:t>
+            </a:fld>
+            <a:endParaRPr lang="de-DE"/>
+          </a:p>
+        </p:txBody>
+      </p:sp>
+      <p:sp>
+        <p:nvSpPr>
+          <p:cNvPr id="3" name="Foliennummernplatzhalter 2"/>
+          <p:cNvSpPr>
+            <a:spLocks noGrp="1"/>
+          </p:cNvSpPr>
+          <p:nvPr>
+            <p:ph type="sldNum" sz="quarter" idx="12"/>
+          </p:nvPr>
+        </p:nvSpPr>
+        <p:spPr/>
+        <p:txBody>
+          <a:bodyPr/>
+          <a:lstStyle/>
+          <a:p>
+            <a:fld id="{61696EC4-B4CF-4701-AD06-A8439D6D8E12}" type="slidenum">
+              <a:rPr lang="de-DE" smtClean="0"/>
+              <a:t>3</a:t>
+            </a:fld>
+            <a:endParaRPr lang="de-DE" dirty="0"/>
+          </a:p>
+        </p:txBody>
+      </p:sp>
+      <p:pic>
+        <p:nvPicPr>
+          <p:cNvPr id="9" name="Grafik 8" descr="Ein Bild, das Design, Tisch enthält.&#10;&#10;Automatisch generierte Beschreibung">
+            <a:extLst>
+              <a:ext uri="{FF2B5EF4-FFF2-40B4-BE49-F238E27FC236}">
+                <a16:creationId xmlns:a16="http://schemas.microsoft.com/office/drawing/2014/main" id="{2C4C1976-A141-79C9-B1DF-6D46D53A3919}"/>
+              </a:ext>
+            </a:extLst>
+          </p:cNvPr>
+          <p:cNvPicPr>
+            <a:picLocks noChangeAspect="1"/>
+          </p:cNvPicPr>
+          <p:nvPr/>
+        </p:nvPicPr>
+        <p:blipFill>
+          <a:blip r:embed="rId2">
+            <a:extLst>
+              <a:ext uri="{28A0092B-C50C-407E-A947-70E740481C1C}">
+                <a14:useLocalDpi xmlns:a14="http://schemas.microsoft.com/office/drawing/2010/main" val="0"/>
+              </a:ext>
+            </a:extLst>
+          </a:blip>
+          <a:stretch>
+            <a:fillRect/>
+          </a:stretch>
+        </p:blipFill>
+        <p:spPr>
+          <a:xfrm>
+            <a:off x="1841699" y="1469742"/>
+            <a:ext cx="1285987" cy="1166613"/>
+          </a:xfrm>
+          <a:prstGeom prst="rect">
+            <a:avLst/>
+          </a:prstGeom>
+        </p:spPr>
+      </p:pic>
+      <p:pic>
+        <p:nvPicPr>
+          <p:cNvPr id="12" name="Grafik 11" descr="Ein Bild, das Karte, Text enthält.&#10;&#10;Automatisch generierte Beschreibung">
+            <a:extLst>
+              <a:ext uri="{FF2B5EF4-FFF2-40B4-BE49-F238E27FC236}">
+                <a16:creationId xmlns:a16="http://schemas.microsoft.com/office/drawing/2014/main" id="{F639EFEA-4D81-792F-6A87-729E82A8B4BF}"/>
+              </a:ext>
+            </a:extLst>
+          </p:cNvPr>
+          <p:cNvPicPr>
+            <a:picLocks noChangeAspect="1"/>
+          </p:cNvPicPr>
+          <p:nvPr/>
+        </p:nvPicPr>
+        <p:blipFill>
+          <a:blip r:embed="rId3">
+            <a:extLst>
+              <a:ext uri="{28A0092B-C50C-407E-A947-70E740481C1C}">
+                <a14:useLocalDpi xmlns:a14="http://schemas.microsoft.com/office/drawing/2010/main" val="0"/>
+              </a:ext>
+            </a:extLst>
+          </a:blip>
+          <a:stretch>
+            <a:fillRect/>
+          </a:stretch>
+        </p:blipFill>
+        <p:spPr>
+          <a:xfrm>
+            <a:off x="379184" y="1179646"/>
+            <a:ext cx="3448774" cy="3198781"/>
+          </a:xfrm>
+          <a:prstGeom prst="rect">
+            <a:avLst/>
+          </a:prstGeom>
+        </p:spPr>
+      </p:pic>
+      <p:pic>
+        <p:nvPicPr>
+          <p:cNvPr id="14" name="Grafik 13" descr="Ein Bild, das medizinische Ausrüstung, Im Haus, Tisch, Design enthält.&#10;&#10;Automatisch generierte Beschreibung mit mittlerer Zuverlässigkeit">
+            <a:extLst>
+              <a:ext uri="{FF2B5EF4-FFF2-40B4-BE49-F238E27FC236}">
+                <a16:creationId xmlns:a16="http://schemas.microsoft.com/office/drawing/2014/main" id="{C06F90B2-2527-E748-3594-F8356D7C79D8}"/>
+              </a:ext>
+            </a:extLst>
+          </p:cNvPr>
+          <p:cNvPicPr>
+            <a:picLocks noChangeAspect="1"/>
+          </p:cNvPicPr>
+          <p:nvPr/>
+        </p:nvPicPr>
+        <p:blipFill>
+          <a:blip r:embed="rId4">
+            <a:extLst>
+              <a:ext uri="{28A0092B-C50C-407E-A947-70E740481C1C}">
+                <a14:useLocalDpi xmlns:a14="http://schemas.microsoft.com/office/drawing/2010/main" val="0"/>
+              </a:ext>
+            </a:extLst>
+          </a:blip>
+          <a:stretch>
+            <a:fillRect/>
+          </a:stretch>
+        </p:blipFill>
+        <p:spPr>
+          <a:xfrm>
+            <a:off x="2379533" y="2261569"/>
+            <a:ext cx="2653246" cy="2406954"/>
+          </a:xfrm>
+          <a:prstGeom prst="rect">
+            <a:avLst/>
+          </a:prstGeom>
+        </p:spPr>
+      </p:pic>
+      <mc:AlternateContent xmlns:mc="http://schemas.openxmlformats.org/markup-compatibility/2006" xmlns:a14="http://schemas.microsoft.com/office/drawing/2010/main">
+        <mc:Choice Requires="a14">
+          <p:sp>
+            <p:nvSpPr>
+              <p:cNvPr id="15" name="Inhaltsplatzhalter 6">
+                <a:extLst>
+                  <a:ext uri="{FF2B5EF4-FFF2-40B4-BE49-F238E27FC236}">
+                    <a16:creationId xmlns:a16="http://schemas.microsoft.com/office/drawing/2014/main" id="{C16A4008-D493-8B08-C6E0-AB5B55C1F2BC}"/>
+                  </a:ext>
+                </a:extLst>
+              </p:cNvPr>
+              <p:cNvSpPr>
+                <a:spLocks noGrp="1"/>
+              </p:cNvSpPr>
+              <p:nvPr>
+                <p:ph idx="1"/>
+              </p:nvPr>
+            </p:nvSpPr>
+            <p:spPr>
+              <a:xfrm>
+                <a:off x="4307538" y="1439444"/>
+                <a:ext cx="4356882" cy="3409400"/>
+              </a:xfrm>
+            </p:spPr>
+            <p:txBody>
+              <a:bodyPr>
+                <a:normAutofit/>
+              </a:bodyPr>
+              <a:lstStyle/>
+              <a:p>
+                <a:pPr lvl="1"/>
+                <a:r>
+                  <a:rPr lang="de-DE" b="1"/>
+                  <a:t>Around ~1600 stations</a:t>
+                </a:r>
+              </a:p>
+              <a:p>
+                <a:pPr marL="266771" lvl="1" indent="0">
+                  <a:buNone/>
+                </a:pPr>
+                <a:endParaRPr lang="de-DE" sz="200" b="1"/>
+              </a:p>
+              <a:p>
+                <a:pPr lvl="1"/>
+                <a:r>
+                  <a:rPr lang="de-DE" b="1"/>
+                  <a:t>Triangular </a:t>
+                </a:r>
+                <a14:m>
+                  <m:oMath xmlns:m="http://schemas.openxmlformats.org/officeDocument/2006/math">
+                    <m:r>
+                      <a:rPr lang="de-DE" b="0" i="1" smtClean="0">
+                        <a:latin typeface="Cambria Math" panose="02040503050406030204" pitchFamily="18" charset="0"/>
+                      </a:rPr>
+                      <m:t>1.5 </m:t>
+                    </m:r>
+                    <m:r>
+                      <m:rPr>
+                        <m:sty m:val="p"/>
+                      </m:rPr>
+                      <a:rPr lang="de-DE" b="0" i="0" smtClean="0">
+                        <a:latin typeface="Cambria Math" panose="02040503050406030204" pitchFamily="18" charset="0"/>
+                      </a:rPr>
+                      <m:t>km</m:t>
+                    </m:r>
+                  </m:oMath>
+                </a14:m>
+                <a:r>
+                  <a:rPr lang="de-DE"/>
+                  <a:t> </a:t>
+                </a:r>
+                <a:r>
+                  <a:rPr lang="de-DE" b="1"/>
+                  <a:t>grid spacing</a:t>
+                </a:r>
+              </a:p>
+              <a:p>
+                <a:pPr marL="266771" lvl="1" indent="0">
+                  <a:buNone/>
+                </a:pPr>
+                <a:endParaRPr lang="de-DE" sz="200" b="1"/>
+              </a:p>
+              <a:p>
+                <a:pPr lvl="1"/>
+                <a:r>
+                  <a:rPr lang="de-DE" b="1"/>
+                  <a:t>Ongoing upgrade from UB </a:t>
+                </a:r>
+                <a14:m>
+                  <m:oMath xmlns:m="http://schemas.openxmlformats.org/officeDocument/2006/math">
+                    <m:r>
+                      <a:rPr lang="de-DE" b="1" i="1" smtClean="0">
+                        <a:latin typeface="Cambria Math" panose="02040503050406030204" pitchFamily="18" charset="0"/>
+                      </a:rPr>
+                      <m:t>→</m:t>
+                    </m:r>
+                  </m:oMath>
+                </a14:m>
+                <a:r>
+                  <a:rPr lang="de-DE" b="1"/>
+                  <a:t> UUB</a:t>
+                </a:r>
+              </a:p>
+              <a:p>
+                <a:pPr marL="266771" lvl="1" indent="0">
+                  <a:buNone/>
+                </a:pPr>
+                <a:endParaRPr lang="de-DE" sz="100" b="1"/>
+              </a:p>
+              <a:p>
+                <a:pPr lvl="2"/>
+                <a:r>
+                  <a:rPr lang="de-DE" b="1"/>
+                  <a:t>3 Water-Cherenkov detectors (WCD)</a:t>
+                </a:r>
+              </a:p>
+              <a:p>
+                <a:pPr marL="538306" lvl="2" indent="0">
+                  <a:buNone/>
+                </a:pPr>
+                <a:endParaRPr lang="de-DE" sz="100" b="1"/>
+              </a:p>
+              <a:p>
+                <a:pPr lvl="2"/>
+                <a:r>
+                  <a:rPr lang="de-DE">
+                    <a:solidFill>
+                      <a:schemeClr val="bg2">
+                        <a:lumMod val="75000"/>
+                      </a:schemeClr>
+                    </a:solidFill>
+                  </a:rPr>
+                  <a:t>1 Surface scintillator detector (SSD)</a:t>
+                </a:r>
+              </a:p>
+              <a:p>
+                <a:pPr marL="538306" lvl="2" indent="0">
+                  <a:buNone/>
+                </a:pPr>
+                <a:endParaRPr lang="de-DE" sz="100">
+                  <a:solidFill>
+                    <a:schemeClr val="bg2">
+                      <a:lumMod val="75000"/>
+                    </a:schemeClr>
+                  </a:solidFill>
+                </a:endParaRPr>
+              </a:p>
+              <a:p>
+                <a:pPr lvl="2"/>
+                <a:r>
+                  <a:rPr lang="de-DE">
+                    <a:solidFill>
+                      <a:schemeClr val="bg2">
+                        <a:lumMod val="75000"/>
+                      </a:schemeClr>
+                    </a:solidFill>
+                  </a:rPr>
+                  <a:t>1 Radio antenna </a:t>
+                </a:r>
+                <a:endParaRPr lang="de-DE" sz="800" b="1"/>
+              </a:p>
+              <a:p>
+                <a:pPr lvl="1"/>
+                <a:endParaRPr lang="de-DE" sz="800" b="1"/>
+              </a:p>
+              <a:p>
+                <a:pPr lvl="1"/>
+                <a:endParaRPr lang="de-DE" sz="800" b="1"/>
+              </a:p>
+              <a:p>
+                <a:pPr lvl="1"/>
+                <a:endParaRPr lang="de-DE" sz="800" b="1"/>
+              </a:p>
+              <a:p>
+                <a:pPr marL="266771" lvl="1" indent="0">
+                  <a:buNone/>
+                </a:pPr>
+                <a:endParaRPr lang="de-DE"/>
+              </a:p>
+            </p:txBody>
+          </p:sp>
+        </mc:Choice>
+        <mc:Fallback xmlns="">
+          <p:sp>
+            <p:nvSpPr>
+              <p:cNvPr id="15" name="Inhaltsplatzhalter 6">
+                <a:extLst>
+                  <a:ext uri="{FF2B5EF4-FFF2-40B4-BE49-F238E27FC236}">
+                    <a16:creationId xmlns:a16="http://schemas.microsoft.com/office/drawing/2014/main" id="{C16A4008-D493-8B08-C6E0-AB5B55C1F2BC}"/>
+                  </a:ext>
+                </a:extLst>
+              </p:cNvPr>
+              <p:cNvSpPr>
+                <a:spLocks noGrp="1" noRot="1" noChangeAspect="1" noMove="1" noResize="1" noEditPoints="1" noAdjustHandles="1" noChangeArrowheads="1" noChangeShapeType="1" noTextEdit="1"/>
+              </p:cNvSpPr>
+              <p:nvPr>
+                <p:ph idx="1"/>
+              </p:nvPr>
+            </p:nvSpPr>
+            <p:spPr>
+              <a:xfrm>
+                <a:off x="4307538" y="1439444"/>
+                <a:ext cx="4356882" cy="3409400"/>
+              </a:xfrm>
+              <a:blipFill>
+                <a:blip r:embed="rId5"/>
+                <a:stretch>
+                  <a:fillRect t="-3041"/>
+                </a:stretch>
+              </a:blipFill>
+            </p:spPr>
+            <p:txBody>
+              <a:bodyPr/>
+              <a:lstStyle/>
+              <a:p>
+                <a:r>
+                  <a:rPr lang="en-US">
+                    <a:noFill/>
+                  </a:rPr>
+                  <a:t> </a:t>
+                </a:r>
+              </a:p>
+            </p:txBody>
+          </p:sp>
+        </mc:Fallback>
+      </mc:AlternateContent>
+      <mc:AlternateContent xmlns:mc="http://schemas.openxmlformats.org/markup-compatibility/2006" xmlns:a14="http://schemas.microsoft.com/office/drawing/2010/main">
+        <mc:Choice Requires="a14">
+          <p:sp>
+            <p:nvSpPr>
+              <p:cNvPr id="16" name="Textfeld 15">
+                <a:extLst>
+                  <a:ext uri="{FF2B5EF4-FFF2-40B4-BE49-F238E27FC236}">
+                    <a16:creationId xmlns:a16="http://schemas.microsoft.com/office/drawing/2014/main" id="{332353FF-EB1E-0704-93E6-8485E9B1F268}"/>
+                  </a:ext>
+                </a:extLst>
+              </p:cNvPr>
+              <p:cNvSpPr txBox="1"/>
+              <p:nvPr/>
+            </p:nvSpPr>
+            <p:spPr>
+              <a:xfrm>
+                <a:off x="4935222" y="3594627"/>
+                <a:ext cx="3826756" cy="984885"/>
+              </a:xfrm>
+              <a:prstGeom prst="rect">
+                <a:avLst/>
+              </a:prstGeom>
+              <a:noFill/>
+            </p:spPr>
+            <p:txBody>
+              <a:bodyPr wrap="square" rtlCol="0">
+                <a:spAutoFit/>
+              </a:bodyPr>
+              <a:lstStyle/>
+              <a:p>
+                <a:r>
+                  <a:rPr lang="de-DE" b="1"/>
+                  <a:t>Too comput. expensive to read all measured data at all times!</a:t>
+                </a:r>
+              </a:p>
+              <a:p>
+                <a:endParaRPr lang="de-DE" sz="400" b="1"/>
+              </a:p>
+              <a:p>
+                <a14:m>
+                  <m:oMath xmlns:m="http://schemas.openxmlformats.org/officeDocument/2006/math">
+                    <m:r>
+                      <a:rPr lang="de-DE" b="1" i="1" smtClean="0">
+                        <a:latin typeface="Cambria Math" panose="02040503050406030204" pitchFamily="18" charset="0"/>
+                      </a:rPr>
+                      <m:t>→</m:t>
+                    </m:r>
+                  </m:oMath>
+                </a14:m>
+                <a:r>
+                  <a:rPr lang="en-US" b="1"/>
+                  <a:t> Implement </a:t>
+                </a:r>
+                <a:r>
+                  <a:rPr lang="en-US" b="1">
+                    <a:solidFill>
+                      <a:srgbClr val="C00000"/>
+                    </a:solidFill>
+                  </a:rPr>
+                  <a:t>trigger hierarchy</a:t>
+                </a:r>
+              </a:p>
+            </p:txBody>
+          </p:sp>
+        </mc:Choice>
+        <mc:Fallback xmlns="">
+          <p:sp>
+            <p:nvSpPr>
+              <p:cNvPr id="16" name="Textfeld 15">
+                <a:extLst>
+                  <a:ext uri="{FF2B5EF4-FFF2-40B4-BE49-F238E27FC236}">
+                    <a16:creationId xmlns:a16="http://schemas.microsoft.com/office/drawing/2014/main" id="{332353FF-EB1E-0704-93E6-8485E9B1F268}"/>
+                  </a:ext>
+                </a:extLst>
+              </p:cNvPr>
+              <p:cNvSpPr txBox="1">
+                <a:spLocks noRot="1" noChangeAspect="1" noMove="1" noResize="1" noEditPoints="1" noAdjustHandles="1" noChangeArrowheads="1" noChangeShapeType="1" noTextEdit="1"/>
+              </p:cNvSpPr>
+              <p:nvPr/>
+            </p:nvSpPr>
+            <p:spPr>
+              <a:xfrm>
+                <a:off x="4935222" y="3594627"/>
+                <a:ext cx="3826756" cy="984885"/>
+              </a:xfrm>
+              <a:prstGeom prst="rect">
+                <a:avLst/>
+              </a:prstGeom>
+              <a:blipFill>
+                <a:blip r:embed="rId6"/>
+                <a:stretch>
+                  <a:fillRect l="-1435" t="-3727" b="-9317"/>
+                </a:stretch>
+              </a:blipFill>
+            </p:spPr>
+            <p:txBody>
+              <a:bodyPr/>
+              <a:lstStyle/>
+              <a:p>
+                <a:r>
+                  <a:rPr lang="en-US">
+                    <a:noFill/>
+                  </a:rPr>
+                  <a:t> </a:t>
+                </a:r>
+              </a:p>
+            </p:txBody>
+          </p:sp>
+        </mc:Fallback>
+      </mc:AlternateContent>
+      <p:sp>
+        <p:nvSpPr>
+          <p:cNvPr id="7" name="Titel 5">
+            <a:extLst>
+              <a:ext uri="{FF2B5EF4-FFF2-40B4-BE49-F238E27FC236}">
+                <a16:creationId xmlns:a16="http://schemas.microsoft.com/office/drawing/2014/main" id="{ED6CF870-C03E-2F4B-1FF5-0653A9BA5159}"/>
+              </a:ext>
+            </a:extLst>
+          </p:cNvPr>
+          <p:cNvSpPr>
+            <a:spLocks noGrp="1"/>
+          </p:cNvSpPr>
+          <p:nvPr>
+            <p:ph type="title"/>
+          </p:nvPr>
+        </p:nvSpPr>
+        <p:spPr>
+          <a:xfrm>
+            <a:off x="387708" y="135290"/>
+            <a:ext cx="7795500" cy="575989"/>
+          </a:xfrm>
+        </p:spPr>
+        <p:txBody>
+          <a:bodyPr>
+            <a:normAutofit/>
+          </a:bodyPr>
+          <a:lstStyle/>
+          <a:p>
+            <a:r>
+              <a:rPr lang="de-DE"/>
+              <a:t>SD Array / </a:t>
+            </a:r>
+            <a:r>
+              <a:rPr lang="de-DE" b="0">
+                <a:solidFill>
+                  <a:schemeClr val="bg2">
+                    <a:lumMod val="75000"/>
+                  </a:schemeClr>
+                </a:solidFill>
+              </a:rPr>
+              <a:t>trigger hierarchy</a:t>
+            </a:r>
+            <a:r>
+              <a:rPr lang="de-DE"/>
+              <a:t> / </a:t>
+            </a:r>
+            <a:r>
+              <a:rPr lang="de-DE" b="0">
+                <a:solidFill>
+                  <a:schemeClr val="bg2">
+                    <a:lumMod val="75000"/>
+                  </a:schemeClr>
+                </a:solidFill>
+              </a:rPr>
+              <a:t>WCD time traces</a:t>
+            </a:r>
+            <a:endParaRPr lang="de-DE" b="0" dirty="0">
+              <a:solidFill>
+                <a:schemeClr val="bg2">
+                  <a:lumMod val="75000"/>
+                </a:schemeClr>
+              </a:solidFill>
+            </a:endParaRPr>
+          </a:p>
+        </p:txBody>
+      </p:sp>
+    </p:spTree>
+    <p:extLst>
+      <p:ext uri="{BB962C8B-B14F-4D97-AF65-F5344CB8AC3E}">
+        <p14:creationId xmlns:p14="http://schemas.microsoft.com/office/powerpoint/2010/main" val="1144696369"/>
+      </p:ext>
+    </p:extLst>
+  </p:cSld>
+  <p:clrMapOvr>
+    <a:masterClrMapping/>
+  </p:clrMapOvr>
+  <mc:AlternateContent xmlns:mc="http://schemas.openxmlformats.org/markup-compatibility/2006" xmlns:p14="http://schemas.microsoft.com/office/powerpoint/2010/main">
+    <mc:Choice Requires="p14">
+      <p:transition spd="slow" p14:dur="2000" advTm="85783"/>
+    </mc:Choice>
+    <mc:Fallback xmlns="">
+      <p:transition spd="slow" advTm="85783"/>
+    </mc:Fallback>
+  </mc:AlternateContent>
+</p:sld>
+</file>
+
+<file path=ppt/slides/slide30.xml><?xml version="1.0" encoding="utf-8"?>
 <p:sld xmlns:a="http://schemas.openxmlformats.org/drawingml/2006/main" xmlns:r="http://schemas.openxmlformats.org/officeDocument/2006/relationships" xmlns:p="http://schemas.openxmlformats.org/presentationml/2006/main">
   <p:cSld>
     <p:spTree>
@@ -21603,7 +22800,7 @@
           <a:p>
             <a:fld id="{C7355B21-B324-434D-ABB6-684CB6180B39}" type="datetime1">
               <a:rPr lang="de-DE" smtClean="0"/>
-              <a:t>28.05.2023</a:t>
+              <a:t>29.05.2023</a:t>
             </a:fld>
             <a:endParaRPr lang="de-DE"/>
           </a:p>
@@ -21626,7 +22823,7 @@
           <a:p>
             <a:fld id="{61696EC4-B4CF-4701-AD06-A8439D6D8E12}" type="slidenum">
               <a:rPr lang="de-DE" smtClean="0"/>
-              <a:t>29</a:t>
+              <a:t>30</a:t>
             </a:fld>
             <a:endParaRPr lang="de-DE" dirty="0"/>
           </a:p>
@@ -22290,601 +23487,7 @@
 </p:sld>
 </file>
 
-<file path=ppt/slides/slide3.xml><?xml version="1.0" encoding="utf-8"?>
-<p:sld xmlns:a="http://schemas.openxmlformats.org/drawingml/2006/main" xmlns:r="http://schemas.openxmlformats.org/officeDocument/2006/relationships" xmlns:p="http://schemas.openxmlformats.org/presentationml/2006/main">
-  <p:cSld>
-    <p:spTree>
-      <p:nvGrpSpPr>
-        <p:cNvPr id="1" name=""/>
-        <p:cNvGrpSpPr/>
-        <p:nvPr/>
-      </p:nvGrpSpPr>
-      <p:grpSpPr>
-        <a:xfrm>
-          <a:off x="0" y="0"/>
-          <a:ext cx="0" cy="0"/>
-          <a:chOff x="0" y="0"/>
-          <a:chExt cx="0" cy="0"/>
-        </a:xfrm>
-      </p:grpSpPr>
-      <p:sp>
-        <p:nvSpPr>
-          <p:cNvPr id="2" name="Datumsplatzhalter 1"/>
-          <p:cNvSpPr>
-            <a:spLocks noGrp="1"/>
-          </p:cNvSpPr>
-          <p:nvPr>
-            <p:ph type="dt" sz="half" idx="10"/>
-          </p:nvPr>
-        </p:nvSpPr>
-        <p:spPr/>
-        <p:txBody>
-          <a:bodyPr/>
-          <a:lstStyle/>
-          <a:p>
-            <a:fld id="{C7355B21-B324-434D-ABB6-684CB6180B39}" type="datetime1">
-              <a:rPr lang="de-DE" smtClean="0"/>
-              <a:t>28.05.2023</a:t>
-            </a:fld>
-            <a:endParaRPr lang="de-DE"/>
-          </a:p>
-        </p:txBody>
-      </p:sp>
-      <p:sp>
-        <p:nvSpPr>
-          <p:cNvPr id="3" name="Foliennummernplatzhalter 2"/>
-          <p:cNvSpPr>
-            <a:spLocks noGrp="1"/>
-          </p:cNvSpPr>
-          <p:nvPr>
-            <p:ph type="sldNum" sz="quarter" idx="12"/>
-          </p:nvPr>
-        </p:nvSpPr>
-        <p:spPr/>
-        <p:txBody>
-          <a:bodyPr/>
-          <a:lstStyle/>
-          <a:p>
-            <a:fld id="{61696EC4-B4CF-4701-AD06-A8439D6D8E12}" type="slidenum">
-              <a:rPr lang="de-DE" smtClean="0"/>
-              <a:t>3</a:t>
-            </a:fld>
-            <a:endParaRPr lang="de-DE" dirty="0"/>
-          </a:p>
-        </p:txBody>
-      </p:sp>
-      <p:pic>
-        <p:nvPicPr>
-          <p:cNvPr id="9" name="Grafik 8" descr="Ein Bild, das Design, Tisch enthält.&#10;&#10;Automatisch generierte Beschreibung">
-            <a:extLst>
-              <a:ext uri="{FF2B5EF4-FFF2-40B4-BE49-F238E27FC236}">
-                <a16:creationId xmlns:a16="http://schemas.microsoft.com/office/drawing/2014/main" id="{2C4C1976-A141-79C9-B1DF-6D46D53A3919}"/>
-              </a:ext>
-            </a:extLst>
-          </p:cNvPr>
-          <p:cNvPicPr>
-            <a:picLocks noChangeAspect="1"/>
-          </p:cNvPicPr>
-          <p:nvPr/>
-        </p:nvPicPr>
-        <p:blipFill>
-          <a:blip r:embed="rId2">
-            <a:extLst>
-              <a:ext uri="{28A0092B-C50C-407E-A947-70E740481C1C}">
-                <a14:useLocalDpi xmlns:a14="http://schemas.microsoft.com/office/drawing/2010/main" val="0"/>
-              </a:ext>
-            </a:extLst>
-          </a:blip>
-          <a:stretch>
-            <a:fillRect/>
-          </a:stretch>
-        </p:blipFill>
-        <p:spPr>
-          <a:xfrm>
-            <a:off x="1841699" y="1469742"/>
-            <a:ext cx="1285987" cy="1166613"/>
-          </a:xfrm>
-          <a:prstGeom prst="rect">
-            <a:avLst/>
-          </a:prstGeom>
-        </p:spPr>
-      </p:pic>
-      <p:pic>
-        <p:nvPicPr>
-          <p:cNvPr id="12" name="Grafik 11" descr="Ein Bild, das Karte, Text enthält.&#10;&#10;Automatisch generierte Beschreibung">
-            <a:extLst>
-              <a:ext uri="{FF2B5EF4-FFF2-40B4-BE49-F238E27FC236}">
-                <a16:creationId xmlns:a16="http://schemas.microsoft.com/office/drawing/2014/main" id="{F639EFEA-4D81-792F-6A87-729E82A8B4BF}"/>
-              </a:ext>
-            </a:extLst>
-          </p:cNvPr>
-          <p:cNvPicPr>
-            <a:picLocks noChangeAspect="1"/>
-          </p:cNvPicPr>
-          <p:nvPr/>
-        </p:nvPicPr>
-        <p:blipFill>
-          <a:blip r:embed="rId3">
-            <a:extLst>
-              <a:ext uri="{28A0092B-C50C-407E-A947-70E740481C1C}">
-                <a14:useLocalDpi xmlns:a14="http://schemas.microsoft.com/office/drawing/2010/main" val="0"/>
-              </a:ext>
-            </a:extLst>
-          </a:blip>
-          <a:stretch>
-            <a:fillRect/>
-          </a:stretch>
-        </p:blipFill>
-        <p:spPr>
-          <a:xfrm>
-            <a:off x="379184" y="1179646"/>
-            <a:ext cx="3448774" cy="3198781"/>
-          </a:xfrm>
-          <a:prstGeom prst="rect">
-            <a:avLst/>
-          </a:prstGeom>
-        </p:spPr>
-      </p:pic>
-      <p:pic>
-        <p:nvPicPr>
-          <p:cNvPr id="14" name="Grafik 13" descr="Ein Bild, das medizinische Ausrüstung, Im Haus, Tisch, Design enthält.&#10;&#10;Automatisch generierte Beschreibung mit mittlerer Zuverlässigkeit">
-            <a:extLst>
-              <a:ext uri="{FF2B5EF4-FFF2-40B4-BE49-F238E27FC236}">
-                <a16:creationId xmlns:a16="http://schemas.microsoft.com/office/drawing/2014/main" id="{C06F90B2-2527-E748-3594-F8356D7C79D8}"/>
-              </a:ext>
-            </a:extLst>
-          </p:cNvPr>
-          <p:cNvPicPr>
-            <a:picLocks noChangeAspect="1"/>
-          </p:cNvPicPr>
-          <p:nvPr/>
-        </p:nvPicPr>
-        <p:blipFill>
-          <a:blip r:embed="rId4">
-            <a:extLst>
-              <a:ext uri="{28A0092B-C50C-407E-A947-70E740481C1C}">
-                <a14:useLocalDpi xmlns:a14="http://schemas.microsoft.com/office/drawing/2010/main" val="0"/>
-              </a:ext>
-            </a:extLst>
-          </a:blip>
-          <a:stretch>
-            <a:fillRect/>
-          </a:stretch>
-        </p:blipFill>
-        <p:spPr>
-          <a:xfrm>
-            <a:off x="2379533" y="2261569"/>
-            <a:ext cx="2653246" cy="2406954"/>
-          </a:xfrm>
-          <a:prstGeom prst="rect">
-            <a:avLst/>
-          </a:prstGeom>
-        </p:spPr>
-      </p:pic>
-      <mc:AlternateContent xmlns:mc="http://schemas.openxmlformats.org/markup-compatibility/2006">
-        <mc:Choice xmlns:a14="http://schemas.microsoft.com/office/drawing/2010/main" Requires="a14">
-          <p:sp>
-            <p:nvSpPr>
-              <p:cNvPr id="15" name="Inhaltsplatzhalter 6">
-                <a:extLst>
-                  <a:ext uri="{FF2B5EF4-FFF2-40B4-BE49-F238E27FC236}">
-                    <a16:creationId xmlns:a16="http://schemas.microsoft.com/office/drawing/2014/main" id="{C16A4008-D493-8B08-C6E0-AB5B55C1F2BC}"/>
-                  </a:ext>
-                </a:extLst>
-              </p:cNvPr>
-              <p:cNvSpPr>
-                <a:spLocks noGrp="1"/>
-              </p:cNvSpPr>
-              <p:nvPr>
-                <p:ph idx="1"/>
-              </p:nvPr>
-            </p:nvSpPr>
-            <p:spPr>
-              <a:xfrm>
-                <a:off x="4307538" y="1439444"/>
-                <a:ext cx="4356882" cy="3409400"/>
-              </a:xfrm>
-            </p:spPr>
-            <p:txBody>
-              <a:bodyPr>
-                <a:normAutofit/>
-              </a:bodyPr>
-              <a:lstStyle/>
-              <a:p>
-                <a:pPr lvl="1"/>
-                <a:r>
-                  <a:rPr lang="de-DE" b="1"/>
-                  <a:t>Around ~1600 stations</a:t>
-                </a:r>
-              </a:p>
-              <a:p>
-                <a:pPr marL="266771" lvl="1" indent="0">
-                  <a:buNone/>
-                </a:pPr>
-                <a:endParaRPr lang="de-DE" sz="200" b="1"/>
-              </a:p>
-              <a:p>
-                <a:pPr lvl="1"/>
-                <a:r>
-                  <a:rPr lang="de-DE" b="1"/>
-                  <a:t>Triangular </a:t>
-                </a:r>
-                <a14:m>
-                  <m:oMath xmlns:m="http://schemas.openxmlformats.org/officeDocument/2006/math">
-                    <m:r>
-                      <a:rPr lang="de-DE" b="0" i="1" smtClean="0">
-                        <a:latin typeface="Cambria Math" panose="02040503050406030204" pitchFamily="18" charset="0"/>
-                      </a:rPr>
-                      <m:t>1.5 </m:t>
-                    </m:r>
-                    <m:r>
-                      <m:rPr>
-                        <m:sty m:val="p"/>
-                      </m:rPr>
-                      <a:rPr lang="de-DE" b="0" i="0" smtClean="0">
-                        <a:latin typeface="Cambria Math" panose="02040503050406030204" pitchFamily="18" charset="0"/>
-                      </a:rPr>
-                      <m:t>km</m:t>
-                    </m:r>
-                  </m:oMath>
-                </a14:m>
-                <a:r>
-                  <a:rPr lang="de-DE"/>
-                  <a:t> </a:t>
-                </a:r>
-                <a:r>
-                  <a:rPr lang="de-DE" b="1"/>
-                  <a:t>grid spacing</a:t>
-                </a:r>
-              </a:p>
-              <a:p>
-                <a:pPr marL="266771" lvl="1" indent="0">
-                  <a:buNone/>
-                </a:pPr>
-                <a:endParaRPr lang="de-DE" sz="200" b="1"/>
-              </a:p>
-              <a:p>
-                <a:pPr lvl="1"/>
-                <a:r>
-                  <a:rPr lang="de-DE" b="1"/>
-                  <a:t>Ongoing upgrade from UB </a:t>
-                </a:r>
-                <a14:m>
-                  <m:oMath xmlns:m="http://schemas.openxmlformats.org/officeDocument/2006/math">
-                    <m:r>
-                      <a:rPr lang="de-DE" b="1" i="1" smtClean="0">
-                        <a:latin typeface="Cambria Math" panose="02040503050406030204" pitchFamily="18" charset="0"/>
-                      </a:rPr>
-                      <m:t>→</m:t>
-                    </m:r>
-                  </m:oMath>
-                </a14:m>
-                <a:r>
-                  <a:rPr lang="de-DE" b="1"/>
-                  <a:t> UUB</a:t>
-                </a:r>
-              </a:p>
-              <a:p>
-                <a:pPr marL="266771" lvl="1" indent="0">
-                  <a:buNone/>
-                </a:pPr>
-                <a:endParaRPr lang="de-DE" sz="100" b="1"/>
-              </a:p>
-              <a:p>
-                <a:pPr lvl="2"/>
-                <a:r>
-                  <a:rPr lang="de-DE" b="1"/>
-                  <a:t>3 Water-Cherenkov detectors (WCD)</a:t>
-                </a:r>
-              </a:p>
-              <a:p>
-                <a:pPr marL="538306" lvl="2" indent="0">
-                  <a:buNone/>
-                </a:pPr>
-                <a:endParaRPr lang="de-DE" sz="100" b="1"/>
-              </a:p>
-              <a:p>
-                <a:pPr lvl="2"/>
-                <a:r>
-                  <a:rPr lang="de-DE">
-                    <a:solidFill>
-                      <a:schemeClr val="bg2">
-                        <a:lumMod val="75000"/>
-                      </a:schemeClr>
-                    </a:solidFill>
-                  </a:rPr>
-                  <a:t>1 Surface scintillator detector (SSD)</a:t>
-                </a:r>
-              </a:p>
-              <a:p>
-                <a:pPr marL="538306" lvl="2" indent="0">
-                  <a:buNone/>
-                </a:pPr>
-                <a:endParaRPr lang="de-DE" sz="100">
-                  <a:solidFill>
-                    <a:schemeClr val="bg2">
-                      <a:lumMod val="75000"/>
-                    </a:schemeClr>
-                  </a:solidFill>
-                </a:endParaRPr>
-              </a:p>
-              <a:p>
-                <a:pPr lvl="2"/>
-                <a:r>
-                  <a:rPr lang="de-DE">
-                    <a:solidFill>
-                      <a:schemeClr val="bg2">
-                        <a:lumMod val="75000"/>
-                      </a:schemeClr>
-                    </a:solidFill>
-                  </a:rPr>
-                  <a:t>1 Radio antenna </a:t>
-                </a:r>
-                <a:endParaRPr lang="de-DE" sz="800" b="1"/>
-              </a:p>
-              <a:p>
-                <a:pPr lvl="1"/>
-                <a:endParaRPr lang="de-DE" sz="800" b="1"/>
-              </a:p>
-              <a:p>
-                <a:pPr lvl="1"/>
-                <a:endParaRPr lang="de-DE" sz="800" b="1"/>
-              </a:p>
-              <a:p>
-                <a:pPr lvl="1"/>
-                <a:endParaRPr lang="de-DE" sz="800" b="1"/>
-              </a:p>
-              <a:p>
-                <a:pPr marL="266771" lvl="1" indent="0">
-                  <a:buNone/>
-                </a:pPr>
-                <a:endParaRPr lang="de-DE"/>
-              </a:p>
-            </p:txBody>
-          </p:sp>
-        </mc:Choice>
-        <mc:Fallback>
-          <p:sp>
-            <p:nvSpPr>
-              <p:cNvPr id="15" name="Inhaltsplatzhalter 6">
-                <a:extLst>
-                  <a:ext uri="{FF2B5EF4-FFF2-40B4-BE49-F238E27FC236}">
-                    <a16:creationId xmlns:a16="http://schemas.microsoft.com/office/drawing/2014/main" id="{C16A4008-D493-8B08-C6E0-AB5B55C1F2BC}"/>
-                  </a:ext>
-                </a:extLst>
-              </p:cNvPr>
-              <p:cNvSpPr>
-                <a:spLocks noGrp="1" noRot="1" noChangeAspect="1" noMove="1" noResize="1" noEditPoints="1" noAdjustHandles="1" noChangeArrowheads="1" noChangeShapeType="1" noTextEdit="1"/>
-              </p:cNvSpPr>
-              <p:nvPr>
-                <p:ph idx="1"/>
-              </p:nvPr>
-            </p:nvSpPr>
-            <p:spPr>
-              <a:xfrm>
-                <a:off x="4307538" y="1439444"/>
-                <a:ext cx="4356882" cy="3409400"/>
-              </a:xfrm>
-              <a:blipFill>
-                <a:blip r:embed="rId5"/>
-                <a:stretch>
-                  <a:fillRect t="-3041"/>
-                </a:stretch>
-              </a:blipFill>
-            </p:spPr>
-            <p:txBody>
-              <a:bodyPr/>
-              <a:lstStyle/>
-              <a:p>
-                <a:r>
-                  <a:rPr lang="en-US">
-                    <a:noFill/>
-                  </a:rPr>
-                  <a:t> </a:t>
-                </a:r>
-              </a:p>
-            </p:txBody>
-          </p:sp>
-        </mc:Fallback>
-      </mc:AlternateContent>
-      <mc:AlternateContent xmlns:mc="http://schemas.openxmlformats.org/markup-compatibility/2006">
-        <mc:Choice xmlns:a14="http://schemas.microsoft.com/office/drawing/2010/main" Requires="a14">
-          <p:sp>
-            <p:nvSpPr>
-              <p:cNvPr id="16" name="Textfeld 15">
-                <a:extLst>
-                  <a:ext uri="{FF2B5EF4-FFF2-40B4-BE49-F238E27FC236}">
-                    <a16:creationId xmlns:a16="http://schemas.microsoft.com/office/drawing/2014/main" id="{332353FF-EB1E-0704-93E6-8485E9B1F268}"/>
-                  </a:ext>
-                </a:extLst>
-              </p:cNvPr>
-              <p:cNvSpPr txBox="1"/>
-              <p:nvPr/>
-            </p:nvSpPr>
-            <p:spPr>
-              <a:xfrm>
-                <a:off x="4935222" y="3594627"/>
-                <a:ext cx="3826756" cy="984885"/>
-              </a:xfrm>
-              <a:prstGeom prst="rect">
-                <a:avLst/>
-              </a:prstGeom>
-              <a:noFill/>
-            </p:spPr>
-            <p:txBody>
-              <a:bodyPr wrap="square" rtlCol="0">
-                <a:spAutoFit/>
-              </a:bodyPr>
-              <a:lstStyle/>
-              <a:p>
-                <a:r>
-                  <a:rPr lang="de-DE" b="1"/>
-                  <a:t>Too comput. expensive to read all measured data at all times!</a:t>
-                </a:r>
-              </a:p>
-              <a:p>
-                <a:endParaRPr lang="de-DE" sz="400" b="1"/>
-              </a:p>
-              <a:p>
-                <a14:m>
-                  <m:oMath xmlns:m="http://schemas.openxmlformats.org/officeDocument/2006/math">
-                    <m:r>
-                      <a:rPr lang="de-DE" b="1" i="1" smtClean="0">
-                        <a:latin typeface="Cambria Math" panose="02040503050406030204" pitchFamily="18" charset="0"/>
-                      </a:rPr>
-                      <m:t>→</m:t>
-                    </m:r>
-                  </m:oMath>
-                </a14:m>
-                <a:r>
-                  <a:rPr lang="en-US" b="1"/>
-                  <a:t> Implement </a:t>
-                </a:r>
-                <a:r>
-                  <a:rPr lang="en-US" b="1">
-                    <a:solidFill>
-                      <a:srgbClr val="C00000"/>
-                    </a:solidFill>
-                  </a:rPr>
-                  <a:t>trigger hierarchy</a:t>
-                </a:r>
-              </a:p>
-            </p:txBody>
-          </p:sp>
-        </mc:Choice>
-        <mc:Fallback>
-          <p:sp>
-            <p:nvSpPr>
-              <p:cNvPr id="16" name="Textfeld 15">
-                <a:extLst>
-                  <a:ext uri="{FF2B5EF4-FFF2-40B4-BE49-F238E27FC236}">
-                    <a16:creationId xmlns:a16="http://schemas.microsoft.com/office/drawing/2014/main" id="{332353FF-EB1E-0704-93E6-8485E9B1F268}"/>
-                  </a:ext>
-                </a:extLst>
-              </p:cNvPr>
-              <p:cNvSpPr txBox="1">
-                <a:spLocks noRot="1" noChangeAspect="1" noMove="1" noResize="1" noEditPoints="1" noAdjustHandles="1" noChangeArrowheads="1" noChangeShapeType="1" noTextEdit="1"/>
-              </p:cNvSpPr>
-              <p:nvPr/>
-            </p:nvSpPr>
-            <p:spPr>
-              <a:xfrm>
-                <a:off x="4935222" y="3594627"/>
-                <a:ext cx="3826756" cy="984885"/>
-              </a:xfrm>
-              <a:prstGeom prst="rect">
-                <a:avLst/>
-              </a:prstGeom>
-              <a:blipFill>
-                <a:blip r:embed="rId6"/>
-                <a:stretch>
-                  <a:fillRect l="-1435" t="-3727" b="-9317"/>
-                </a:stretch>
-              </a:blipFill>
-            </p:spPr>
-            <p:txBody>
-              <a:bodyPr/>
-              <a:lstStyle/>
-              <a:p>
-                <a:r>
-                  <a:rPr lang="en-US">
-                    <a:noFill/>
-                  </a:rPr>
-                  <a:t> </a:t>
-                </a:r>
-              </a:p>
-            </p:txBody>
-          </p:sp>
-        </mc:Fallback>
-      </mc:AlternateContent>
-      <p:sp>
-        <p:nvSpPr>
-          <p:cNvPr id="7" name="Titel 5">
-            <a:extLst>
-              <a:ext uri="{FF2B5EF4-FFF2-40B4-BE49-F238E27FC236}">
-                <a16:creationId xmlns:a16="http://schemas.microsoft.com/office/drawing/2014/main" id="{ED6CF870-C03E-2F4B-1FF5-0653A9BA5159}"/>
-              </a:ext>
-            </a:extLst>
-          </p:cNvPr>
-          <p:cNvSpPr>
-            <a:spLocks noGrp="1"/>
-          </p:cNvSpPr>
-          <p:nvPr>
-            <p:ph type="title"/>
-          </p:nvPr>
-        </p:nvSpPr>
-        <p:spPr>
-          <a:xfrm>
-            <a:off x="387708" y="135290"/>
-            <a:ext cx="7795500" cy="575989"/>
-          </a:xfrm>
-        </p:spPr>
-        <p:txBody>
-          <a:bodyPr>
-            <a:normAutofit/>
-          </a:bodyPr>
-          <a:lstStyle/>
-          <a:p>
-            <a:r>
-              <a:rPr lang="de-DE"/>
-              <a:t>SD Array / </a:t>
-            </a:r>
-            <a:r>
-              <a:rPr lang="de-DE" b="0">
-                <a:solidFill>
-                  <a:schemeClr val="bg2">
-                    <a:lumMod val="75000"/>
-                  </a:schemeClr>
-                </a:solidFill>
-              </a:rPr>
-              <a:t>trigger hierarchy</a:t>
-            </a:r>
-            <a:r>
-              <a:rPr lang="de-DE"/>
-              <a:t> / </a:t>
-            </a:r>
-            <a:r>
-              <a:rPr lang="de-DE" b="0">
-                <a:solidFill>
-                  <a:schemeClr val="bg2">
-                    <a:lumMod val="75000"/>
-                  </a:schemeClr>
-                </a:solidFill>
-              </a:rPr>
-              <a:t>WCD time traces</a:t>
-            </a:r>
-            <a:endParaRPr lang="de-DE" b="0" dirty="0">
-              <a:solidFill>
-                <a:schemeClr val="bg2">
-                  <a:lumMod val="75000"/>
-                </a:schemeClr>
-              </a:solidFill>
-            </a:endParaRPr>
-          </a:p>
-        </p:txBody>
-      </p:sp>
-    </p:spTree>
-    <p:extLst>
-      <p:ext uri="{BB962C8B-B14F-4D97-AF65-F5344CB8AC3E}">
-        <p14:creationId xmlns:p14="http://schemas.microsoft.com/office/powerpoint/2010/main" val="1144696369"/>
-      </p:ext>
-    </p:extLst>
-  </p:cSld>
-  <p:clrMapOvr>
-    <a:masterClrMapping/>
-  </p:clrMapOvr>
-  <mc:AlternateContent xmlns:mc="http://schemas.openxmlformats.org/markup-compatibility/2006">
-    <mc:Choice xmlns:p14="http://schemas.microsoft.com/office/powerpoint/2010/main" Requires="p14">
-      <p:transition spd="slow" p14:dur="2000" advTm="85783"/>
-    </mc:Choice>
-    <mc:Fallback>
-      <p:transition spd="slow" advTm="85783"/>
-    </mc:Fallback>
-  </mc:AlternateContent>
-</p:sld>
-</file>
-
-<file path=ppt/slides/slide30.xml><?xml version="1.0" encoding="utf-8"?>
+<file path=ppt/slides/slide31.xml><?xml version="1.0" encoding="utf-8"?>
 <p:sld xmlns:a="http://schemas.openxmlformats.org/drawingml/2006/main" xmlns:r="http://schemas.openxmlformats.org/officeDocument/2006/relationships" xmlns:p="http://schemas.openxmlformats.org/presentationml/2006/main">
   <p:cSld>
     <p:spTree>
@@ -23004,7 +23607,7 @@
           <a:p>
             <a:fld id="{C7355B21-B324-434D-ABB6-684CB6180B39}" type="datetime1">
               <a:rPr lang="de-DE" smtClean="0"/>
-              <a:t>28.05.2023</a:t>
+              <a:t>29.05.2023</a:t>
             </a:fld>
             <a:endParaRPr lang="de-DE"/>
           </a:p>
@@ -23027,7 +23630,7 @@
           <a:p>
             <a:fld id="{61696EC4-B4CF-4701-AD06-A8439D6D8E12}" type="slidenum">
               <a:rPr lang="de-DE" smtClean="0"/>
-              <a:t>30</a:t>
+              <a:t>31</a:t>
             </a:fld>
             <a:endParaRPr lang="de-DE" dirty="0"/>
           </a:p>
@@ -23736,7 +24339,7 @@
 </p:sld>
 </file>
 
-<file path=ppt/slides/slide31.xml><?xml version="1.0" encoding="utf-8"?>
+<file path=ppt/slides/slide32.xml><?xml version="1.0" encoding="utf-8"?>
 <p:sld xmlns:a="http://schemas.openxmlformats.org/drawingml/2006/main" xmlns:r="http://schemas.openxmlformats.org/officeDocument/2006/relationships" xmlns:p="http://schemas.openxmlformats.org/presentationml/2006/main">
   <p:cSld>
     <p:spTree>
@@ -23928,7 +24531,7 @@
                   <a:spcPts val="600"/>
                 </a:spcAft>
               </a:pPr>
-              <a:t>28.05.2023</a:t>
+              <a:t>29.05.2023</a:t>
             </a:fld>
             <a:endParaRPr lang="de-DE"/>
           </a:p>
@@ -23968,7 +24571,7 @@
                   <a:spcPts val="600"/>
                 </a:spcAft>
               </a:pPr>
-              <a:t>31</a:t>
+              <a:t>32</a:t>
             </a:fld>
             <a:endParaRPr lang="de-DE"/>
           </a:p>
@@ -24135,7 +24738,7 @@
 </p:sld>
 </file>
 
-<file path=ppt/slides/slide32.xml><?xml version="1.0" encoding="utf-8"?>
+<file path=ppt/slides/slide33.xml><?xml version="1.0" encoding="utf-8"?>
 <p:sld xmlns:a="http://schemas.openxmlformats.org/drawingml/2006/main" xmlns:r="http://schemas.openxmlformats.org/officeDocument/2006/relationships" xmlns:p="http://schemas.openxmlformats.org/presentationml/2006/main">
   <p:cSld>
     <p:spTree>
@@ -24753,7 +25356,7 @@
           <a:p>
             <a:fld id="{C7355B21-B324-434D-ABB6-684CB6180B39}" type="datetime1">
               <a:rPr lang="de-DE" smtClean="0"/>
-              <a:t>28.05.2023</a:t>
+              <a:t>29.05.2023</a:t>
             </a:fld>
             <a:endParaRPr lang="de-DE"/>
           </a:p>
@@ -24776,7 +25379,7 @@
           <a:p>
             <a:fld id="{61696EC4-B4CF-4701-AD06-A8439D6D8E12}" type="slidenum">
               <a:rPr lang="de-DE" smtClean="0"/>
-              <a:t>32</a:t>
+              <a:t>33</a:t>
             </a:fld>
             <a:endParaRPr lang="de-DE" dirty="0"/>
           </a:p>
@@ -24999,7 +25602,7 @@
 </p:sld>
 </file>
 
-<file path=ppt/slides/slide33.xml><?xml version="1.0" encoding="utf-8"?>
+<file path=ppt/slides/slide34.xml><?xml version="1.0" encoding="utf-8"?>
 <p:sld xmlns:a="http://schemas.openxmlformats.org/drawingml/2006/main" xmlns:r="http://schemas.openxmlformats.org/officeDocument/2006/relationships" xmlns:p="http://schemas.openxmlformats.org/presentationml/2006/main" show="0">
   <p:cSld>
     <p:spTree>
@@ -25189,7 +25792,7 @@
           <a:p>
             <a:fld id="{0A9BFA6A-9A63-4E2D-92C0-C77BFA750EDB}" type="datetime1">
               <a:rPr lang="de-DE" noProof="0" smtClean="0"/>
-              <a:t>28.05.2023</a:t>
+              <a:t>29.05.2023</a:t>
             </a:fld>
             <a:endParaRPr lang="en-US" noProof="0"/>
           </a:p>
@@ -25212,7 +25815,7 @@
           <a:p>
             <a:fld id="{61696EC4-B4CF-4701-AD06-A8439D6D8E12}" type="slidenum">
               <a:rPr lang="en-US" noProof="0" smtClean="0"/>
-              <a:t>33</a:t>
+              <a:t>34</a:t>
             </a:fld>
             <a:endParaRPr lang="en-US" noProof="0"/>
           </a:p>
@@ -25289,7 +25892,7 @@
 </p:sld>
 </file>
 
-<file path=ppt/slides/slide34.xml><?xml version="1.0" encoding="utf-8"?>
+<file path=ppt/slides/slide35.xml><?xml version="1.0" encoding="utf-8"?>
 <p:sld xmlns:a="http://schemas.openxmlformats.org/drawingml/2006/main" xmlns:r="http://schemas.openxmlformats.org/officeDocument/2006/relationships" xmlns:p="http://schemas.openxmlformats.org/presentationml/2006/main" show="0">
   <p:cSld>
     <p:spTree>
@@ -25479,7 +26082,7 @@
           <a:p>
             <a:fld id="{0A9BFA6A-9A63-4E2D-92C0-C77BFA750EDB}" type="datetime1">
               <a:rPr lang="de-DE" noProof="0" smtClean="0"/>
-              <a:t>28.05.2023</a:t>
+              <a:t>29.05.2023</a:t>
             </a:fld>
             <a:endParaRPr lang="en-US" noProof="0"/>
           </a:p>
@@ -25502,7 +26105,7 @@
           <a:p>
             <a:fld id="{61696EC4-B4CF-4701-AD06-A8439D6D8E12}" type="slidenum">
               <a:rPr lang="en-US" noProof="0" smtClean="0"/>
-              <a:t>34</a:t>
+              <a:t>35</a:t>
             </a:fld>
             <a:endParaRPr lang="en-US" noProof="0"/>
           </a:p>
@@ -25579,7 +26182,7 @@
 </p:sld>
 </file>
 
-<file path=ppt/slides/slide35.xml><?xml version="1.0" encoding="utf-8"?>
+<file path=ppt/slides/slide36.xml><?xml version="1.0" encoding="utf-8"?>
 <p:sld xmlns:a="http://schemas.openxmlformats.org/drawingml/2006/main" xmlns:r="http://schemas.openxmlformats.org/officeDocument/2006/relationships" xmlns:p="http://schemas.openxmlformats.org/presentationml/2006/main" show="0">
   <p:cSld>
     <p:spTree>
@@ -26026,7 +26629,7 @@
           <a:p>
             <a:fld id="{C7355B21-B324-434D-ABB6-684CB6180B39}" type="datetime1">
               <a:rPr lang="de-DE" smtClean="0"/>
-              <a:t>28.05.2023</a:t>
+              <a:t>29.05.2023</a:t>
             </a:fld>
             <a:endParaRPr lang="de-DE"/>
           </a:p>
@@ -26049,7 +26652,7 @@
           <a:p>
             <a:fld id="{61696EC4-B4CF-4701-AD06-A8439D6D8E12}" type="slidenum">
               <a:rPr lang="de-DE" smtClean="0"/>
-              <a:t>35</a:t>
+              <a:t>36</a:t>
             </a:fld>
             <a:endParaRPr lang="de-DE" dirty="0"/>
           </a:p>
@@ -26082,567 +26685,6 @@
     <p:extLst>
       <p:ext uri="{BB962C8B-B14F-4D97-AF65-F5344CB8AC3E}">
         <p14:creationId xmlns:p14="http://schemas.microsoft.com/office/powerpoint/2010/main" val="1313698262"/>
-      </p:ext>
-    </p:extLst>
-  </p:cSld>
-  <p:clrMapOvr>
-    <a:masterClrMapping/>
-  </p:clrMapOvr>
-</p:sld>
-</file>
-
-<file path=ppt/slides/slide36.xml><?xml version="1.0" encoding="utf-8"?>
-<p:sld xmlns:a="http://schemas.openxmlformats.org/drawingml/2006/main" xmlns:r="http://schemas.openxmlformats.org/officeDocument/2006/relationships" xmlns:p="http://schemas.openxmlformats.org/presentationml/2006/main" show="0">
-  <p:cSld>
-    <p:spTree>
-      <p:nvGrpSpPr>
-        <p:cNvPr id="1" name=""/>
-        <p:cNvGrpSpPr/>
-        <p:nvPr/>
-      </p:nvGrpSpPr>
-      <p:grpSpPr>
-        <a:xfrm>
-          <a:off x="0" y="0"/>
-          <a:ext cx="0" cy="0"/>
-          <a:chOff x="0" y="0"/>
-          <a:chExt cx="0" cy="0"/>
-        </a:xfrm>
-      </p:grpSpPr>
-      <p:sp>
-        <p:nvSpPr>
-          <p:cNvPr id="7" name="Textplatzhalter 6"/>
-          <p:cNvSpPr>
-            <a:spLocks noGrp="1"/>
-          </p:cNvSpPr>
-          <p:nvPr>
-            <p:ph type="body" idx="1"/>
-          </p:nvPr>
-        </p:nvSpPr>
-        <p:spPr/>
-        <p:txBody>
-          <a:bodyPr/>
-          <a:lstStyle/>
-          <a:p>
-            <a:r>
-              <a:rPr lang="de-DE" dirty="0" err="1"/>
-              <a:t>Subline</a:t>
-            </a:r>
-            <a:r>
-              <a:rPr lang="de-DE" dirty="0"/>
-              <a:t>: Arial 20pt </a:t>
-            </a:r>
-            <a:r>
-              <a:rPr lang="de-DE" dirty="0" err="1"/>
-              <a:t>bold</a:t>
-            </a:r>
-            <a:endParaRPr lang="de-DE" dirty="0"/>
-          </a:p>
-        </p:txBody>
-      </p:sp>
-      <p:sp>
-        <p:nvSpPr>
-          <p:cNvPr id="8" name="Inhaltsplatzhalter 7"/>
-          <p:cNvSpPr>
-            <a:spLocks noGrp="1"/>
-          </p:cNvSpPr>
-          <p:nvPr>
-            <p:ph sz="half" idx="2"/>
-          </p:nvPr>
-        </p:nvSpPr>
-        <p:spPr/>
-        <p:txBody>
-          <a:bodyPr/>
-          <a:lstStyle/>
-          <a:p>
-            <a:r>
-              <a:rPr lang="de-DE" dirty="0" err="1"/>
-              <a:t>Lorem</a:t>
-            </a:r>
-            <a:r>
-              <a:rPr lang="de-DE" dirty="0"/>
-              <a:t> </a:t>
-            </a:r>
-            <a:r>
-              <a:rPr lang="de-DE" dirty="0" err="1"/>
-              <a:t>ipsum</a:t>
-            </a:r>
-            <a:r>
-              <a:rPr lang="de-DE" dirty="0"/>
-              <a:t> </a:t>
-            </a:r>
-            <a:r>
-              <a:rPr lang="de-DE" dirty="0" err="1"/>
-              <a:t>dolor</a:t>
-            </a:r>
-            <a:r>
-              <a:rPr lang="de-DE" dirty="0"/>
-              <a:t> </a:t>
-            </a:r>
-            <a:r>
-              <a:rPr lang="de-DE" dirty="0" err="1"/>
-              <a:t>sit</a:t>
-            </a:r>
-            <a:r>
-              <a:rPr lang="de-DE" dirty="0"/>
-              <a:t> </a:t>
-            </a:r>
-            <a:r>
-              <a:rPr lang="de-DE" dirty="0" err="1"/>
-              <a:t>amet</a:t>
-            </a:r>
-            <a:r>
-              <a:rPr lang="de-DE" dirty="0"/>
-              <a:t>, </a:t>
-            </a:r>
-            <a:r>
-              <a:rPr lang="de-DE" dirty="0" err="1"/>
-              <a:t>consetetur</a:t>
-            </a:r>
-            <a:r>
-              <a:rPr lang="de-DE" dirty="0"/>
-              <a:t> </a:t>
-            </a:r>
-            <a:r>
-              <a:rPr lang="de-DE" dirty="0" err="1"/>
-              <a:t>sadipscing</a:t>
-            </a:r>
-            <a:r>
-              <a:rPr lang="de-DE" dirty="0"/>
-              <a:t> </a:t>
-            </a:r>
-          </a:p>
-          <a:p>
-            <a:r>
-              <a:rPr lang="de-DE" dirty="0"/>
-              <a:t>…</a:t>
-            </a:r>
-          </a:p>
-          <a:p>
-            <a:pPr lvl="1"/>
-            <a:r>
-              <a:rPr lang="de-DE" dirty="0"/>
-              <a:t>…</a:t>
-            </a:r>
-          </a:p>
-          <a:p>
-            <a:pPr lvl="1"/>
-            <a:r>
-              <a:rPr lang="de-DE" dirty="0"/>
-              <a:t>…</a:t>
-            </a:r>
-          </a:p>
-        </p:txBody>
-      </p:sp>
-      <p:sp>
-        <p:nvSpPr>
-          <p:cNvPr id="9" name="Textplatzhalter 8"/>
-          <p:cNvSpPr>
-            <a:spLocks noGrp="1"/>
-          </p:cNvSpPr>
-          <p:nvPr>
-            <p:ph type="body" sz="quarter" idx="3"/>
-          </p:nvPr>
-        </p:nvSpPr>
-        <p:spPr/>
-        <p:txBody>
-          <a:bodyPr/>
-          <a:lstStyle/>
-          <a:p>
-            <a:r>
-              <a:rPr lang="de-DE" dirty="0" err="1"/>
-              <a:t>Subline</a:t>
-            </a:r>
-            <a:r>
-              <a:rPr lang="de-DE" dirty="0"/>
-              <a:t>: Arial 20pt </a:t>
-            </a:r>
-            <a:r>
-              <a:rPr lang="de-DE" dirty="0" err="1"/>
-              <a:t>bold</a:t>
-            </a:r>
-            <a:endParaRPr lang="de-DE" dirty="0"/>
-          </a:p>
-        </p:txBody>
-      </p:sp>
-      <p:sp>
-        <p:nvSpPr>
-          <p:cNvPr id="10" name="Inhaltsplatzhalter 9"/>
-          <p:cNvSpPr>
-            <a:spLocks noGrp="1"/>
-          </p:cNvSpPr>
-          <p:nvPr>
-            <p:ph sz="quarter" idx="4"/>
-          </p:nvPr>
-        </p:nvSpPr>
-        <p:spPr/>
-        <p:txBody>
-          <a:bodyPr/>
-          <a:lstStyle/>
-          <a:p>
-            <a:pPr marL="0" indent="0">
-              <a:buNone/>
-            </a:pPr>
-            <a:r>
-              <a:rPr lang="de-DE" dirty="0" err="1"/>
-              <a:t>Lorem</a:t>
-            </a:r>
-            <a:r>
-              <a:rPr lang="de-DE" dirty="0"/>
-              <a:t> </a:t>
-            </a:r>
-            <a:r>
-              <a:rPr lang="de-DE" dirty="0" err="1"/>
-              <a:t>ipsum</a:t>
-            </a:r>
-            <a:r>
-              <a:rPr lang="de-DE" dirty="0"/>
-              <a:t> </a:t>
-            </a:r>
-            <a:r>
-              <a:rPr lang="de-DE" dirty="0" err="1"/>
-              <a:t>dolor</a:t>
-            </a:r>
-            <a:r>
-              <a:rPr lang="de-DE" dirty="0"/>
-              <a:t> </a:t>
-            </a:r>
-            <a:r>
-              <a:rPr lang="de-DE" dirty="0" err="1"/>
-              <a:t>sit</a:t>
-            </a:r>
-            <a:r>
-              <a:rPr lang="de-DE" dirty="0"/>
-              <a:t> </a:t>
-            </a:r>
-            <a:r>
-              <a:rPr lang="de-DE" dirty="0" err="1"/>
-              <a:t>amet</a:t>
-            </a:r>
-            <a:r>
-              <a:rPr lang="de-DE" dirty="0"/>
-              <a:t>, </a:t>
-            </a:r>
-            <a:r>
-              <a:rPr lang="de-DE" dirty="0" err="1"/>
-              <a:t>consetetur</a:t>
-            </a:r>
-            <a:r>
-              <a:rPr lang="de-DE" dirty="0"/>
-              <a:t> </a:t>
-            </a:r>
-            <a:r>
-              <a:rPr lang="de-DE" dirty="0" err="1"/>
-              <a:t>sadipscing</a:t>
-            </a:r>
-            <a:r>
-              <a:rPr lang="de-DE" dirty="0"/>
-              <a:t> </a:t>
-            </a:r>
-            <a:r>
-              <a:rPr lang="de-DE" dirty="0" err="1"/>
-              <a:t>elitr</a:t>
-            </a:r>
-            <a:r>
-              <a:rPr lang="de-DE" dirty="0"/>
-              <a:t>, </a:t>
-            </a:r>
-            <a:r>
-              <a:rPr lang="de-DE" dirty="0" err="1"/>
-              <a:t>sed</a:t>
-            </a:r>
-            <a:r>
-              <a:rPr lang="de-DE" dirty="0"/>
-              <a:t> </a:t>
-            </a:r>
-            <a:r>
-              <a:rPr lang="de-DE" dirty="0" err="1"/>
-              <a:t>diam</a:t>
-            </a:r>
-            <a:r>
-              <a:rPr lang="de-DE" dirty="0"/>
-              <a:t> </a:t>
-            </a:r>
-            <a:r>
-              <a:rPr lang="de-DE" dirty="0" err="1"/>
-              <a:t>nonumy</a:t>
-            </a:r>
-            <a:r>
-              <a:rPr lang="de-DE" dirty="0"/>
-              <a:t> </a:t>
-            </a:r>
-            <a:r>
-              <a:rPr lang="de-DE" dirty="0" err="1"/>
-              <a:t>eirmod</a:t>
-            </a:r>
-            <a:r>
-              <a:rPr lang="de-DE" dirty="0"/>
-              <a:t> </a:t>
-            </a:r>
-            <a:r>
-              <a:rPr lang="de-DE" dirty="0" err="1"/>
-              <a:t>tempor</a:t>
-            </a:r>
-            <a:r>
-              <a:rPr lang="de-DE" dirty="0"/>
-              <a:t> </a:t>
-            </a:r>
-            <a:r>
-              <a:rPr lang="de-DE" dirty="0" err="1"/>
-              <a:t>invidunt</a:t>
-            </a:r>
-            <a:r>
-              <a:rPr lang="de-DE" dirty="0"/>
-              <a:t> </a:t>
-            </a:r>
-            <a:r>
-              <a:rPr lang="de-DE" dirty="0" err="1"/>
-              <a:t>ut</a:t>
-            </a:r>
-            <a:r>
-              <a:rPr lang="de-DE" dirty="0"/>
-              <a:t> </a:t>
-            </a:r>
-            <a:r>
-              <a:rPr lang="de-DE" dirty="0" err="1"/>
-              <a:t>labore</a:t>
-            </a:r>
-            <a:r>
-              <a:rPr lang="de-DE" dirty="0"/>
-              <a:t> et </a:t>
-            </a:r>
-            <a:r>
-              <a:rPr lang="de-DE" dirty="0" err="1"/>
-              <a:t>dolore</a:t>
-            </a:r>
-            <a:r>
-              <a:rPr lang="de-DE" dirty="0"/>
-              <a:t> magna </a:t>
-            </a:r>
-            <a:r>
-              <a:rPr lang="de-DE" dirty="0" err="1"/>
-              <a:t>aliquyam</a:t>
-            </a:r>
-            <a:r>
-              <a:rPr lang="de-DE" dirty="0"/>
-              <a:t> </a:t>
-            </a:r>
-            <a:r>
-              <a:rPr lang="de-DE" dirty="0" err="1"/>
-              <a:t>erat</a:t>
-            </a:r>
-            <a:r>
-              <a:rPr lang="de-DE" dirty="0"/>
-              <a:t>, </a:t>
-            </a:r>
-            <a:r>
-              <a:rPr lang="de-DE" dirty="0" err="1"/>
-              <a:t>sed</a:t>
-            </a:r>
-            <a:r>
-              <a:rPr lang="de-DE" dirty="0"/>
-              <a:t> </a:t>
-            </a:r>
-            <a:r>
-              <a:rPr lang="de-DE" dirty="0" err="1"/>
-              <a:t>diam</a:t>
-            </a:r>
-            <a:r>
-              <a:rPr lang="de-DE" dirty="0"/>
-              <a:t> </a:t>
-            </a:r>
-            <a:r>
-              <a:rPr lang="de-DE" dirty="0" err="1"/>
-              <a:t>voluptua</a:t>
-            </a:r>
-            <a:r>
-              <a:rPr lang="de-DE" dirty="0"/>
-              <a:t>. </a:t>
-            </a:r>
-          </a:p>
-          <a:p>
-            <a:pPr marL="0" indent="0">
-              <a:buNone/>
-            </a:pPr>
-            <a:r>
-              <a:rPr lang="de-DE" dirty="0"/>
-              <a:t>At </a:t>
-            </a:r>
-            <a:r>
-              <a:rPr lang="de-DE" dirty="0" err="1"/>
-              <a:t>vero</a:t>
-            </a:r>
-            <a:r>
-              <a:rPr lang="de-DE" dirty="0"/>
-              <a:t> </a:t>
-            </a:r>
-            <a:r>
-              <a:rPr lang="de-DE" dirty="0" err="1"/>
-              <a:t>eos</a:t>
-            </a:r>
-            <a:r>
-              <a:rPr lang="de-DE" dirty="0"/>
-              <a:t> et </a:t>
-            </a:r>
-            <a:r>
-              <a:rPr lang="de-DE" dirty="0" err="1"/>
-              <a:t>accusam</a:t>
-            </a:r>
-            <a:r>
-              <a:rPr lang="de-DE" dirty="0"/>
-              <a:t> et </a:t>
-            </a:r>
-            <a:r>
-              <a:rPr lang="de-DE" dirty="0" err="1"/>
-              <a:t>justo</a:t>
-            </a:r>
-            <a:r>
-              <a:rPr lang="de-DE" dirty="0"/>
-              <a:t> </a:t>
-            </a:r>
-            <a:r>
-              <a:rPr lang="de-DE" dirty="0" err="1"/>
-              <a:t>duo</a:t>
-            </a:r>
-            <a:r>
-              <a:rPr lang="de-DE" dirty="0"/>
-              <a:t> </a:t>
-            </a:r>
-            <a:r>
-              <a:rPr lang="de-DE" dirty="0" err="1"/>
-              <a:t>dolores</a:t>
-            </a:r>
-            <a:r>
-              <a:rPr lang="de-DE" dirty="0"/>
-              <a:t> et </a:t>
-            </a:r>
-            <a:r>
-              <a:rPr lang="de-DE" dirty="0" err="1"/>
-              <a:t>ea</a:t>
-            </a:r>
-            <a:r>
-              <a:rPr lang="de-DE" dirty="0"/>
-              <a:t> </a:t>
-            </a:r>
-            <a:r>
-              <a:rPr lang="de-DE" dirty="0" err="1"/>
-              <a:t>rebum</a:t>
-            </a:r>
-            <a:r>
-              <a:rPr lang="de-DE" dirty="0"/>
-              <a:t>. Stet </a:t>
-            </a:r>
-            <a:r>
-              <a:rPr lang="de-DE" dirty="0" err="1"/>
-              <a:t>clita</a:t>
-            </a:r>
-            <a:r>
-              <a:rPr lang="de-DE" dirty="0"/>
-              <a:t> </a:t>
-            </a:r>
-            <a:r>
-              <a:rPr lang="de-DE" dirty="0" err="1"/>
-              <a:t>kasd</a:t>
-            </a:r>
-            <a:r>
-              <a:rPr lang="de-DE" dirty="0"/>
-              <a:t> </a:t>
-            </a:r>
-            <a:r>
-              <a:rPr lang="de-DE" dirty="0" err="1"/>
-              <a:t>gubergren</a:t>
-            </a:r>
-            <a:r>
-              <a:rPr lang="de-DE" dirty="0"/>
-              <a:t>.</a:t>
-            </a:r>
-          </a:p>
-        </p:txBody>
-      </p:sp>
-      <p:sp>
-        <p:nvSpPr>
-          <p:cNvPr id="3" name="Datumsplatzhalter 2"/>
-          <p:cNvSpPr>
-            <a:spLocks noGrp="1"/>
-          </p:cNvSpPr>
-          <p:nvPr>
-            <p:ph type="dt" sz="half" idx="10"/>
-          </p:nvPr>
-        </p:nvSpPr>
-        <p:spPr/>
-        <p:txBody>
-          <a:bodyPr/>
-          <a:lstStyle/>
-          <a:p>
-            <a:fld id="{0A9BFA6A-9A63-4E2D-92C0-C77BFA750EDB}" type="datetime1">
-              <a:rPr lang="de-DE" noProof="0" smtClean="0"/>
-              <a:t>28.05.2023</a:t>
-            </a:fld>
-            <a:endParaRPr lang="en-US" noProof="0"/>
-          </a:p>
-        </p:txBody>
-      </p:sp>
-      <p:sp>
-        <p:nvSpPr>
-          <p:cNvPr id="4" name="Foliennummernplatzhalter 3"/>
-          <p:cNvSpPr>
-            <a:spLocks noGrp="1"/>
-          </p:cNvSpPr>
-          <p:nvPr>
-            <p:ph type="sldNum" sz="quarter" idx="12"/>
-          </p:nvPr>
-        </p:nvSpPr>
-        <p:spPr/>
-        <p:txBody>
-          <a:bodyPr/>
-          <a:lstStyle/>
-          <a:p>
-            <a:fld id="{61696EC4-B4CF-4701-AD06-A8439D6D8E12}" type="slidenum">
-              <a:rPr lang="en-US" noProof="0" smtClean="0"/>
-              <a:t>36</a:t>
-            </a:fld>
-            <a:endParaRPr lang="en-US" noProof="0"/>
-          </a:p>
-        </p:txBody>
-      </p:sp>
-      <p:sp>
-        <p:nvSpPr>
-          <p:cNvPr id="6" name="Titel 5"/>
-          <p:cNvSpPr>
-            <a:spLocks noGrp="1"/>
-          </p:cNvSpPr>
-          <p:nvPr>
-            <p:ph type="title"/>
-          </p:nvPr>
-        </p:nvSpPr>
-        <p:spPr/>
-        <p:txBody>
-          <a:bodyPr/>
-          <a:lstStyle/>
-          <a:p>
-            <a:r>
-              <a:rPr lang="de-DE" dirty="0"/>
-              <a:t>Sample </a:t>
-            </a:r>
-            <a:r>
-              <a:rPr lang="de-DE" dirty="0" err="1"/>
-              <a:t>headline</a:t>
-            </a:r>
-            <a:r>
-              <a:rPr lang="de-DE" dirty="0"/>
-              <a:t>: Arial 24pt </a:t>
-            </a:r>
-            <a:r>
-              <a:rPr lang="de-DE" dirty="0" err="1"/>
-              <a:t>bold</a:t>
-            </a:r>
-            <a:endParaRPr lang="de-DE" dirty="0"/>
-          </a:p>
-        </p:txBody>
-      </p:sp>
-    </p:spTree>
-    <p:extLst>
-      <p:ext uri="{BB962C8B-B14F-4D97-AF65-F5344CB8AC3E}">
-        <p14:creationId xmlns:p14="http://schemas.microsoft.com/office/powerpoint/2010/main" val="1630946909"/>
       </p:ext>
     </p:extLst>
   </p:cSld>
@@ -26827,6 +26869,300 @@
       </p:sp>
       <p:sp>
         <p:nvSpPr>
+          <p:cNvPr id="10" name="Inhaltsplatzhalter 9"/>
+          <p:cNvSpPr>
+            <a:spLocks noGrp="1"/>
+          </p:cNvSpPr>
+          <p:nvPr>
+            <p:ph sz="quarter" idx="4"/>
+          </p:nvPr>
+        </p:nvSpPr>
+        <p:spPr/>
+        <p:txBody>
+          <a:bodyPr/>
+          <a:lstStyle/>
+          <a:p>
+            <a:pPr marL="0" indent="0">
+              <a:buNone/>
+            </a:pPr>
+            <a:r>
+              <a:rPr lang="de-DE" dirty="0" err="1"/>
+              <a:t>Lorem</a:t>
+            </a:r>
+            <a:r>
+              <a:rPr lang="de-DE" dirty="0"/>
+              <a:t> </a:t>
+            </a:r>
+            <a:r>
+              <a:rPr lang="de-DE" dirty="0" err="1"/>
+              <a:t>ipsum</a:t>
+            </a:r>
+            <a:r>
+              <a:rPr lang="de-DE" dirty="0"/>
+              <a:t> </a:t>
+            </a:r>
+            <a:r>
+              <a:rPr lang="de-DE" dirty="0" err="1"/>
+              <a:t>dolor</a:t>
+            </a:r>
+            <a:r>
+              <a:rPr lang="de-DE" dirty="0"/>
+              <a:t> </a:t>
+            </a:r>
+            <a:r>
+              <a:rPr lang="de-DE" dirty="0" err="1"/>
+              <a:t>sit</a:t>
+            </a:r>
+            <a:r>
+              <a:rPr lang="de-DE" dirty="0"/>
+              <a:t> </a:t>
+            </a:r>
+            <a:r>
+              <a:rPr lang="de-DE" dirty="0" err="1"/>
+              <a:t>amet</a:t>
+            </a:r>
+            <a:r>
+              <a:rPr lang="de-DE" dirty="0"/>
+              <a:t>, </a:t>
+            </a:r>
+            <a:r>
+              <a:rPr lang="de-DE" dirty="0" err="1"/>
+              <a:t>consetetur</a:t>
+            </a:r>
+            <a:r>
+              <a:rPr lang="de-DE" dirty="0"/>
+              <a:t> </a:t>
+            </a:r>
+            <a:r>
+              <a:rPr lang="de-DE" dirty="0" err="1"/>
+              <a:t>sadipscing</a:t>
+            </a:r>
+            <a:r>
+              <a:rPr lang="de-DE" dirty="0"/>
+              <a:t> </a:t>
+            </a:r>
+            <a:r>
+              <a:rPr lang="de-DE" dirty="0" err="1"/>
+              <a:t>elitr</a:t>
+            </a:r>
+            <a:r>
+              <a:rPr lang="de-DE" dirty="0"/>
+              <a:t>, </a:t>
+            </a:r>
+            <a:r>
+              <a:rPr lang="de-DE" dirty="0" err="1"/>
+              <a:t>sed</a:t>
+            </a:r>
+            <a:r>
+              <a:rPr lang="de-DE" dirty="0"/>
+              <a:t> </a:t>
+            </a:r>
+            <a:r>
+              <a:rPr lang="de-DE" dirty="0" err="1"/>
+              <a:t>diam</a:t>
+            </a:r>
+            <a:r>
+              <a:rPr lang="de-DE" dirty="0"/>
+              <a:t> </a:t>
+            </a:r>
+            <a:r>
+              <a:rPr lang="de-DE" dirty="0" err="1"/>
+              <a:t>nonumy</a:t>
+            </a:r>
+            <a:r>
+              <a:rPr lang="de-DE" dirty="0"/>
+              <a:t> </a:t>
+            </a:r>
+            <a:r>
+              <a:rPr lang="de-DE" dirty="0" err="1"/>
+              <a:t>eirmod</a:t>
+            </a:r>
+            <a:r>
+              <a:rPr lang="de-DE" dirty="0"/>
+              <a:t> </a:t>
+            </a:r>
+            <a:r>
+              <a:rPr lang="de-DE" dirty="0" err="1"/>
+              <a:t>tempor</a:t>
+            </a:r>
+            <a:r>
+              <a:rPr lang="de-DE" dirty="0"/>
+              <a:t> </a:t>
+            </a:r>
+            <a:r>
+              <a:rPr lang="de-DE" dirty="0" err="1"/>
+              <a:t>invidunt</a:t>
+            </a:r>
+            <a:r>
+              <a:rPr lang="de-DE" dirty="0"/>
+              <a:t> </a:t>
+            </a:r>
+            <a:r>
+              <a:rPr lang="de-DE" dirty="0" err="1"/>
+              <a:t>ut</a:t>
+            </a:r>
+            <a:r>
+              <a:rPr lang="de-DE" dirty="0"/>
+              <a:t> </a:t>
+            </a:r>
+            <a:r>
+              <a:rPr lang="de-DE" dirty="0" err="1"/>
+              <a:t>labore</a:t>
+            </a:r>
+            <a:r>
+              <a:rPr lang="de-DE" dirty="0"/>
+              <a:t> et </a:t>
+            </a:r>
+            <a:r>
+              <a:rPr lang="de-DE" dirty="0" err="1"/>
+              <a:t>dolore</a:t>
+            </a:r>
+            <a:r>
+              <a:rPr lang="de-DE" dirty="0"/>
+              <a:t> magna </a:t>
+            </a:r>
+            <a:r>
+              <a:rPr lang="de-DE" dirty="0" err="1"/>
+              <a:t>aliquyam</a:t>
+            </a:r>
+            <a:r>
+              <a:rPr lang="de-DE" dirty="0"/>
+              <a:t> </a:t>
+            </a:r>
+            <a:r>
+              <a:rPr lang="de-DE" dirty="0" err="1"/>
+              <a:t>erat</a:t>
+            </a:r>
+            <a:r>
+              <a:rPr lang="de-DE" dirty="0"/>
+              <a:t>, </a:t>
+            </a:r>
+            <a:r>
+              <a:rPr lang="de-DE" dirty="0" err="1"/>
+              <a:t>sed</a:t>
+            </a:r>
+            <a:r>
+              <a:rPr lang="de-DE" dirty="0"/>
+              <a:t> </a:t>
+            </a:r>
+            <a:r>
+              <a:rPr lang="de-DE" dirty="0" err="1"/>
+              <a:t>diam</a:t>
+            </a:r>
+            <a:r>
+              <a:rPr lang="de-DE" dirty="0"/>
+              <a:t> </a:t>
+            </a:r>
+            <a:r>
+              <a:rPr lang="de-DE" dirty="0" err="1"/>
+              <a:t>voluptua</a:t>
+            </a:r>
+            <a:r>
+              <a:rPr lang="de-DE" dirty="0"/>
+              <a:t>. </a:t>
+            </a:r>
+          </a:p>
+          <a:p>
+            <a:pPr marL="0" indent="0">
+              <a:buNone/>
+            </a:pPr>
+            <a:r>
+              <a:rPr lang="de-DE" dirty="0"/>
+              <a:t>At </a:t>
+            </a:r>
+            <a:r>
+              <a:rPr lang="de-DE" dirty="0" err="1"/>
+              <a:t>vero</a:t>
+            </a:r>
+            <a:r>
+              <a:rPr lang="de-DE" dirty="0"/>
+              <a:t> </a:t>
+            </a:r>
+            <a:r>
+              <a:rPr lang="de-DE" dirty="0" err="1"/>
+              <a:t>eos</a:t>
+            </a:r>
+            <a:r>
+              <a:rPr lang="de-DE" dirty="0"/>
+              <a:t> et </a:t>
+            </a:r>
+            <a:r>
+              <a:rPr lang="de-DE" dirty="0" err="1"/>
+              <a:t>accusam</a:t>
+            </a:r>
+            <a:r>
+              <a:rPr lang="de-DE" dirty="0"/>
+              <a:t> et </a:t>
+            </a:r>
+            <a:r>
+              <a:rPr lang="de-DE" dirty="0" err="1"/>
+              <a:t>justo</a:t>
+            </a:r>
+            <a:r>
+              <a:rPr lang="de-DE" dirty="0"/>
+              <a:t> </a:t>
+            </a:r>
+            <a:r>
+              <a:rPr lang="de-DE" dirty="0" err="1"/>
+              <a:t>duo</a:t>
+            </a:r>
+            <a:r>
+              <a:rPr lang="de-DE" dirty="0"/>
+              <a:t> </a:t>
+            </a:r>
+            <a:r>
+              <a:rPr lang="de-DE" dirty="0" err="1"/>
+              <a:t>dolores</a:t>
+            </a:r>
+            <a:r>
+              <a:rPr lang="de-DE" dirty="0"/>
+              <a:t> et </a:t>
+            </a:r>
+            <a:r>
+              <a:rPr lang="de-DE" dirty="0" err="1"/>
+              <a:t>ea</a:t>
+            </a:r>
+            <a:r>
+              <a:rPr lang="de-DE" dirty="0"/>
+              <a:t> </a:t>
+            </a:r>
+            <a:r>
+              <a:rPr lang="de-DE" dirty="0" err="1"/>
+              <a:t>rebum</a:t>
+            </a:r>
+            <a:r>
+              <a:rPr lang="de-DE" dirty="0"/>
+              <a:t>. Stet </a:t>
+            </a:r>
+            <a:r>
+              <a:rPr lang="de-DE" dirty="0" err="1"/>
+              <a:t>clita</a:t>
+            </a:r>
+            <a:r>
+              <a:rPr lang="de-DE" dirty="0"/>
+              <a:t> </a:t>
+            </a:r>
+            <a:r>
+              <a:rPr lang="de-DE" dirty="0" err="1"/>
+              <a:t>kasd</a:t>
+            </a:r>
+            <a:r>
+              <a:rPr lang="de-DE" dirty="0"/>
+              <a:t> </a:t>
+            </a:r>
+            <a:r>
+              <a:rPr lang="de-DE" dirty="0" err="1"/>
+              <a:t>gubergren</a:t>
+            </a:r>
+            <a:r>
+              <a:rPr lang="de-DE" dirty="0"/>
+              <a:t>.</a:t>
+            </a:r>
+          </a:p>
+        </p:txBody>
+      </p:sp>
+      <p:sp>
+        <p:nvSpPr>
           <p:cNvPr id="3" name="Datumsplatzhalter 2"/>
           <p:cNvSpPr>
             <a:spLocks noGrp="1"/>
@@ -26842,7 +27178,7 @@
           <a:p>
             <a:fld id="{0A9BFA6A-9A63-4E2D-92C0-C77BFA750EDB}" type="datetime1">
               <a:rPr lang="de-DE" noProof="0" smtClean="0"/>
-              <a:t>28.05.2023</a:t>
+              <a:t>29.05.2023</a:t>
             </a:fld>
             <a:endParaRPr lang="en-US" noProof="0"/>
           </a:p>
@@ -26866,6 +27202,273 @@
             <a:fld id="{61696EC4-B4CF-4701-AD06-A8439D6D8E12}" type="slidenum">
               <a:rPr lang="en-US" noProof="0" smtClean="0"/>
               <a:t>37</a:t>
+            </a:fld>
+            <a:endParaRPr lang="en-US" noProof="0"/>
+          </a:p>
+        </p:txBody>
+      </p:sp>
+      <p:sp>
+        <p:nvSpPr>
+          <p:cNvPr id="6" name="Titel 5"/>
+          <p:cNvSpPr>
+            <a:spLocks noGrp="1"/>
+          </p:cNvSpPr>
+          <p:nvPr>
+            <p:ph type="title"/>
+          </p:nvPr>
+        </p:nvSpPr>
+        <p:spPr/>
+        <p:txBody>
+          <a:bodyPr/>
+          <a:lstStyle/>
+          <a:p>
+            <a:r>
+              <a:rPr lang="de-DE" dirty="0"/>
+              <a:t>Sample </a:t>
+            </a:r>
+            <a:r>
+              <a:rPr lang="de-DE" dirty="0" err="1"/>
+              <a:t>headline</a:t>
+            </a:r>
+            <a:r>
+              <a:rPr lang="de-DE" dirty="0"/>
+              <a:t>: Arial 24pt </a:t>
+            </a:r>
+            <a:r>
+              <a:rPr lang="de-DE" dirty="0" err="1"/>
+              <a:t>bold</a:t>
+            </a:r>
+            <a:endParaRPr lang="de-DE" dirty="0"/>
+          </a:p>
+        </p:txBody>
+      </p:sp>
+    </p:spTree>
+    <p:extLst>
+      <p:ext uri="{BB962C8B-B14F-4D97-AF65-F5344CB8AC3E}">
+        <p14:creationId xmlns:p14="http://schemas.microsoft.com/office/powerpoint/2010/main" val="1630946909"/>
+      </p:ext>
+    </p:extLst>
+  </p:cSld>
+  <p:clrMapOvr>
+    <a:masterClrMapping/>
+  </p:clrMapOvr>
+</p:sld>
+</file>
+
+<file path=ppt/slides/slide38.xml><?xml version="1.0" encoding="utf-8"?>
+<p:sld xmlns:a="http://schemas.openxmlformats.org/drawingml/2006/main" xmlns:r="http://schemas.openxmlformats.org/officeDocument/2006/relationships" xmlns:p="http://schemas.openxmlformats.org/presentationml/2006/main" show="0">
+  <p:cSld>
+    <p:spTree>
+      <p:nvGrpSpPr>
+        <p:cNvPr id="1" name=""/>
+        <p:cNvGrpSpPr/>
+        <p:nvPr/>
+      </p:nvGrpSpPr>
+      <p:grpSpPr>
+        <a:xfrm>
+          <a:off x="0" y="0"/>
+          <a:ext cx="0" cy="0"/>
+          <a:chOff x="0" y="0"/>
+          <a:chExt cx="0" cy="0"/>
+        </a:xfrm>
+      </p:grpSpPr>
+      <p:sp>
+        <p:nvSpPr>
+          <p:cNvPr id="7" name="Textplatzhalter 6"/>
+          <p:cNvSpPr>
+            <a:spLocks noGrp="1"/>
+          </p:cNvSpPr>
+          <p:nvPr>
+            <p:ph type="body" idx="1"/>
+          </p:nvPr>
+        </p:nvSpPr>
+        <p:spPr/>
+        <p:txBody>
+          <a:bodyPr/>
+          <a:lstStyle/>
+          <a:p>
+            <a:r>
+              <a:rPr lang="de-DE" dirty="0" err="1"/>
+              <a:t>Subline</a:t>
+            </a:r>
+            <a:r>
+              <a:rPr lang="de-DE" dirty="0"/>
+              <a:t>: Arial 20pt </a:t>
+            </a:r>
+            <a:r>
+              <a:rPr lang="de-DE" dirty="0" err="1"/>
+              <a:t>bold</a:t>
+            </a:r>
+            <a:endParaRPr lang="de-DE" dirty="0"/>
+          </a:p>
+        </p:txBody>
+      </p:sp>
+      <p:sp>
+        <p:nvSpPr>
+          <p:cNvPr id="8" name="Inhaltsplatzhalter 7"/>
+          <p:cNvSpPr>
+            <a:spLocks noGrp="1"/>
+          </p:cNvSpPr>
+          <p:nvPr>
+            <p:ph sz="half" idx="2"/>
+          </p:nvPr>
+        </p:nvSpPr>
+        <p:spPr/>
+        <p:txBody>
+          <a:bodyPr/>
+          <a:lstStyle/>
+          <a:p>
+            <a:r>
+              <a:rPr lang="de-DE" dirty="0" err="1"/>
+              <a:t>Lorem</a:t>
+            </a:r>
+            <a:r>
+              <a:rPr lang="de-DE" dirty="0"/>
+              <a:t> </a:t>
+            </a:r>
+            <a:r>
+              <a:rPr lang="de-DE" dirty="0" err="1"/>
+              <a:t>ipsum</a:t>
+            </a:r>
+            <a:r>
+              <a:rPr lang="de-DE" dirty="0"/>
+              <a:t> </a:t>
+            </a:r>
+            <a:r>
+              <a:rPr lang="de-DE" dirty="0" err="1"/>
+              <a:t>dolor</a:t>
+            </a:r>
+            <a:r>
+              <a:rPr lang="de-DE" dirty="0"/>
+              <a:t> </a:t>
+            </a:r>
+            <a:r>
+              <a:rPr lang="de-DE" dirty="0" err="1"/>
+              <a:t>sit</a:t>
+            </a:r>
+            <a:r>
+              <a:rPr lang="de-DE" dirty="0"/>
+              <a:t> </a:t>
+            </a:r>
+            <a:r>
+              <a:rPr lang="de-DE" dirty="0" err="1"/>
+              <a:t>amet</a:t>
+            </a:r>
+            <a:r>
+              <a:rPr lang="de-DE" dirty="0"/>
+              <a:t>, </a:t>
+            </a:r>
+            <a:r>
+              <a:rPr lang="de-DE" dirty="0" err="1"/>
+              <a:t>consetetur</a:t>
+            </a:r>
+            <a:r>
+              <a:rPr lang="de-DE" dirty="0"/>
+              <a:t> </a:t>
+            </a:r>
+            <a:r>
+              <a:rPr lang="de-DE" dirty="0" err="1"/>
+              <a:t>sadipscing</a:t>
+            </a:r>
+            <a:r>
+              <a:rPr lang="de-DE" dirty="0"/>
+              <a:t> </a:t>
+            </a:r>
+          </a:p>
+          <a:p>
+            <a:r>
+              <a:rPr lang="de-DE" dirty="0"/>
+              <a:t>…</a:t>
+            </a:r>
+          </a:p>
+          <a:p>
+            <a:pPr lvl="1"/>
+            <a:r>
+              <a:rPr lang="de-DE" dirty="0"/>
+              <a:t>…</a:t>
+            </a:r>
+          </a:p>
+          <a:p>
+            <a:pPr lvl="1"/>
+            <a:r>
+              <a:rPr lang="de-DE" dirty="0"/>
+              <a:t>…</a:t>
+            </a:r>
+          </a:p>
+        </p:txBody>
+      </p:sp>
+      <p:sp>
+        <p:nvSpPr>
+          <p:cNvPr id="9" name="Textplatzhalter 8"/>
+          <p:cNvSpPr>
+            <a:spLocks noGrp="1"/>
+          </p:cNvSpPr>
+          <p:nvPr>
+            <p:ph type="body" sz="quarter" idx="3"/>
+          </p:nvPr>
+        </p:nvSpPr>
+        <p:spPr/>
+        <p:txBody>
+          <a:bodyPr/>
+          <a:lstStyle/>
+          <a:p>
+            <a:r>
+              <a:rPr lang="de-DE" dirty="0" err="1"/>
+              <a:t>Subline</a:t>
+            </a:r>
+            <a:r>
+              <a:rPr lang="de-DE" dirty="0"/>
+              <a:t>: Arial 20pt </a:t>
+            </a:r>
+            <a:r>
+              <a:rPr lang="de-DE" dirty="0" err="1"/>
+              <a:t>bold</a:t>
+            </a:r>
+            <a:endParaRPr lang="de-DE" dirty="0"/>
+          </a:p>
+        </p:txBody>
+      </p:sp>
+      <p:sp>
+        <p:nvSpPr>
+          <p:cNvPr id="3" name="Datumsplatzhalter 2"/>
+          <p:cNvSpPr>
+            <a:spLocks noGrp="1"/>
+          </p:cNvSpPr>
+          <p:nvPr>
+            <p:ph type="dt" sz="half" idx="10"/>
+          </p:nvPr>
+        </p:nvSpPr>
+        <p:spPr/>
+        <p:txBody>
+          <a:bodyPr/>
+          <a:lstStyle/>
+          <a:p>
+            <a:fld id="{0A9BFA6A-9A63-4E2D-92C0-C77BFA750EDB}" type="datetime1">
+              <a:rPr lang="de-DE" noProof="0" smtClean="0"/>
+              <a:t>29.05.2023</a:t>
+            </a:fld>
+            <a:endParaRPr lang="en-US" noProof="0"/>
+          </a:p>
+        </p:txBody>
+      </p:sp>
+      <p:sp>
+        <p:nvSpPr>
+          <p:cNvPr id="4" name="Foliennummernplatzhalter 3"/>
+          <p:cNvSpPr>
+            <a:spLocks noGrp="1"/>
+          </p:cNvSpPr>
+          <p:nvPr>
+            <p:ph type="sldNum" sz="quarter" idx="12"/>
+          </p:nvPr>
+        </p:nvSpPr>
+        <p:spPr/>
+        <p:txBody>
+          <a:bodyPr/>
+          <a:lstStyle/>
+          <a:p>
+            <a:fld id="{61696EC4-B4CF-4701-AD06-A8439D6D8E12}" type="slidenum">
+              <a:rPr lang="en-US" noProof="0" smtClean="0"/>
+              <a:t>38</a:t>
             </a:fld>
             <a:endParaRPr lang="en-US" noProof="0"/>
           </a:p>
@@ -26933,142 +27536,6 @@
     <p:extLst>
       <p:ext uri="{BB962C8B-B14F-4D97-AF65-F5344CB8AC3E}">
         <p14:creationId xmlns:p14="http://schemas.microsoft.com/office/powerpoint/2010/main" val="1816102792"/>
-      </p:ext>
-    </p:extLst>
-  </p:cSld>
-  <p:clrMapOvr>
-    <a:masterClrMapping/>
-  </p:clrMapOvr>
-</p:sld>
-</file>
-
-<file path=ppt/slides/slide38.xml><?xml version="1.0" encoding="utf-8"?>
-<p:sld xmlns:a="http://schemas.openxmlformats.org/drawingml/2006/main" xmlns:r="http://schemas.openxmlformats.org/officeDocument/2006/relationships" xmlns:p="http://schemas.openxmlformats.org/presentationml/2006/main" show="0">
-  <p:cSld>
-    <p:spTree>
-      <p:nvGrpSpPr>
-        <p:cNvPr id="1" name=""/>
-        <p:cNvGrpSpPr/>
-        <p:nvPr/>
-      </p:nvGrpSpPr>
-      <p:grpSpPr>
-        <a:xfrm>
-          <a:off x="0" y="0"/>
-          <a:ext cx="0" cy="0"/>
-          <a:chOff x="0" y="0"/>
-          <a:chExt cx="0" cy="0"/>
-        </a:xfrm>
-      </p:grpSpPr>
-      <p:sp>
-        <p:nvSpPr>
-          <p:cNvPr id="3" name="Datumsplatzhalter 2"/>
-          <p:cNvSpPr>
-            <a:spLocks noGrp="1"/>
-          </p:cNvSpPr>
-          <p:nvPr>
-            <p:ph type="dt" sz="half" idx="10"/>
-          </p:nvPr>
-        </p:nvSpPr>
-        <p:spPr/>
-        <p:txBody>
-          <a:bodyPr/>
-          <a:lstStyle/>
-          <a:p>
-            <a:fld id="{0A9BFA6A-9A63-4E2D-92C0-C77BFA750EDB}" type="datetime1">
-              <a:rPr lang="de-DE" noProof="0" smtClean="0"/>
-              <a:t>28.05.2023</a:t>
-            </a:fld>
-            <a:endParaRPr lang="en-US" noProof="0"/>
-          </a:p>
-        </p:txBody>
-      </p:sp>
-      <p:sp>
-        <p:nvSpPr>
-          <p:cNvPr id="4" name="Foliennummernplatzhalter 3"/>
-          <p:cNvSpPr>
-            <a:spLocks noGrp="1"/>
-          </p:cNvSpPr>
-          <p:nvPr>
-            <p:ph type="sldNum" sz="quarter" idx="12"/>
-          </p:nvPr>
-        </p:nvSpPr>
-        <p:spPr/>
-        <p:txBody>
-          <a:bodyPr/>
-          <a:lstStyle/>
-          <a:p>
-            <a:fld id="{61696EC4-B4CF-4701-AD06-A8439D6D8E12}" type="slidenum">
-              <a:rPr lang="en-US" noProof="0" smtClean="0"/>
-              <a:t>38</a:t>
-            </a:fld>
-            <a:endParaRPr lang="en-US" noProof="0"/>
-          </a:p>
-        </p:txBody>
-      </p:sp>
-      <p:sp>
-        <p:nvSpPr>
-          <p:cNvPr id="6" name="Titel 5"/>
-          <p:cNvSpPr>
-            <a:spLocks noGrp="1"/>
-          </p:cNvSpPr>
-          <p:nvPr>
-            <p:ph type="title"/>
-          </p:nvPr>
-        </p:nvSpPr>
-        <p:spPr/>
-        <p:txBody>
-          <a:bodyPr/>
-          <a:lstStyle/>
-          <a:p>
-            <a:r>
-              <a:rPr lang="de-DE" dirty="0"/>
-              <a:t>Sample </a:t>
-            </a:r>
-            <a:r>
-              <a:rPr lang="de-DE" dirty="0" err="1"/>
-              <a:t>headline</a:t>
-            </a:r>
-            <a:r>
-              <a:rPr lang="de-DE" dirty="0"/>
-              <a:t>: Arial 24pt </a:t>
-            </a:r>
-            <a:r>
-              <a:rPr lang="de-DE" dirty="0" err="1"/>
-              <a:t>bold</a:t>
-            </a:r>
-            <a:endParaRPr lang="de-DE" dirty="0"/>
-          </a:p>
-        </p:txBody>
-      </p:sp>
-      <p:pic>
-        <p:nvPicPr>
-          <p:cNvPr id="8" name="Bildplatzhalter 7"/>
-          <p:cNvPicPr>
-            <a:picLocks noGrp="1" noChangeAspect="1"/>
-          </p:cNvPicPr>
-          <p:nvPr>
-            <p:ph type="pic" sz="quarter" idx="14"/>
-          </p:nvPr>
-        </p:nvPicPr>
-        <p:blipFill>
-          <a:blip r:embed="rId2">
-            <a:extLst>
-              <a:ext uri="{28A0092B-C50C-407E-A947-70E740481C1C}">
-                <a14:useLocalDpi xmlns:a14="http://schemas.microsoft.com/office/drawing/2010/main" val="0"/>
-              </a:ext>
-            </a:extLst>
-          </a:blip>
-          <a:srcRect t="452" b="452"/>
-          <a:stretch>
-            <a:fillRect/>
-          </a:stretch>
-        </p:blipFill>
-        <p:spPr/>
-      </p:pic>
-    </p:spTree>
-    <p:extLst>
-      <p:ext uri="{BB962C8B-B14F-4D97-AF65-F5344CB8AC3E}">
-        <p14:creationId xmlns:p14="http://schemas.microsoft.com/office/powerpoint/2010/main" val="17267744"/>
       </p:ext>
     </p:extLst>
   </p:cSld>
@@ -27112,7 +27579,7 @@
           <a:p>
             <a:fld id="{0A9BFA6A-9A63-4E2D-92C0-C77BFA750EDB}" type="datetime1">
               <a:rPr lang="de-DE" noProof="0" smtClean="0"/>
-              <a:t>28.05.2023</a:t>
+              <a:t>29.05.2023</a:t>
             </a:fld>
             <a:endParaRPr lang="en-US" noProof="0"/>
           </a:p>
@@ -27194,7 +27661,7 @@
               </a:ext>
             </a:extLst>
           </a:blip>
-          <a:srcRect l="1253" r="1253"/>
+          <a:srcRect t="452" b="452"/>
           <a:stretch>
             <a:fillRect/>
           </a:stretch>
@@ -27204,7 +27671,7 @@
     </p:spTree>
     <p:extLst>
       <p:ext uri="{BB962C8B-B14F-4D97-AF65-F5344CB8AC3E}">
-        <p14:creationId xmlns:p14="http://schemas.microsoft.com/office/powerpoint/2010/main" val="1572928253"/>
+        <p14:creationId xmlns:p14="http://schemas.microsoft.com/office/powerpoint/2010/main" val="17267744"/>
       </p:ext>
     </p:extLst>
   </p:cSld>
@@ -27319,7 +27786,7 @@
           <a:p>
             <a:fld id="{C7355B21-B324-434D-ABB6-684CB6180B39}" type="datetime1">
               <a:rPr lang="de-DE" smtClean="0"/>
-              <a:t>28.05.2023</a:t>
+              <a:t>29.05.2023</a:t>
             </a:fld>
             <a:endParaRPr lang="de-DE"/>
           </a:p>
@@ -27831,14 +28298,150 @@
   <p:clrMapOvr>
     <a:masterClrMapping/>
   </p:clrMapOvr>
-  <mc:AlternateContent xmlns:mc="http://schemas.openxmlformats.org/markup-compatibility/2006">
-    <mc:Choice xmlns:p14="http://schemas.microsoft.com/office/powerpoint/2010/main" Requires="p14">
+  <mc:AlternateContent xmlns:mc="http://schemas.openxmlformats.org/markup-compatibility/2006" xmlns:p14="http://schemas.microsoft.com/office/powerpoint/2010/main">
+    <mc:Choice Requires="p14">
       <p:transition spd="slow" p14:dur="2000" advTm="85783"/>
     </mc:Choice>
-    <mc:Fallback>
+    <mc:Fallback xmlns="">
       <p:transition spd="slow" advTm="85783"/>
     </mc:Fallback>
   </mc:AlternateContent>
+</p:sld>
+</file>
+
+<file path=ppt/slides/slide40.xml><?xml version="1.0" encoding="utf-8"?>
+<p:sld xmlns:a="http://schemas.openxmlformats.org/drawingml/2006/main" xmlns:r="http://schemas.openxmlformats.org/officeDocument/2006/relationships" xmlns:p="http://schemas.openxmlformats.org/presentationml/2006/main" show="0">
+  <p:cSld>
+    <p:spTree>
+      <p:nvGrpSpPr>
+        <p:cNvPr id="1" name=""/>
+        <p:cNvGrpSpPr/>
+        <p:nvPr/>
+      </p:nvGrpSpPr>
+      <p:grpSpPr>
+        <a:xfrm>
+          <a:off x="0" y="0"/>
+          <a:ext cx="0" cy="0"/>
+          <a:chOff x="0" y="0"/>
+          <a:chExt cx="0" cy="0"/>
+        </a:xfrm>
+      </p:grpSpPr>
+      <p:sp>
+        <p:nvSpPr>
+          <p:cNvPr id="3" name="Datumsplatzhalter 2"/>
+          <p:cNvSpPr>
+            <a:spLocks noGrp="1"/>
+          </p:cNvSpPr>
+          <p:nvPr>
+            <p:ph type="dt" sz="half" idx="10"/>
+          </p:nvPr>
+        </p:nvSpPr>
+        <p:spPr/>
+        <p:txBody>
+          <a:bodyPr/>
+          <a:lstStyle/>
+          <a:p>
+            <a:fld id="{0A9BFA6A-9A63-4E2D-92C0-C77BFA750EDB}" type="datetime1">
+              <a:rPr lang="de-DE" noProof="0" smtClean="0"/>
+              <a:t>29.05.2023</a:t>
+            </a:fld>
+            <a:endParaRPr lang="en-US" noProof="0"/>
+          </a:p>
+        </p:txBody>
+      </p:sp>
+      <p:sp>
+        <p:nvSpPr>
+          <p:cNvPr id="4" name="Foliennummernplatzhalter 3"/>
+          <p:cNvSpPr>
+            <a:spLocks noGrp="1"/>
+          </p:cNvSpPr>
+          <p:nvPr>
+            <p:ph type="sldNum" sz="quarter" idx="12"/>
+          </p:nvPr>
+        </p:nvSpPr>
+        <p:spPr/>
+        <p:txBody>
+          <a:bodyPr/>
+          <a:lstStyle/>
+          <a:p>
+            <a:fld id="{61696EC4-B4CF-4701-AD06-A8439D6D8E12}" type="slidenum">
+              <a:rPr lang="en-US" noProof="0" smtClean="0"/>
+              <a:t>40</a:t>
+            </a:fld>
+            <a:endParaRPr lang="en-US" noProof="0"/>
+          </a:p>
+        </p:txBody>
+      </p:sp>
+      <p:sp>
+        <p:nvSpPr>
+          <p:cNvPr id="6" name="Titel 5"/>
+          <p:cNvSpPr>
+            <a:spLocks noGrp="1"/>
+          </p:cNvSpPr>
+          <p:nvPr>
+            <p:ph type="title"/>
+          </p:nvPr>
+        </p:nvSpPr>
+        <p:spPr/>
+        <p:txBody>
+          <a:bodyPr/>
+          <a:lstStyle/>
+          <a:p>
+            <a:r>
+              <a:rPr lang="de-DE" dirty="0"/>
+              <a:t>Sample </a:t>
+            </a:r>
+            <a:r>
+              <a:rPr lang="de-DE" dirty="0" err="1"/>
+              <a:t>headline</a:t>
+            </a:r>
+            <a:r>
+              <a:rPr lang="de-DE" dirty="0"/>
+              <a:t>: Arial 24pt </a:t>
+            </a:r>
+            <a:r>
+              <a:rPr lang="de-DE" dirty="0" err="1"/>
+              <a:t>bold</a:t>
+            </a:r>
+            <a:endParaRPr lang="de-DE" dirty="0"/>
+          </a:p>
+        </p:txBody>
+      </p:sp>
+      <p:pic>
+        <p:nvPicPr>
+          <p:cNvPr id="8" name="Bildplatzhalter 7"/>
+          <p:cNvPicPr>
+            <a:picLocks noGrp="1" noChangeAspect="1"/>
+          </p:cNvPicPr>
+          <p:nvPr>
+            <p:ph type="pic" sz="quarter" idx="14"/>
+          </p:nvPr>
+        </p:nvPicPr>
+        <p:blipFill>
+          <a:blip r:embed="rId2">
+            <a:extLst>
+              <a:ext uri="{28A0092B-C50C-407E-A947-70E740481C1C}">
+                <a14:useLocalDpi xmlns:a14="http://schemas.microsoft.com/office/drawing/2010/main" val="0"/>
+              </a:ext>
+            </a:extLst>
+          </a:blip>
+          <a:srcRect l="1253" r="1253"/>
+          <a:stretch>
+            <a:fillRect/>
+          </a:stretch>
+        </p:blipFill>
+        <p:spPr/>
+      </p:pic>
+    </p:spTree>
+    <p:extLst>
+      <p:ext uri="{BB962C8B-B14F-4D97-AF65-F5344CB8AC3E}">
+        <p14:creationId xmlns:p14="http://schemas.microsoft.com/office/powerpoint/2010/main" val="1572928253"/>
+      </p:ext>
+    </p:extLst>
+  </p:cSld>
+  <p:clrMapOvr>
+    <a:masterClrMapping/>
+  </p:clrMapOvr>
 </p:sld>
 </file>
 
@@ -27982,7 +28585,7 @@
           <a:p>
             <a:fld id="{C7355B21-B324-434D-ABB6-684CB6180B39}" type="datetime1">
               <a:rPr lang="de-DE" smtClean="0"/>
-              <a:t>28.05.2023</a:t>
+              <a:t>29.05.2023</a:t>
             </a:fld>
             <a:endParaRPr lang="de-DE"/>
           </a:p>
@@ -28500,11 +29103,11 @@
   <p:clrMapOvr>
     <a:masterClrMapping/>
   </p:clrMapOvr>
-  <mc:AlternateContent xmlns:mc="http://schemas.openxmlformats.org/markup-compatibility/2006">
-    <mc:Choice xmlns:p14="http://schemas.microsoft.com/office/powerpoint/2010/main" Requires="p14">
+  <mc:AlternateContent xmlns:mc="http://schemas.openxmlformats.org/markup-compatibility/2006" xmlns:p14="http://schemas.microsoft.com/office/powerpoint/2010/main">
+    <mc:Choice Requires="p14">
       <p:transition spd="slow" p14:dur="2000" advTm="85783"/>
     </mc:Choice>
-    <mc:Fallback>
+    <mc:Fallback xmlns="">
       <p:transition spd="slow" advTm="85783"/>
     </mc:Fallback>
   </mc:AlternateContent>
@@ -28651,7 +29254,7 @@
           <a:p>
             <a:fld id="{C7355B21-B324-434D-ABB6-684CB6180B39}" type="datetime1">
               <a:rPr lang="de-DE" smtClean="0"/>
-              <a:t>28.05.2023</a:t>
+              <a:t>29.05.2023</a:t>
             </a:fld>
             <a:endParaRPr lang="de-DE"/>
           </a:p>
@@ -29272,11 +29875,11 @@
   <p:clrMapOvr>
     <a:masterClrMapping/>
   </p:clrMapOvr>
-  <mc:AlternateContent xmlns:mc="http://schemas.openxmlformats.org/markup-compatibility/2006">
-    <mc:Choice xmlns:p14="http://schemas.microsoft.com/office/powerpoint/2010/main" Requires="p14">
+  <mc:AlternateContent xmlns:mc="http://schemas.openxmlformats.org/markup-compatibility/2006" xmlns:p14="http://schemas.microsoft.com/office/powerpoint/2010/main">
+    <mc:Choice Requires="p14">
       <p:transition spd="slow" p14:dur="2000" advTm="85783"/>
     </mc:Choice>
-    <mc:Fallback>
+    <mc:Fallback xmlns="">
       <p:transition spd="slow" advTm="85783"/>
     </mc:Fallback>
   </mc:AlternateContent>
@@ -29317,7 +29920,7 @@
           <a:p>
             <a:fld id="{C7355B21-B324-434D-ABB6-684CB6180B39}" type="datetime1">
               <a:rPr lang="de-DE" smtClean="0"/>
-              <a:t>28.05.2023</a:t>
+              <a:t>29.05.2023</a:t>
             </a:fld>
             <a:endParaRPr lang="de-DE"/>
           </a:p>
@@ -29646,8 +30249,8 @@
             </a:fontRef>
           </p:style>
         </p:cxnSp>
-        <mc:AlternateContent xmlns:mc="http://schemas.openxmlformats.org/markup-compatibility/2006">
-          <mc:Choice xmlns:a14="http://schemas.microsoft.com/office/drawing/2010/main" Requires="a14">
+        <mc:AlternateContent xmlns:mc="http://schemas.openxmlformats.org/markup-compatibility/2006" xmlns:a14="http://schemas.microsoft.com/office/drawing/2010/main">
+          <mc:Choice Requires="a14">
             <p:sp>
               <p:nvSpPr>
                 <p:cNvPr id="32" name="Textfeld 31">
@@ -29676,6 +30279,7 @@
                 </a:bodyPr>
                 <a:lstStyle/>
                 <a:p>
+                  <a:pPr/>
                   <a14:m>
                     <m:oMathPara xmlns:m="http://schemas.openxmlformats.org/officeDocument/2006/math">
                       <m:oMathParaPr>
@@ -29685,7 +30289,7 @@
                         <m:sSup>
                           <m:sSupPr>
                             <m:ctrlPr>
-                              <a:rPr lang="de-DE" b="1" i="0" smtClean="0">
+                              <a:rPr lang="de-DE" b="1" i="1" smtClean="0">
                                 <a:latin typeface="Cambria Math" panose="02040503050406030204" pitchFamily="18" charset="0"/>
                               </a:rPr>
                             </m:ctrlPr>
@@ -29715,7 +30319,7 @@
               </p:txBody>
             </p:sp>
           </mc:Choice>
-          <mc:Fallback>
+          <mc:Fallback xmlns="">
             <p:sp>
               <p:nvSpPr>
                 <p:cNvPr id="32" name="Textfeld 31">
@@ -29761,8 +30365,8 @@
           </mc:Fallback>
         </mc:AlternateContent>
       </p:grpSp>
-      <mc:AlternateContent xmlns:mc="http://schemas.openxmlformats.org/markup-compatibility/2006">
-        <mc:Choice xmlns:a14="http://schemas.microsoft.com/office/drawing/2010/main" Requires="a14">
+      <mc:AlternateContent xmlns:mc="http://schemas.openxmlformats.org/markup-compatibility/2006" xmlns:a14="http://schemas.microsoft.com/office/drawing/2010/main">
+        <mc:Choice Requires="a14">
           <p:sp>
             <p:nvSpPr>
               <p:cNvPr id="37" name="Inhaltsplatzhalter 6">
@@ -29858,7 +30462,7 @@
                     <m:sSub>
                       <m:sSubPr>
                         <m:ctrlPr>
-                          <a:rPr lang="de-DE" smtClean="0">
+                          <a:rPr lang="de-DE" i="1" smtClean="0">
                             <a:latin typeface="Cambria Math" panose="02040503050406030204" pitchFamily="18" charset="0"/>
                           </a:rPr>
                         </m:ctrlPr>
@@ -29937,7 +30541,7 @@
             </p:txBody>
           </p:sp>
         </mc:Choice>
-        <mc:Fallback>
+        <mc:Fallback xmlns="">
           <p:sp>
             <p:nvSpPr>
               <p:cNvPr id="37" name="Inhaltsplatzhalter 6">
@@ -29991,11 +30595,11 @@
   <p:clrMapOvr>
     <a:masterClrMapping/>
   </p:clrMapOvr>
-  <mc:AlternateContent xmlns:mc="http://schemas.openxmlformats.org/markup-compatibility/2006">
-    <mc:Choice xmlns:p14="http://schemas.microsoft.com/office/powerpoint/2010/main" Requires="p14">
+  <mc:AlternateContent xmlns:mc="http://schemas.openxmlformats.org/markup-compatibility/2006" xmlns:p14="http://schemas.microsoft.com/office/powerpoint/2010/main">
+    <mc:Choice Requires="p14">
       <p:transition spd="slow" p14:dur="2000" advTm="85783"/>
     </mc:Choice>
-    <mc:Fallback>
+    <mc:Fallback xmlns="">
       <p:transition spd="slow" advTm="85783"/>
     </mc:Fallback>
   </mc:AlternateContent>
@@ -30036,7 +30640,7 @@
           <a:p>
             <a:fld id="{C7355B21-B324-434D-ABB6-684CB6180B39}" type="datetime1">
               <a:rPr lang="de-DE" smtClean="0"/>
-              <a:t>28.05.2023</a:t>
+              <a:t>29.05.2023</a:t>
             </a:fld>
             <a:endParaRPr lang="de-DE"/>
           </a:p>
@@ -30435,10 +31039,10 @@
       </mc:AlternateContent>
       <p:pic>
         <p:nvPicPr>
-          <p:cNvPr id="18" name="Grafik 17" descr="Ein Bild, das Text, Screenshot, Reihe, Schrift enthält.&#10;&#10;Automatisch generierte Beschreibung">
+          <p:cNvPr id="10" name="Grafik 9" descr="Ein Bild, das Text, Screenshot, Schrift, Reihe enthält.&#10;&#10;Automatisch generierte Beschreibung">
             <a:extLst>
               <a:ext uri="{FF2B5EF4-FFF2-40B4-BE49-F238E27FC236}">
-                <a16:creationId xmlns:a16="http://schemas.microsoft.com/office/drawing/2014/main" id="{9A6802A3-AD97-25FB-8327-EA0C6226BA67}"/>
+                <a16:creationId xmlns:a16="http://schemas.microsoft.com/office/drawing/2014/main" id="{BFCA8EC6-6ABC-7158-8A39-E10AD3C18165}"/>
               </a:ext>
             </a:extLst>
           </p:cNvPr>
@@ -30461,67 +31065,60 @@
         </p:blipFill>
         <p:spPr>
           <a:xfrm>
-            <a:off x="297180" y="2217211"/>
-            <a:ext cx="6629499" cy="2584231"/>
+            <a:off x="396000" y="2061866"/>
+            <a:ext cx="6627012" cy="2634340"/>
           </a:xfrm>
           <a:prstGeom prst="rect">
             <a:avLst/>
           </a:prstGeom>
         </p:spPr>
       </p:pic>
-      <p:sp>
-        <p:nvSpPr>
-          <p:cNvPr id="4" name="Textfeld 3">
+      <p:cxnSp>
+        <p:nvCxnSpPr>
+          <p:cNvPr id="7" name="Gerader Verbinder 6">
             <a:extLst>
               <a:ext uri="{FF2B5EF4-FFF2-40B4-BE49-F238E27FC236}">
-                <a16:creationId xmlns:a16="http://schemas.microsoft.com/office/drawing/2014/main" id="{A6B395F4-96C0-C193-5BD2-18F01E4F0E4F}"/>
+                <a16:creationId xmlns:a16="http://schemas.microsoft.com/office/drawing/2014/main" id="{FBA8DEA1-A8B8-D3F9-2F95-AB6CF036A64B}"/>
               </a:ext>
             </a:extLst>
           </p:cNvPr>
-          <p:cNvSpPr txBox="1"/>
+          <p:cNvCxnSpPr/>
           <p:nvPr/>
-        </p:nvSpPr>
+        </p:nvCxnSpPr>
         <p:spPr>
-          <a:xfrm rot="20195998">
-            <a:off x="3314699" y="3162301"/>
-            <a:ext cx="847348" cy="369332"/>
+          <a:xfrm>
+            <a:off x="865981" y="2866231"/>
+            <a:ext cx="2457450" cy="0"/>
           </a:xfrm>
-          <a:prstGeom prst="rect">
+          <a:prstGeom prst="line">
             <a:avLst/>
           </a:prstGeom>
-          <a:noFill/>
-          <a:ln>
+          <a:ln w="9525">
             <a:solidFill>
-              <a:srgbClr val="FF0000"/>
+              <a:schemeClr val="bg2"/>
             </a:solidFill>
+            <a:prstDash val="sysDot"/>
           </a:ln>
         </p:spPr>
-        <p:txBody>
-          <a:bodyPr wrap="none" rtlCol="0">
-            <a:spAutoFit/>
-          </a:bodyPr>
-          <a:lstStyle/>
-          <a:p>
-            <a:r>
-              <a:rPr lang="de-DE" b="1">
-                <a:solidFill>
-                  <a:srgbClr val="FF0000"/>
-                </a:solidFill>
-              </a:rPr>
-              <a:t>TODO</a:t>
-            </a:r>
-            <a:endParaRPr lang="en-US" b="1">
-              <a:solidFill>
-                <a:srgbClr val="FF0000"/>
-              </a:solidFill>
-            </a:endParaRPr>
-          </a:p>
-        </p:txBody>
-      </p:sp>
+        <p:style>
+          <a:lnRef idx="1">
+            <a:schemeClr val="accent1"/>
+          </a:lnRef>
+          <a:fillRef idx="0">
+            <a:schemeClr val="accent1"/>
+          </a:fillRef>
+          <a:effectRef idx="0">
+            <a:schemeClr val="accent1"/>
+          </a:effectRef>
+          <a:fontRef idx="minor">
+            <a:schemeClr val="tx1"/>
+          </a:fontRef>
+        </p:style>
+      </p:cxnSp>
     </p:spTree>
     <p:extLst>
       <p:ext uri="{BB962C8B-B14F-4D97-AF65-F5344CB8AC3E}">
-        <p14:creationId xmlns:p14="http://schemas.microsoft.com/office/powerpoint/2010/main" val="2055068179"/>
+        <p14:creationId xmlns:p14="http://schemas.microsoft.com/office/powerpoint/2010/main" val="3745892717"/>
       </p:ext>
     </p:extLst>
   </p:cSld>
@@ -30573,7 +31170,7 @@
           <a:p>
             <a:fld id="{C7355B21-B324-434D-ABB6-684CB6180B39}" type="datetime1">
               <a:rPr lang="de-DE" smtClean="0"/>
-              <a:t>28.05.2023</a:t>
+              <a:t>29.05.2023</a:t>
             </a:fld>
             <a:endParaRPr lang="de-DE"/>
           </a:p>
@@ -30762,18 +31359,20 @@
                 <a:pPr lvl="1"/>
                 <a:r>
                   <a:rPr lang="de-DE" b="1"/>
-                  <a:t>Time over threshold (ToT)</a:t>
+                  <a:t>Threshold trigger (Th)</a:t>
                 </a:r>
               </a:p>
               <a:p>
-                <a:pPr lvl="1"/>
+                <a:pPr marL="266771" lvl="1" indent="0">
+                  <a:buNone/>
+                </a:pPr>
                 <a:endParaRPr lang="de-DE" sz="100" b="1"/>
               </a:p>
               <a:p>
                 <a:pPr lvl="2"/>
                 <a:r>
                   <a:rPr lang="de-DE" b="1"/>
-                  <a:t>More than 12 bins with </a:t>
+                  <a:t>PMTs register signal </a:t>
                 </a:r>
                 <a14:m>
                   <m:oMath xmlns:m="http://schemas.openxmlformats.org/officeDocument/2006/math">
@@ -30787,7 +31386,7 @@
                       <a:rPr lang="de-DE" b="0" i="1" smtClean="0">
                         <a:latin typeface="Cambria Math" panose="02040503050406030204" pitchFamily="18" charset="0"/>
                       </a:rPr>
-                      <m:t>≥0.2</m:t>
+                      <m:t>≥3.2</m:t>
                     </m:r>
                     <m:r>
                       <a:rPr lang="de-DE" b="0" i="0" smtClean="0">
@@ -30839,22 +31438,86 @@
                 </a14:m>
                 <a:r>
                   <a:rPr lang="de-DE"/>
+                  <a:t> (</a:t>
+                </a:r>
+                <a14:m>
+                  <m:oMath xmlns:m="http://schemas.openxmlformats.org/officeDocument/2006/math">
+                    <m:r>
+                      <a:rPr lang="de-DE" b="0" i="0" smtClean="0">
+                        <a:latin typeface="Cambria Math" panose="02040503050406030204" pitchFamily="18" charset="0"/>
+                      </a:rPr>
+                      <m:t>1.75</m:t>
+                    </m:r>
+                    <m:r>
+                      <a:rPr lang="de-DE">
+                        <a:latin typeface="Cambria Math" panose="02040503050406030204" pitchFamily="18" charset="0"/>
+                      </a:rPr>
+                      <m:t> </m:t>
+                    </m:r>
+                    <m:r>
+                      <m:rPr>
+                        <m:sty m:val="p"/>
+                      </m:rPr>
+                      <a:rPr lang="de-DE">
+                        <a:latin typeface="Cambria Math" panose="02040503050406030204" pitchFamily="18" charset="0"/>
+                      </a:rPr>
+                      <m:t>VE</m:t>
+                    </m:r>
+                    <m:sSub>
+                      <m:sSubPr>
+                        <m:ctrlPr>
+                          <a:rPr lang="de-DE" i="1">
+                            <a:latin typeface="Cambria Math" panose="02040503050406030204" pitchFamily="18" charset="0"/>
+                          </a:rPr>
+                        </m:ctrlPr>
+                      </m:sSubPr>
+                      <m:e>
+                        <m:r>
+                          <m:rPr>
+                            <m:sty m:val="p"/>
+                          </m:rPr>
+                          <a:rPr lang="de-DE">
+                            <a:latin typeface="Cambria Math" panose="02040503050406030204" pitchFamily="18" charset="0"/>
+                          </a:rPr>
+                          <m:t>M</m:t>
+                        </m:r>
+                      </m:e>
+                      <m:sub>
+                        <m:r>
+                          <m:rPr>
+                            <m:sty m:val="p"/>
+                          </m:rPr>
+                          <a:rPr lang="de-DE">
+                            <a:latin typeface="Cambria Math" panose="02040503050406030204" pitchFamily="18" charset="0"/>
+                          </a:rPr>
+                          <m:t>Peak</m:t>
+                        </m:r>
+                      </m:sub>
+                    </m:sSub>
+                  </m:oMath>
+                </a14:m>
+                <a:r>
+                  <a:rPr lang="de-DE"/>
                   <a:t> </a:t>
                 </a:r>
                 <a:r>
                   <a:rPr lang="de-DE" b="1"/>
-                  <a:t>in any 120 bin window</a:t>
+                  <a:t>for T1</a:t>
+                </a:r>
+                <a:r>
+                  <a:rPr lang="de-DE"/>
+                  <a:t>)</a:t>
                 </a:r>
               </a:p>
               <a:p>
                 <a:pPr lvl="2"/>
-                <a:endParaRPr lang="de-DE" sz="100" b="1"/>
+                <a:endParaRPr lang="de-DE" sz="100"/>
               </a:p>
               <a:p>
                 <a:pPr lvl="2"/>
                 <a:r>
                   <a:rPr lang="de-DE" b="1"/>
-                  <a:t>At least 2 out of 3 PMTs meet above critera</a:t>
+                  <a:t>Threshold must be exceeded simultaneously for all PMTs</a:t>
                 </a:r>
               </a:p>
             </p:txBody>
@@ -30906,10 +31569,10 @@
       </mc:AlternateContent>
       <p:pic>
         <p:nvPicPr>
-          <p:cNvPr id="19" name="Grafik 18" descr="Ein Bild, das Text, Screenshot, Reihe, Schrift enthält.&#10;&#10;Automatisch generierte Beschreibung">
+          <p:cNvPr id="10" name="Grafik 9" descr="Ein Bild, das Text, Screenshot, Schrift, Reihe enthält.&#10;&#10;Automatisch generierte Beschreibung">
             <a:extLst>
               <a:ext uri="{FF2B5EF4-FFF2-40B4-BE49-F238E27FC236}">
-                <a16:creationId xmlns:a16="http://schemas.microsoft.com/office/drawing/2014/main" id="{DDB03928-8F6C-1BA0-F8F3-4E72A8D48DD1}"/>
+                <a16:creationId xmlns:a16="http://schemas.microsoft.com/office/drawing/2014/main" id="{BFCA8EC6-6ABC-7158-8A39-E10AD3C18165}"/>
               </a:ext>
             </a:extLst>
           </p:cNvPr>
@@ -30932,8 +31595,8 @@
         </p:blipFill>
         <p:spPr>
           <a:xfrm>
-            <a:off x="297180" y="2217211"/>
-            <a:ext cx="6629499" cy="2584231"/>
+            <a:off x="396000" y="2061866"/>
+            <a:ext cx="6627012" cy="2634340"/>
           </a:xfrm>
           <a:prstGeom prst="rect">
             <a:avLst/>
@@ -30942,10 +31605,10 @@
       </p:pic>
       <p:sp>
         <p:nvSpPr>
-          <p:cNvPr id="22" name="Textfeld 21">
+          <p:cNvPr id="11" name="Textfeld 10">
             <a:extLst>
               <a:ext uri="{FF2B5EF4-FFF2-40B4-BE49-F238E27FC236}">
-                <a16:creationId xmlns:a16="http://schemas.microsoft.com/office/drawing/2014/main" id="{435356E4-296E-7B33-37C8-53D0F254CA7A}"/>
+                <a16:creationId xmlns:a16="http://schemas.microsoft.com/office/drawing/2014/main" id="{C7C1A11F-D572-A5D0-137A-C86D4B1AD73C}"/>
               </a:ext>
             </a:extLst>
           </p:cNvPr>
@@ -30953,19 +31616,76 @@
           <p:nvPr/>
         </p:nvSpPr>
         <p:spPr>
-          <a:xfrm rot="20195998">
-            <a:off x="3314699" y="3162301"/>
-            <a:ext cx="847348" cy="369332"/>
+          <a:xfrm>
+            <a:off x="7154874" y="3445615"/>
+            <a:ext cx="1795761" cy="769441"/>
           </a:xfrm>
           <a:prstGeom prst="rect">
             <a:avLst/>
           </a:prstGeom>
           <a:noFill/>
-          <a:ln>
+          <a:ln w="19050">
             <a:solidFill>
-              <a:srgbClr val="FF0000"/>
+              <a:schemeClr val="tx2"/>
             </a:solidFill>
           </a:ln>
+        </p:spPr>
+        <p:txBody>
+          <a:bodyPr wrap="square" rtlCol="0">
+            <a:spAutoFit/>
+          </a:bodyPr>
+          <a:lstStyle/>
+          <a:p>
+            <a:pPr algn="ctr"/>
+            <a:r>
+              <a:rPr lang="de-DE" sz="1100"/>
+              <a:t>Trigger thresholds defined for </a:t>
+            </a:r>
+            <a:r>
+              <a:rPr lang="de-DE" sz="1100" b="1"/>
+              <a:t>UB traces</a:t>
+            </a:r>
+            <a:r>
+              <a:rPr lang="de-DE" sz="1100"/>
+              <a:t>; measured data must be </a:t>
+            </a:r>
+            <a:r>
+              <a:rPr lang="de-DE" sz="1100">
+                <a:solidFill>
+                  <a:srgbClr val="C00000"/>
+                </a:solidFill>
+              </a:rPr>
+              <a:t>filtered and downsampled</a:t>
+            </a:r>
+            <a:endParaRPr lang="en-US" sz="1100">
+              <a:solidFill>
+                <a:srgbClr val="C00000"/>
+              </a:solidFill>
+            </a:endParaRPr>
+          </a:p>
+        </p:txBody>
+      </p:sp>
+      <p:sp>
+        <p:nvSpPr>
+          <p:cNvPr id="12" name="Textfeld 11">
+            <a:extLst>
+              <a:ext uri="{FF2B5EF4-FFF2-40B4-BE49-F238E27FC236}">
+                <a16:creationId xmlns:a16="http://schemas.microsoft.com/office/drawing/2014/main" id="{40F20585-683D-14BF-2670-09997AB2F29A}"/>
+              </a:ext>
+            </a:extLst>
+          </p:cNvPr>
+          <p:cNvSpPr txBox="1"/>
+          <p:nvPr/>
+        </p:nvSpPr>
+        <p:spPr>
+          <a:xfrm>
+            <a:off x="7048236" y="3204278"/>
+            <a:ext cx="1470274" cy="276999"/>
+          </a:xfrm>
+          <a:prstGeom prst="rect">
+            <a:avLst/>
+          </a:prstGeom>
+          <a:noFill/>
         </p:spPr>
         <p:txBody>
           <a:bodyPr wrap="none" rtlCol="0">
@@ -30974,25 +31694,109 @@
           <a:lstStyle/>
           <a:p>
             <a:r>
-              <a:rPr lang="de-DE" b="1">
+              <a:rPr lang="de-DE" sz="1200" b="1">
                 <a:solidFill>
-                  <a:srgbClr val="FF0000"/>
+                  <a:srgbClr val="C00000"/>
                 </a:solidFill>
               </a:rPr>
-              <a:t>TODO</a:t>
-            </a:r>
-            <a:endParaRPr lang="en-US" b="1">
+              <a:t>Different binning!</a:t>
+            </a:r>
+            <a:endParaRPr lang="en-US" sz="1200" b="1">
               <a:solidFill>
-                <a:srgbClr val="FF0000"/>
+                <a:srgbClr val="C00000"/>
               </a:solidFill>
             </a:endParaRPr>
           </a:p>
         </p:txBody>
       </p:sp>
+      <p:cxnSp>
+        <p:nvCxnSpPr>
+          <p:cNvPr id="14" name="Verbinder: gewinkelt 13">
+            <a:extLst>
+              <a:ext uri="{FF2B5EF4-FFF2-40B4-BE49-F238E27FC236}">
+                <a16:creationId xmlns:a16="http://schemas.microsoft.com/office/drawing/2014/main" id="{4543EE10-0A4B-790A-864E-2615EB81F172}"/>
+              </a:ext>
+            </a:extLst>
+          </p:cNvPr>
+          <p:cNvCxnSpPr>
+            <a:cxnSpLocks/>
+            <a:stCxn id="11" idx="2"/>
+          </p:cNvCxnSpPr>
+          <p:nvPr/>
+        </p:nvCxnSpPr>
+        <p:spPr>
+          <a:xfrm rot="5400000">
+            <a:off x="6041046" y="2562667"/>
+            <a:ext cx="359321" cy="3664099"/>
+          </a:xfrm>
+          <a:prstGeom prst="bentConnector2">
+            <a:avLst/>
+          </a:prstGeom>
+          <a:ln w="19050">
+            <a:tailEnd type="triangle"/>
+          </a:ln>
+        </p:spPr>
+        <p:style>
+          <a:lnRef idx="1">
+            <a:schemeClr val="accent1"/>
+          </a:lnRef>
+          <a:fillRef idx="0">
+            <a:schemeClr val="accent1"/>
+          </a:fillRef>
+          <a:effectRef idx="0">
+            <a:schemeClr val="accent1"/>
+          </a:effectRef>
+          <a:fontRef idx="minor">
+            <a:schemeClr val="tx1"/>
+          </a:fontRef>
+        </p:style>
+      </p:cxnSp>
+      <p:cxnSp>
+        <p:nvCxnSpPr>
+          <p:cNvPr id="7" name="Gerader Verbinder 6">
+            <a:extLst>
+              <a:ext uri="{FF2B5EF4-FFF2-40B4-BE49-F238E27FC236}">
+                <a16:creationId xmlns:a16="http://schemas.microsoft.com/office/drawing/2014/main" id="{FBA8DEA1-A8B8-D3F9-2F95-AB6CF036A64B}"/>
+              </a:ext>
+            </a:extLst>
+          </p:cNvPr>
+          <p:cNvCxnSpPr/>
+          <p:nvPr/>
+        </p:nvCxnSpPr>
+        <p:spPr>
+          <a:xfrm>
+            <a:off x="865981" y="2866231"/>
+            <a:ext cx="2457450" cy="0"/>
+          </a:xfrm>
+          <a:prstGeom prst="line">
+            <a:avLst/>
+          </a:prstGeom>
+          <a:ln w="9525">
+            <a:solidFill>
+              <a:schemeClr val="bg2"/>
+            </a:solidFill>
+            <a:prstDash val="sysDot"/>
+          </a:ln>
+        </p:spPr>
+        <p:style>
+          <a:lnRef idx="1">
+            <a:schemeClr val="accent1"/>
+          </a:lnRef>
+          <a:fillRef idx="0">
+            <a:schemeClr val="accent1"/>
+          </a:fillRef>
+          <a:effectRef idx="0">
+            <a:schemeClr val="accent1"/>
+          </a:effectRef>
+          <a:fontRef idx="minor">
+            <a:schemeClr val="tx1"/>
+          </a:fontRef>
+        </p:style>
+      </p:cxnSp>
     </p:spTree>
     <p:extLst>
       <p:ext uri="{BB962C8B-B14F-4D97-AF65-F5344CB8AC3E}">
-        <p14:creationId xmlns:p14="http://schemas.microsoft.com/office/powerpoint/2010/main" val="1308789061"/>
+        <p14:creationId xmlns:p14="http://schemas.microsoft.com/office/powerpoint/2010/main" val="1740076660"/>
       </p:ext>
     </p:extLst>
   </p:cSld>
